--- a/Perf Eval - Final presentation.pptx
+++ b/Perf Eval - Final presentation.pptx
@@ -6,7 +6,7 @@
     <p:sldMasterId id="2147483660" r:id="rId2"/>
   </p:sldMasterIdLst>
   <p:notesMasterIdLst>
-    <p:notesMasterId r:id="rId20"/>
+    <p:notesMasterId r:id="rId24"/>
   </p:notesMasterIdLst>
   <p:sldIdLst>
     <p:sldId id="256" r:id="rId3"/>
@@ -19,13 +19,17 @@
     <p:sldId id="260" r:id="rId10"/>
     <p:sldId id="261" r:id="rId11"/>
     <p:sldId id="263" r:id="rId12"/>
-    <p:sldId id="264" r:id="rId13"/>
-    <p:sldId id="268" r:id="rId14"/>
-    <p:sldId id="273" r:id="rId15"/>
-    <p:sldId id="274" r:id="rId16"/>
-    <p:sldId id="275" r:id="rId17"/>
-    <p:sldId id="276" r:id="rId18"/>
-    <p:sldId id="272" r:id="rId19"/>
+    <p:sldId id="280" r:id="rId13"/>
+    <p:sldId id="279" r:id="rId14"/>
+    <p:sldId id="281" r:id="rId15"/>
+    <p:sldId id="268" r:id="rId16"/>
+    <p:sldId id="282" r:id="rId17"/>
+    <p:sldId id="273" r:id="rId18"/>
+    <p:sldId id="274" r:id="rId19"/>
+    <p:sldId id="275" r:id="rId20"/>
+    <p:sldId id="276" r:id="rId21"/>
+    <p:sldId id="272" r:id="rId22"/>
+    <p:sldId id="283" r:id="rId23"/>
   </p:sldIdLst>
   <p:sldSz cx="12192000" cy="6858000"/>
   <p:notesSz cx="6858000" cy="9144000"/>
@@ -1459,11 +1463,11 @@
   <p:clrMapOvr>
     <a:masterClrMapping/>
   </p:clrMapOvr>
-  <mc:AlternateContent xmlns:mc="http://schemas.openxmlformats.org/markup-compatibility/2006">
-    <mc:Choice xmlns:p14="http://schemas.microsoft.com/office/powerpoint/2010/main" Requires="p14">
+  <mc:AlternateContent xmlns:mc="http://schemas.openxmlformats.org/markup-compatibility/2006" xmlns:p14="http://schemas.microsoft.com/office/powerpoint/2010/main">
+    <mc:Choice Requires="p14">
       <p:transition spd="slow" p14:dur="2000"/>
     </mc:Choice>
-    <mc:Fallback>
+    <mc:Fallback xmlns="">
       <p:transition spd="slow"/>
     </mc:Fallback>
   </mc:AlternateContent>
@@ -1667,11 +1671,11 @@
   <p:clrMapOvr>
     <a:masterClrMapping/>
   </p:clrMapOvr>
-  <mc:AlternateContent xmlns:mc="http://schemas.openxmlformats.org/markup-compatibility/2006">
-    <mc:Choice xmlns:p14="http://schemas.microsoft.com/office/powerpoint/2010/main" Requires="p14">
+  <mc:AlternateContent xmlns:mc="http://schemas.openxmlformats.org/markup-compatibility/2006" xmlns:p14="http://schemas.microsoft.com/office/powerpoint/2010/main">
+    <mc:Choice Requires="p14">
       <p:transition spd="slow" p14:dur="2000"/>
     </mc:Choice>
-    <mc:Fallback>
+    <mc:Fallback xmlns="">
       <p:transition spd="slow"/>
     </mc:Fallback>
   </mc:AlternateContent>
@@ -1845,11 +1849,11 @@
   <p:clrMapOvr>
     <a:masterClrMapping/>
   </p:clrMapOvr>
-  <mc:AlternateContent xmlns:mc="http://schemas.openxmlformats.org/markup-compatibility/2006">
-    <mc:Choice xmlns:p14="http://schemas.microsoft.com/office/powerpoint/2010/main" Requires="p14">
+  <mc:AlternateContent xmlns:mc="http://schemas.openxmlformats.org/markup-compatibility/2006" xmlns:p14="http://schemas.microsoft.com/office/powerpoint/2010/main">
+    <mc:Choice Requires="p14">
       <p:transition spd="slow" p14:dur="2000"/>
     </mc:Choice>
-    <mc:Fallback>
+    <mc:Fallback xmlns="">
       <p:transition spd="slow"/>
     </mc:Fallback>
   </mc:AlternateContent>
@@ -2131,11 +2135,11 @@
   <p:clrMapOvr>
     <a:masterClrMapping/>
   </p:clrMapOvr>
-  <mc:AlternateContent xmlns:mc="http://schemas.openxmlformats.org/markup-compatibility/2006">
-    <mc:Choice xmlns:p14="http://schemas.microsoft.com/office/powerpoint/2010/main" Requires="p14">
+  <mc:AlternateContent xmlns:mc="http://schemas.openxmlformats.org/markup-compatibility/2006" xmlns:p14="http://schemas.microsoft.com/office/powerpoint/2010/main">
+    <mc:Choice Requires="p14">
       <p:transition spd="slow" p14:dur="2000"/>
     </mc:Choice>
-    <mc:Fallback>
+    <mc:Fallback xmlns="">
       <p:transition spd="slow"/>
     </mc:Fallback>
   </mc:AlternateContent>
@@ -2486,11 +2490,11 @@
   <p:clrMapOvr>
     <a:masterClrMapping/>
   </p:clrMapOvr>
-  <mc:AlternateContent xmlns:mc="http://schemas.openxmlformats.org/markup-compatibility/2006">
-    <mc:Choice xmlns:p14="http://schemas.microsoft.com/office/powerpoint/2010/main" Requires="p14">
+  <mc:AlternateContent xmlns:mc="http://schemas.openxmlformats.org/markup-compatibility/2006" xmlns:p14="http://schemas.microsoft.com/office/powerpoint/2010/main">
+    <mc:Choice Requires="p14">
       <p:transition spd="slow" p14:dur="2000"/>
     </mc:Choice>
-    <mc:Fallback>
+    <mc:Fallback xmlns="">
       <p:transition spd="slow"/>
     </mc:Fallback>
   </mc:AlternateContent>
@@ -2626,11 +2630,11 @@
   <p:clrMapOvr>
     <a:masterClrMapping/>
   </p:clrMapOvr>
-  <mc:AlternateContent xmlns:mc="http://schemas.openxmlformats.org/markup-compatibility/2006">
-    <mc:Choice xmlns:p14="http://schemas.microsoft.com/office/powerpoint/2010/main" Requires="p14">
+  <mc:AlternateContent xmlns:mc="http://schemas.openxmlformats.org/markup-compatibility/2006" xmlns:p14="http://schemas.microsoft.com/office/powerpoint/2010/main">
+    <mc:Choice Requires="p14">
       <p:transition spd="slow" p14:dur="2000"/>
     </mc:Choice>
-    <mc:Fallback>
+    <mc:Fallback xmlns="">
       <p:transition spd="slow"/>
     </mc:Fallback>
   </mc:AlternateContent>
@@ -2738,11 +2742,11 @@
   <p:clrMapOvr>
     <a:masterClrMapping/>
   </p:clrMapOvr>
-  <mc:AlternateContent xmlns:mc="http://schemas.openxmlformats.org/markup-compatibility/2006">
-    <mc:Choice xmlns:p14="http://schemas.microsoft.com/office/powerpoint/2010/main" Requires="p14">
+  <mc:AlternateContent xmlns:mc="http://schemas.openxmlformats.org/markup-compatibility/2006" xmlns:p14="http://schemas.microsoft.com/office/powerpoint/2010/main">
+    <mc:Choice Requires="p14">
       <p:transition spd="slow" p14:dur="2000"/>
     </mc:Choice>
-    <mc:Fallback>
+    <mc:Fallback xmlns="">
       <p:transition spd="slow"/>
     </mc:Fallback>
   </mc:AlternateContent>
@@ -2988,11 +2992,11 @@
   <p:clrMapOvr>
     <a:masterClrMapping/>
   </p:clrMapOvr>
-  <mc:AlternateContent xmlns:mc="http://schemas.openxmlformats.org/markup-compatibility/2006">
-    <mc:Choice xmlns:p14="http://schemas.microsoft.com/office/powerpoint/2010/main" Requires="p14">
+  <mc:AlternateContent xmlns:mc="http://schemas.openxmlformats.org/markup-compatibility/2006" xmlns:p14="http://schemas.microsoft.com/office/powerpoint/2010/main">
+    <mc:Choice Requires="p14">
       <p:transition spd="slow" p14:dur="2000"/>
     </mc:Choice>
-    <mc:Fallback>
+    <mc:Fallback xmlns="">
       <p:transition spd="slow"/>
     </mc:Fallback>
   </mc:AlternateContent>
@@ -3364,11 +3368,11 @@
   <p:clrMapOvr>
     <a:masterClrMapping/>
   </p:clrMapOvr>
-  <mc:AlternateContent xmlns:mc="http://schemas.openxmlformats.org/markup-compatibility/2006">
-    <mc:Choice xmlns:p14="http://schemas.microsoft.com/office/powerpoint/2010/main" Requires="p14">
+  <mc:AlternateContent xmlns:mc="http://schemas.openxmlformats.org/markup-compatibility/2006" xmlns:p14="http://schemas.microsoft.com/office/powerpoint/2010/main">
+    <mc:Choice Requires="p14">
       <p:transition spd="slow" p14:dur="2000"/>
     </mc:Choice>
-    <mc:Fallback>
+    <mc:Fallback xmlns="">
       <p:transition spd="slow"/>
     </mc:Fallback>
   </mc:AlternateContent>
@@ -3572,11 +3576,11 @@
   <p:clrMapOvr>
     <a:masterClrMapping/>
   </p:clrMapOvr>
-  <mc:AlternateContent xmlns:mc="http://schemas.openxmlformats.org/markup-compatibility/2006">
-    <mc:Choice xmlns:p14="http://schemas.microsoft.com/office/powerpoint/2010/main" Requires="p14">
+  <mc:AlternateContent xmlns:mc="http://schemas.openxmlformats.org/markup-compatibility/2006" xmlns:p14="http://schemas.microsoft.com/office/powerpoint/2010/main">
+    <mc:Choice Requires="p14">
       <p:transition spd="slow" p14:dur="2000"/>
     </mc:Choice>
-    <mc:Fallback>
+    <mc:Fallback xmlns="">
       <p:transition spd="slow"/>
     </mc:Fallback>
   </mc:AlternateContent>
@@ -3790,11 +3794,11 @@
   <p:clrMapOvr>
     <a:masterClrMapping/>
   </p:clrMapOvr>
-  <mc:AlternateContent xmlns:mc="http://schemas.openxmlformats.org/markup-compatibility/2006">
-    <mc:Choice xmlns:p14="http://schemas.microsoft.com/office/powerpoint/2010/main" Requires="p14">
+  <mc:AlternateContent xmlns:mc="http://schemas.openxmlformats.org/markup-compatibility/2006" xmlns:p14="http://schemas.microsoft.com/office/powerpoint/2010/main">
+    <mc:Choice Requires="p14">
       <p:transition spd="slow" p14:dur="2000"/>
     </mc:Choice>
-    <mc:Fallback>
+    <mc:Fallback xmlns="">
       <p:transition spd="slow"/>
     </mc:Fallback>
   </mc:AlternateContent>
@@ -3930,11 +3934,11 @@
   <p:clrMapOvr>
     <a:masterClrMapping/>
   </p:clrMapOvr>
-  <mc:AlternateContent xmlns:mc="http://schemas.openxmlformats.org/markup-compatibility/2006">
-    <mc:Choice xmlns:p14="http://schemas.microsoft.com/office/powerpoint/2010/main" Requires="p14">
+  <mc:AlternateContent xmlns:mc="http://schemas.openxmlformats.org/markup-compatibility/2006" xmlns:p14="http://schemas.microsoft.com/office/powerpoint/2010/main">
+    <mc:Choice Requires="p14">
       <p:transition spd="slow" p14:dur="2000"/>
     </mc:Choice>
-    <mc:Fallback>
+    <mc:Fallback xmlns="">
       <p:transition spd="slow"/>
     </mc:Fallback>
   </mc:AlternateContent>
@@ -6581,11 +6585,11 @@
     <p:sldLayoutId id="2147483672" r:id="rId12"/>
     <p:sldLayoutId id="2147483673" r:id="rId13"/>
   </p:sldLayoutIdLst>
-  <mc:AlternateContent xmlns:mc="http://schemas.openxmlformats.org/markup-compatibility/2006">
-    <mc:Choice xmlns:p14="http://schemas.microsoft.com/office/powerpoint/2010/main" Requires="p14">
+  <mc:AlternateContent xmlns:mc="http://schemas.openxmlformats.org/markup-compatibility/2006" xmlns:p14="http://schemas.microsoft.com/office/powerpoint/2010/main">
+    <mc:Choice Requires="p14">
       <p:transition spd="slow" p14:dur="2000"/>
     </mc:Choice>
-    <mc:Fallback>
+    <mc:Fallback xmlns="">
       <p:transition spd="slow"/>
     </mc:Fallback>
   </mc:AlternateContent>
@@ -7115,15 +7119,7 @@
                   <a:srgbClr val="5F5F5F"/>
                 </a:solidFill>
               </a:rPr>
-              <a:t> </a:t>
-            </a:r>
-            <a:r>
-              <a:rPr lang="fr-FR" altLang="en-US" sz="1700" dirty="0" smtClean="0">
-                <a:solidFill>
-                  <a:srgbClr val="5F5F5F"/>
-                </a:solidFill>
-              </a:rPr>
-              <a:t>May 2015</a:t>
+              <a:t> May 2015</a:t>
             </a:r>
             <a:endParaRPr lang="fr-FR" altLang="en-US" sz="1700" dirty="0">
               <a:solidFill>
@@ -7443,7 +7439,7 @@
                   <a:srgbClr val="5F5F5F"/>
                 </a:solidFill>
               </a:rPr>
-              <a:t>1 to 500 clients (step of </a:t>
+              <a:t>From 1 </a:t>
             </a:r>
             <a:r>
               <a:rPr lang="en-US" sz="2200" dirty="0" smtClean="0">
@@ -7451,7 +7447,7 @@
                   <a:srgbClr val="5F5F5F"/>
                 </a:solidFill>
               </a:rPr>
-              <a:t>1) </a:t>
+              <a:t>to 500 </a:t>
             </a:r>
             <a:r>
               <a:rPr lang="en-US" sz="2200" dirty="0" smtClean="0">
@@ -7459,7 +7455,63 @@
                   <a:srgbClr val="5F5F5F"/>
                 </a:solidFill>
               </a:rPr>
-              <a:t>each sending 100 randomized requests over WIFI and Ethernet network.</a:t>
+              <a:t>parallel clients </a:t>
+            </a:r>
+            <a:r>
+              <a:rPr lang="en-US" sz="2200" dirty="0" smtClean="0">
+                <a:solidFill>
+                  <a:srgbClr val="5F5F5F"/>
+                </a:solidFill>
+              </a:rPr>
+              <a:t>(step of 1) each sending 100 randomized requests over </a:t>
+            </a:r>
+            <a:r>
+              <a:rPr lang="en-US" sz="2200" dirty="0" smtClean="0">
+                <a:solidFill>
+                  <a:srgbClr val="5F5F5F"/>
+                </a:solidFill>
+              </a:rPr>
+              <a:t>EPFL </a:t>
+            </a:r>
+            <a:r>
+              <a:rPr lang="en-US" sz="2200" dirty="0" err="1" smtClean="0">
+                <a:solidFill>
+                  <a:srgbClr val="5F5F5F"/>
+                </a:solidFill>
+              </a:rPr>
+              <a:t>WiFi</a:t>
+            </a:r>
+            <a:r>
+              <a:rPr lang="en-US" sz="2200" dirty="0" smtClean="0">
+                <a:solidFill>
+                  <a:srgbClr val="5F5F5F"/>
+                </a:solidFill>
+              </a:rPr>
+              <a:t> </a:t>
+            </a:r>
+            <a:r>
+              <a:rPr lang="en-US" sz="2200" dirty="0" smtClean="0">
+                <a:solidFill>
+                  <a:srgbClr val="5F5F5F"/>
+                </a:solidFill>
+              </a:rPr>
+              <a:t>and Ethernet </a:t>
+            </a:r>
+            <a:r>
+              <a:rPr lang="en-US" sz="2200" dirty="0" smtClean="0">
+                <a:solidFill>
+                  <a:srgbClr val="5F5F5F"/>
+                </a:solidFill>
+              </a:rPr>
+              <a:t>private network</a:t>
+            </a:r>
+            <a:r>
+              <a:rPr lang="en-US" sz="2200" dirty="0" smtClean="0">
+                <a:solidFill>
+                  <a:srgbClr val="5F5F5F"/>
+                </a:solidFill>
+              </a:rPr>
+              <a:t>.</a:t>
             </a:r>
           </a:p>
           <a:p>
@@ -7481,12 +7533,20 @@
               </a:buBlip>
             </a:pPr>
             <a:r>
+              <a:rPr lang="en-US" sz="2200" dirty="0" smtClean="0">
+                <a:solidFill>
+                  <a:srgbClr val="5F5F5F"/>
+                </a:solidFill>
+              </a:rPr>
+              <a:t>From 1 </a:t>
+            </a:r>
+            <a:r>
               <a:rPr lang="en-US" sz="2200" dirty="0">
                 <a:solidFill>
                   <a:srgbClr val="5F5F5F"/>
                 </a:solidFill>
               </a:rPr>
-              <a:t>1 to 500 </a:t>
+              <a:t>to 500 </a:t>
             </a:r>
             <a:r>
               <a:rPr lang="en-US" sz="2200" dirty="0" smtClean="0">
@@ -7494,7 +7554,15 @@
                   <a:srgbClr val="5F5F5F"/>
                 </a:solidFill>
               </a:rPr>
-              <a:t>clients (step of 20) </a:t>
+              <a:t>parallel clients </a:t>
+            </a:r>
+            <a:r>
+              <a:rPr lang="en-US" sz="2200" dirty="0" smtClean="0">
+                <a:solidFill>
+                  <a:srgbClr val="5F5F5F"/>
+                </a:solidFill>
+              </a:rPr>
+              <a:t>(step of 20) </a:t>
             </a:r>
             <a:r>
               <a:rPr lang="en-US" sz="2200" dirty="0">
@@ -7529,12 +7597,12 @@
               <a:t>requests over Ethernet </a:t>
             </a:r>
             <a:r>
-              <a:rPr lang="en-US" sz="2200" dirty="0">
+              <a:rPr lang="en-US" sz="2200" dirty="0" smtClean="0">
                 <a:solidFill>
                   <a:srgbClr val="5F5F5F"/>
                 </a:solidFill>
               </a:rPr>
-              <a:t>network</a:t>
+              <a:t>private network</a:t>
             </a:r>
             <a:r>
               <a:rPr lang="en-US" sz="2200" dirty="0" smtClean="0">
@@ -7574,7 +7642,7 @@
                   <a:srgbClr val="5F5F5F"/>
                 </a:solidFill>
               </a:rPr>
-              <a:t>Set </a:t>
+              <a:t>Set the number of clients (10, 25, </a:t>
             </a:r>
             <a:r>
               <a:rPr lang="en-US" sz="2200" dirty="0" smtClean="0">
@@ -7582,7 +7650,15 @@
                   <a:srgbClr val="5F5F5F"/>
                 </a:solidFill>
               </a:rPr>
-              <a:t>the number of clients (10, 25, 50, 300), each sending 100 requests over Ethernet</a:t>
+              <a:t>50 and </a:t>
+            </a:r>
+            <a:r>
+              <a:rPr lang="en-US" sz="2200" dirty="0" smtClean="0">
+                <a:solidFill>
+                  <a:srgbClr val="5F5F5F"/>
+                </a:solidFill>
+              </a:rPr>
+              <a:t>300), each sending 100 requests over Ethernet</a:t>
             </a:r>
             <a:r>
               <a:rPr lang="en-US" sz="2200" dirty="0">
@@ -7667,6 +7743,491 @@
 </file>
 
 <file path=ppt/slides/slide11.xml><?xml version="1.0" encoding="utf-8"?>
+<p:sld xmlns:a="http://schemas.openxmlformats.org/drawingml/2006/main" xmlns:r="http://schemas.openxmlformats.org/officeDocument/2006/relationships" xmlns:p="http://schemas.openxmlformats.org/presentationml/2006/main">
+  <p:cSld>
+    <p:spTree>
+      <p:nvGrpSpPr>
+        <p:cNvPr id="1" name=""/>
+        <p:cNvGrpSpPr/>
+        <p:nvPr/>
+      </p:nvGrpSpPr>
+      <p:grpSpPr>
+        <a:xfrm>
+          <a:off x="0" y="0"/>
+          <a:ext cx="0" cy="0"/>
+          <a:chOff x="0" y="0"/>
+          <a:chExt cx="0" cy="0"/>
+        </a:xfrm>
+      </p:grpSpPr>
+      <p:sp>
+        <p:nvSpPr>
+          <p:cNvPr id="2" name="Titre 1"/>
+          <p:cNvSpPr txBox="1">
+            <a:spLocks/>
+          </p:cNvSpPr>
+          <p:nvPr/>
+        </p:nvSpPr>
+        <p:spPr>
+          <a:xfrm>
+            <a:off x="0" y="409131"/>
+            <a:ext cx="12192000" cy="605853"/>
+          </a:xfrm>
+          <a:prstGeom prst="rect">
+            <a:avLst/>
+          </a:prstGeom>
+        </p:spPr>
+        <p:txBody>
+          <a:bodyPr vert="horz" lIns="91440" tIns="45720" rIns="91440" bIns="45720" rtlCol="0" anchor="ctr">
+            <a:noAutofit/>
+          </a:bodyPr>
+          <a:lstStyle>
+            <a:lvl1pPr algn="l" defTabSz="914400" rtl="0" eaLnBrk="1" latinLnBrk="0" hangingPunct="1">
+              <a:lnSpc>
+                <a:spcPct val="90000"/>
+              </a:lnSpc>
+              <a:spcBef>
+                <a:spcPct val="0"/>
+              </a:spcBef>
+              <a:buNone/>
+              <a:defRPr sz="4400" kern="1200">
+                <a:solidFill>
+                  <a:schemeClr val="tx1"/>
+                </a:solidFill>
+                <a:latin typeface="+mj-lt"/>
+                <a:ea typeface="+mj-ea"/>
+                <a:cs typeface="+mj-cs"/>
+              </a:defRPr>
+            </a:lvl1pPr>
+          </a:lstStyle>
+          <a:p>
+            <a:pPr algn="ctr" eaLnBrk="0" fontAlgn="base" hangingPunct="0">
+              <a:spcAft>
+                <a:spcPct val="0"/>
+              </a:spcAft>
+            </a:pPr>
+            <a:r>
+              <a:rPr lang="fr-CH" altLang="en-US" sz="3600" b="1" dirty="0" err="1" smtClean="0">
+                <a:solidFill>
+                  <a:srgbClr val="0099CC"/>
+                </a:solidFill>
+                <a:latin typeface="+mn-lt"/>
+              </a:rPr>
+              <a:t>Numerical</a:t>
+            </a:r>
+            <a:r>
+              <a:rPr lang="fr-CH" altLang="en-US" sz="3600" b="1" dirty="0" smtClean="0">
+                <a:solidFill>
+                  <a:srgbClr val="0099CC"/>
+                </a:solidFill>
+                <a:latin typeface="+mn-lt"/>
+              </a:rPr>
+              <a:t> </a:t>
+            </a:r>
+            <a:r>
+              <a:rPr lang="fr-CH" altLang="en-US" sz="3600" b="1" dirty="0" err="1" smtClean="0">
+                <a:solidFill>
+                  <a:srgbClr val="0099CC"/>
+                </a:solidFill>
+                <a:latin typeface="+mn-lt"/>
+              </a:rPr>
+              <a:t>Analysis</a:t>
+            </a:r>
+            <a:r>
+              <a:rPr lang="fr-CH" altLang="en-US" sz="3600" b="1" dirty="0" smtClean="0">
+                <a:solidFill>
+                  <a:srgbClr val="0099CC"/>
+                </a:solidFill>
+                <a:latin typeface="+mn-lt"/>
+              </a:rPr>
+              <a:t>:</a:t>
+            </a:r>
+          </a:p>
+          <a:p>
+            <a:pPr algn="ctr" eaLnBrk="0" fontAlgn="base" hangingPunct="0">
+              <a:spcAft>
+                <a:spcPct val="0"/>
+              </a:spcAft>
+            </a:pPr>
+            <a:r>
+              <a:rPr lang="fr-CH" altLang="en-US" sz="3600" b="1" dirty="0" smtClean="0">
+                <a:solidFill>
+                  <a:srgbClr val="0099CC"/>
+                </a:solidFill>
+                <a:latin typeface="+mn-lt"/>
+              </a:rPr>
+              <a:t>Goals </a:t>
+            </a:r>
+            <a:r>
+              <a:rPr lang="fr-CH" altLang="en-US" sz="3600" b="1" dirty="0" err="1" smtClean="0">
+                <a:solidFill>
+                  <a:srgbClr val="0099CC"/>
+                </a:solidFill>
+                <a:latin typeface="+mn-lt"/>
+              </a:rPr>
+              <a:t>recall</a:t>
+            </a:r>
+            <a:endParaRPr lang="fr-CH" altLang="en-US" sz="3600" b="1" dirty="0" smtClean="0">
+              <a:solidFill>
+                <a:srgbClr val="0099CC"/>
+              </a:solidFill>
+              <a:latin typeface="+mn-lt"/>
+            </a:endParaRPr>
+          </a:p>
+        </p:txBody>
+      </p:sp>
+      <p:sp>
+        <p:nvSpPr>
+          <p:cNvPr id="3" name="Sous-titre 2"/>
+          <p:cNvSpPr txBox="1">
+            <a:spLocks/>
+          </p:cNvSpPr>
+          <p:nvPr/>
+        </p:nvSpPr>
+        <p:spPr>
+          <a:xfrm>
+            <a:off x="777240" y="2065846"/>
+            <a:ext cx="10671048" cy="2881058"/>
+          </a:xfrm>
+          <a:prstGeom prst="rect">
+            <a:avLst/>
+          </a:prstGeom>
+        </p:spPr>
+        <p:txBody>
+          <a:bodyPr vert="horz" lIns="91440" tIns="45720" rIns="91440" bIns="45720" rtlCol="0">
+            <a:noAutofit/>
+          </a:bodyPr>
+          <a:lstStyle>
+            <a:lvl1pPr marL="228600" indent="-228600" algn="l" defTabSz="914400" rtl="0" eaLnBrk="1" latinLnBrk="0" hangingPunct="1">
+              <a:lnSpc>
+                <a:spcPct val="90000"/>
+              </a:lnSpc>
+              <a:spcBef>
+                <a:spcPts val="1000"/>
+              </a:spcBef>
+              <a:buFont typeface="Arial" panose="020B0604020202020204" pitchFamily="34" charset="0"/>
+              <a:buChar char="•"/>
+              <a:defRPr sz="2800" kern="1200">
+                <a:solidFill>
+                  <a:schemeClr val="tx1"/>
+                </a:solidFill>
+                <a:latin typeface="+mn-lt"/>
+                <a:ea typeface="+mn-ea"/>
+                <a:cs typeface="+mn-cs"/>
+              </a:defRPr>
+            </a:lvl1pPr>
+            <a:lvl2pPr marL="685800" indent="-228600" algn="l" defTabSz="914400" rtl="0" eaLnBrk="1" latinLnBrk="0" hangingPunct="1">
+              <a:lnSpc>
+                <a:spcPct val="90000"/>
+              </a:lnSpc>
+              <a:spcBef>
+                <a:spcPts val="500"/>
+              </a:spcBef>
+              <a:buFont typeface="Arial" panose="020B0604020202020204" pitchFamily="34" charset="0"/>
+              <a:buChar char="•"/>
+              <a:defRPr sz="2400" kern="1200">
+                <a:solidFill>
+                  <a:schemeClr val="tx1"/>
+                </a:solidFill>
+                <a:latin typeface="+mn-lt"/>
+                <a:ea typeface="+mn-ea"/>
+                <a:cs typeface="+mn-cs"/>
+              </a:defRPr>
+            </a:lvl2pPr>
+            <a:lvl3pPr marL="1143000" indent="-228600" algn="l" defTabSz="914400" rtl="0" eaLnBrk="1" latinLnBrk="0" hangingPunct="1">
+              <a:lnSpc>
+                <a:spcPct val="90000"/>
+              </a:lnSpc>
+              <a:spcBef>
+                <a:spcPts val="500"/>
+              </a:spcBef>
+              <a:buFont typeface="Arial" panose="020B0604020202020204" pitchFamily="34" charset="0"/>
+              <a:buChar char="•"/>
+              <a:defRPr sz="2000" kern="1200">
+                <a:solidFill>
+                  <a:schemeClr val="tx1"/>
+                </a:solidFill>
+                <a:latin typeface="+mn-lt"/>
+                <a:ea typeface="+mn-ea"/>
+                <a:cs typeface="+mn-cs"/>
+              </a:defRPr>
+            </a:lvl3pPr>
+            <a:lvl4pPr marL="1600200" indent="-228600" algn="l" defTabSz="914400" rtl="0" eaLnBrk="1" latinLnBrk="0" hangingPunct="1">
+              <a:lnSpc>
+                <a:spcPct val="90000"/>
+              </a:lnSpc>
+              <a:spcBef>
+                <a:spcPts val="500"/>
+              </a:spcBef>
+              <a:buFont typeface="Arial" panose="020B0604020202020204" pitchFamily="34" charset="0"/>
+              <a:buChar char="•"/>
+              <a:defRPr sz="1800" kern="1200">
+                <a:solidFill>
+                  <a:schemeClr val="tx1"/>
+                </a:solidFill>
+                <a:latin typeface="+mn-lt"/>
+                <a:ea typeface="+mn-ea"/>
+                <a:cs typeface="+mn-cs"/>
+              </a:defRPr>
+            </a:lvl4pPr>
+            <a:lvl5pPr marL="2057400" indent="-228600" algn="l" defTabSz="914400" rtl="0" eaLnBrk="1" latinLnBrk="0" hangingPunct="1">
+              <a:lnSpc>
+                <a:spcPct val="90000"/>
+              </a:lnSpc>
+              <a:spcBef>
+                <a:spcPts val="500"/>
+              </a:spcBef>
+              <a:buFont typeface="Arial" panose="020B0604020202020204" pitchFamily="34" charset="0"/>
+              <a:buChar char="•"/>
+              <a:defRPr sz="1800" kern="1200">
+                <a:solidFill>
+                  <a:schemeClr val="tx1"/>
+                </a:solidFill>
+                <a:latin typeface="+mn-lt"/>
+                <a:ea typeface="+mn-ea"/>
+                <a:cs typeface="+mn-cs"/>
+              </a:defRPr>
+            </a:lvl5pPr>
+            <a:lvl6pPr marL="2514600" indent="-228600" algn="l" defTabSz="914400" rtl="0" eaLnBrk="1" latinLnBrk="0" hangingPunct="1">
+              <a:lnSpc>
+                <a:spcPct val="90000"/>
+              </a:lnSpc>
+              <a:spcBef>
+                <a:spcPts val="500"/>
+              </a:spcBef>
+              <a:buFont typeface="Arial" panose="020B0604020202020204" pitchFamily="34" charset="0"/>
+              <a:buChar char="•"/>
+              <a:defRPr sz="1800" kern="1200">
+                <a:solidFill>
+                  <a:schemeClr val="tx1"/>
+                </a:solidFill>
+                <a:latin typeface="+mn-lt"/>
+                <a:ea typeface="+mn-ea"/>
+                <a:cs typeface="+mn-cs"/>
+              </a:defRPr>
+            </a:lvl6pPr>
+            <a:lvl7pPr marL="2971800" indent="-228600" algn="l" defTabSz="914400" rtl="0" eaLnBrk="1" latinLnBrk="0" hangingPunct="1">
+              <a:lnSpc>
+                <a:spcPct val="90000"/>
+              </a:lnSpc>
+              <a:spcBef>
+                <a:spcPts val="500"/>
+              </a:spcBef>
+              <a:buFont typeface="Arial" panose="020B0604020202020204" pitchFamily="34" charset="0"/>
+              <a:buChar char="•"/>
+              <a:defRPr sz="1800" kern="1200">
+                <a:solidFill>
+                  <a:schemeClr val="tx1"/>
+                </a:solidFill>
+                <a:latin typeface="+mn-lt"/>
+                <a:ea typeface="+mn-ea"/>
+                <a:cs typeface="+mn-cs"/>
+              </a:defRPr>
+            </a:lvl7pPr>
+            <a:lvl8pPr marL="3429000" indent="-228600" algn="l" defTabSz="914400" rtl="0" eaLnBrk="1" latinLnBrk="0" hangingPunct="1">
+              <a:lnSpc>
+                <a:spcPct val="90000"/>
+              </a:lnSpc>
+              <a:spcBef>
+                <a:spcPts val="500"/>
+              </a:spcBef>
+              <a:buFont typeface="Arial" panose="020B0604020202020204" pitchFamily="34" charset="0"/>
+              <a:buChar char="•"/>
+              <a:defRPr sz="1800" kern="1200">
+                <a:solidFill>
+                  <a:schemeClr val="tx1"/>
+                </a:solidFill>
+                <a:latin typeface="+mn-lt"/>
+                <a:ea typeface="+mn-ea"/>
+                <a:cs typeface="+mn-cs"/>
+              </a:defRPr>
+            </a:lvl8pPr>
+            <a:lvl9pPr marL="3886200" indent="-228600" algn="l" defTabSz="914400" rtl="0" eaLnBrk="1" latinLnBrk="0" hangingPunct="1">
+              <a:lnSpc>
+                <a:spcPct val="90000"/>
+              </a:lnSpc>
+              <a:spcBef>
+                <a:spcPts val="500"/>
+              </a:spcBef>
+              <a:buFont typeface="Arial" panose="020B0604020202020204" pitchFamily="34" charset="0"/>
+              <a:buChar char="•"/>
+              <a:defRPr sz="1800" kern="1200">
+                <a:solidFill>
+                  <a:schemeClr val="tx1"/>
+                </a:solidFill>
+                <a:latin typeface="+mn-lt"/>
+                <a:ea typeface="+mn-ea"/>
+                <a:cs typeface="+mn-cs"/>
+              </a:defRPr>
+            </a:lvl9pPr>
+          </a:lstStyle>
+          <a:p>
+            <a:pPr marL="342900" indent="-342900" eaLnBrk="0" fontAlgn="base" hangingPunct="0">
+              <a:lnSpc>
+                <a:spcPct val="150000"/>
+              </a:lnSpc>
+              <a:spcBef>
+                <a:spcPct val="20000"/>
+              </a:spcBef>
+              <a:spcAft>
+                <a:spcPct val="0"/>
+              </a:spcAft>
+              <a:buClr>
+                <a:schemeClr val="accent1"/>
+              </a:buClr>
+              <a:buBlip>
+                <a:blip r:embed="rId2"/>
+              </a:buBlip>
+            </a:pPr>
+            <a:r>
+              <a:rPr lang="en-US" sz="2200" dirty="0" smtClean="0">
+                <a:solidFill>
+                  <a:srgbClr val="5F5F5F"/>
+                </a:solidFill>
+              </a:rPr>
+              <a:t>Evaluate the </a:t>
+            </a:r>
+            <a:r>
+              <a:rPr lang="en-US" sz="2200" dirty="0" smtClean="0">
+                <a:solidFill>
+                  <a:srgbClr val="5F5F5F"/>
+                </a:solidFill>
+              </a:rPr>
+              <a:t>performance </a:t>
+            </a:r>
+            <a:r>
+              <a:rPr lang="en-US" sz="2200" dirty="0" smtClean="0">
+                <a:solidFill>
+                  <a:srgbClr val="5F5F5F"/>
+                </a:solidFill>
+              </a:rPr>
+              <a:t>of all the architectures of In-Memory Data-Stores that we built</a:t>
+            </a:r>
+          </a:p>
+          <a:p>
+            <a:pPr marL="342900" indent="-342900" eaLnBrk="0" fontAlgn="base" hangingPunct="0">
+              <a:lnSpc>
+                <a:spcPct val="150000"/>
+              </a:lnSpc>
+              <a:spcBef>
+                <a:spcPct val="20000"/>
+              </a:spcBef>
+              <a:spcAft>
+                <a:spcPct val="0"/>
+              </a:spcAft>
+              <a:buClr>
+                <a:schemeClr val="accent1"/>
+              </a:buClr>
+              <a:buBlip>
+                <a:blip r:embed="rId2"/>
+              </a:buBlip>
+            </a:pPr>
+            <a:r>
+              <a:rPr lang="en-US" sz="2200" dirty="0" smtClean="0">
+                <a:solidFill>
+                  <a:srgbClr val="5F5F5F"/>
+                </a:solidFill>
+              </a:rPr>
+              <a:t>Compare the performances between the different architectures</a:t>
+            </a:r>
+          </a:p>
+          <a:p>
+            <a:pPr marL="342900" indent="-342900" eaLnBrk="0" fontAlgn="base" hangingPunct="0">
+              <a:lnSpc>
+                <a:spcPct val="150000"/>
+              </a:lnSpc>
+              <a:spcBef>
+                <a:spcPct val="20000"/>
+              </a:spcBef>
+              <a:spcAft>
+                <a:spcPct val="0"/>
+              </a:spcAft>
+              <a:buClr>
+                <a:schemeClr val="accent1"/>
+              </a:buClr>
+              <a:buBlip>
+                <a:blip r:embed="rId2"/>
+              </a:buBlip>
+            </a:pPr>
+            <a:r>
+              <a:rPr lang="en-US" sz="2200" dirty="0" smtClean="0">
+                <a:solidFill>
+                  <a:srgbClr val="5F5F5F"/>
+                </a:solidFill>
+              </a:rPr>
+              <a:t>Give suitable architecture depending on average clients served</a:t>
+            </a:r>
+          </a:p>
+          <a:p>
+            <a:pPr marL="342900" indent="-342900" eaLnBrk="0" fontAlgn="base" hangingPunct="0">
+              <a:lnSpc>
+                <a:spcPct val="150000"/>
+              </a:lnSpc>
+              <a:spcBef>
+                <a:spcPct val="20000"/>
+              </a:spcBef>
+              <a:spcAft>
+                <a:spcPct val="0"/>
+              </a:spcAft>
+              <a:buClr>
+                <a:schemeClr val="accent1"/>
+              </a:buClr>
+              <a:buBlip>
+                <a:blip r:embed="rId2"/>
+              </a:buBlip>
+            </a:pPr>
+            <a:r>
+              <a:rPr lang="en-US" sz="2200" dirty="0" smtClean="0">
+                <a:solidFill>
+                  <a:srgbClr val="5F5F5F"/>
+                </a:solidFill>
+              </a:rPr>
+              <a:t>Performance analysis will be, in this case, analysis of the average waiting time of a client for an answer after performing a request to the data-store</a:t>
+            </a:r>
+          </a:p>
+          <a:p>
+            <a:pPr lvl="1">
+              <a:lnSpc>
+                <a:spcPct val="150000"/>
+              </a:lnSpc>
+              <a:buClr>
+                <a:schemeClr val="accent1"/>
+              </a:buClr>
+              <a:buFont typeface="Wingdings" panose="05000000000000000000" pitchFamily="2" charset="2"/>
+              <a:buChar char="§"/>
+            </a:pPr>
+            <a:endParaRPr lang="en-US" sz="2200" dirty="0" smtClean="0"/>
+          </a:p>
+          <a:p>
+            <a:pPr>
+              <a:lnSpc>
+                <a:spcPct val="150000"/>
+              </a:lnSpc>
+            </a:pPr>
+            <a:endParaRPr lang="fr-CH" sz="2200" dirty="0"/>
+          </a:p>
+        </p:txBody>
+      </p:sp>
+    </p:spTree>
+    <p:extLst>
+      <p:ext uri="{BB962C8B-B14F-4D97-AF65-F5344CB8AC3E}">
+        <p14:creationId xmlns:p14="http://schemas.microsoft.com/office/powerpoint/2010/main" val="675851684"/>
+      </p:ext>
+    </p:extLst>
+  </p:cSld>
+  <p:clrMapOvr>
+    <a:masterClrMapping/>
+  </p:clrMapOvr>
+  <p:timing>
+    <p:tnLst>
+      <p:par>
+        <p:cTn id="1" dur="indefinite" restart="never" nodeType="tmRoot"/>
+      </p:par>
+    </p:tnLst>
+  </p:timing>
+</p:sld>
+</file>
+
+<file path=ppt/slides/slide12.xml><?xml version="1.0" encoding="utf-8"?>
 <p:sld xmlns:a="http://schemas.openxmlformats.org/drawingml/2006/main" xmlns:r="http://schemas.openxmlformats.org/officeDocument/2006/relationships" xmlns:p="http://schemas.openxmlformats.org/presentationml/2006/main">
   <p:cSld>
     <p:spTree>
@@ -7705,8 +8266,8 @@
         </p:blipFill>
         <p:spPr>
           <a:xfrm>
-            <a:off x="146304" y="1287402"/>
-            <a:ext cx="5623560" cy="4467061"/>
+            <a:off x="171173" y="585684"/>
+            <a:ext cx="7259390" cy="5766478"/>
           </a:xfrm>
           <a:prstGeom prst="rect">
             <a:avLst/>
@@ -7760,74 +8321,40 @@
               </a:spcAft>
             </a:pPr>
             <a:r>
+              <a:rPr lang="fr-CH" altLang="en-US" sz="3600" b="1" dirty="0" smtClean="0">
+                <a:solidFill>
+                  <a:srgbClr val="0099CC"/>
+                </a:solidFill>
+                <a:latin typeface="+mn-lt"/>
+              </a:rPr>
+              <a:t>1 </a:t>
+            </a:r>
+            <a:r>
+              <a:rPr lang="fr-CH" altLang="en-US" sz="3600" b="1" dirty="0" smtClean="0">
+                <a:solidFill>
+                  <a:srgbClr val="0099CC"/>
+                </a:solidFill>
+                <a:latin typeface="+mn-lt"/>
+              </a:rPr>
+              <a:t>to 500 </a:t>
+            </a:r>
+            <a:r>
+              <a:rPr lang="fr-CH" altLang="en-US" sz="3600" b="1" dirty="0" smtClean="0">
+                <a:solidFill>
+                  <a:srgbClr val="0099CC"/>
+                </a:solidFill>
+                <a:latin typeface="+mn-lt"/>
+              </a:rPr>
+              <a:t>clients over EPFL </a:t>
+            </a:r>
+            <a:r>
               <a:rPr lang="fr-CH" altLang="en-US" sz="3600" b="1" dirty="0" err="1" smtClean="0">
                 <a:solidFill>
                   <a:srgbClr val="0099CC"/>
                 </a:solidFill>
                 <a:latin typeface="+mn-lt"/>
               </a:rPr>
-              <a:t>Numerical</a:t>
-            </a:r>
-            <a:r>
-              <a:rPr lang="fr-CH" altLang="en-US" sz="3600" b="1" dirty="0" smtClean="0">
-                <a:solidFill>
-                  <a:srgbClr val="0099CC"/>
-                </a:solidFill>
-                <a:latin typeface="+mn-lt"/>
-              </a:rPr>
-              <a:t> </a:t>
-            </a:r>
-            <a:r>
-              <a:rPr lang="fr-CH" altLang="en-US" sz="3600" b="1" dirty="0" err="1" smtClean="0">
-                <a:solidFill>
-                  <a:srgbClr val="0099CC"/>
-                </a:solidFill>
-                <a:latin typeface="+mn-lt"/>
-              </a:rPr>
-              <a:t>analysis</a:t>
-            </a:r>
-            <a:r>
-              <a:rPr lang="fr-CH" altLang="en-US" sz="3600" b="1" dirty="0" smtClean="0">
-                <a:solidFill>
-                  <a:srgbClr val="0099CC"/>
-                </a:solidFill>
-                <a:latin typeface="+mn-lt"/>
-              </a:rPr>
-              <a:t>: 1 to </a:t>
-            </a:r>
-            <a:r>
-              <a:rPr lang="fr-CH" altLang="en-US" sz="3600" b="1" dirty="0" smtClean="0">
-                <a:solidFill>
-                  <a:srgbClr val="0099CC"/>
-                </a:solidFill>
-                <a:latin typeface="+mn-lt"/>
-              </a:rPr>
-              <a:t>500</a:t>
-            </a:r>
-            <a:r>
-              <a:rPr lang="fr-CH" altLang="en-US" sz="3600" b="1" dirty="0" smtClean="0">
-                <a:solidFill>
-                  <a:srgbClr val="0099CC"/>
-                </a:solidFill>
-                <a:latin typeface="+mn-lt"/>
-              </a:rPr>
-              <a:t> clients </a:t>
-            </a:r>
-          </a:p>
-          <a:p>
-            <a:pPr algn="ctr" eaLnBrk="0" fontAlgn="base" hangingPunct="0">
-              <a:spcAft>
-                <a:spcPct val="0"/>
-              </a:spcAft>
-            </a:pPr>
-            <a:r>
-              <a:rPr lang="fr-CH" altLang="en-US" sz="3600" b="1" dirty="0" smtClean="0">
-                <a:solidFill>
-                  <a:srgbClr val="0099CC"/>
-                </a:solidFill>
-                <a:latin typeface="+mn-lt"/>
-              </a:rPr>
-              <a:t>WIFI vs Ethernet</a:t>
+              <a:t>WiFi</a:t>
             </a:r>
             <a:endParaRPr lang="fr-CH" altLang="en-US" sz="3600" b="1" dirty="0" smtClean="0">
               <a:solidFill>
@@ -7838,262 +8365,272 @@
           </a:p>
         </p:txBody>
       </p:sp>
-      <p:pic>
-        <p:nvPicPr>
-          <p:cNvPr id="5" name="Image 4"/>
-          <p:cNvPicPr>
-            <a:picLocks noChangeAspect="1"/>
-          </p:cNvPicPr>
+      <p:sp>
+        <p:nvSpPr>
+          <p:cNvPr id="9" name="Sous-titre 2"/>
+          <p:cNvSpPr txBox="1">
+            <a:spLocks/>
+          </p:cNvSpPr>
           <p:nvPr/>
-        </p:nvPicPr>
-        <p:blipFill>
-          <a:blip r:embed="rId3" cstate="print">
-            <a:extLst>
-              <a:ext uri="{28A0092B-C50C-407E-A947-70E740481C1C}">
-                <a14:useLocalDpi xmlns:a14="http://schemas.microsoft.com/office/drawing/2010/main" val="0"/>
-              </a:ext>
-            </a:extLst>
-          </a:blip>
-          <a:stretch>
-            <a:fillRect/>
-          </a:stretch>
-        </p:blipFill>
+        </p:nvSpPr>
         <p:spPr>
           <a:xfrm>
-            <a:off x="5566932" y="1399032"/>
-            <a:ext cx="5418060" cy="4355431"/>
+            <a:off x="7601735" y="1014984"/>
+            <a:ext cx="4288536" cy="2058956"/>
           </a:xfrm>
           <a:prstGeom prst="rect">
             <a:avLst/>
           </a:prstGeom>
         </p:spPr>
-      </p:pic>
+        <p:txBody>
+          <a:bodyPr vert="horz" lIns="91440" tIns="45720" rIns="91440" bIns="45720" rtlCol="0">
+            <a:noAutofit/>
+          </a:bodyPr>
+          <a:lstStyle>
+            <a:lvl1pPr marL="228600" indent="-228600" algn="l" defTabSz="914400" rtl="0" eaLnBrk="1" latinLnBrk="0" hangingPunct="1">
+              <a:lnSpc>
+                <a:spcPct val="90000"/>
+              </a:lnSpc>
+              <a:spcBef>
+                <a:spcPts val="1000"/>
+              </a:spcBef>
+              <a:buFont typeface="Arial" panose="020B0604020202020204" pitchFamily="34" charset="0"/>
+              <a:buChar char="•"/>
+              <a:defRPr sz="2800" kern="1200">
+                <a:solidFill>
+                  <a:schemeClr val="tx1"/>
+                </a:solidFill>
+                <a:latin typeface="+mn-lt"/>
+                <a:ea typeface="+mn-ea"/>
+                <a:cs typeface="+mn-cs"/>
+              </a:defRPr>
+            </a:lvl1pPr>
+            <a:lvl2pPr marL="685800" indent="-228600" algn="l" defTabSz="914400" rtl="0" eaLnBrk="1" latinLnBrk="0" hangingPunct="1">
+              <a:lnSpc>
+                <a:spcPct val="90000"/>
+              </a:lnSpc>
+              <a:spcBef>
+                <a:spcPts val="500"/>
+              </a:spcBef>
+              <a:buFont typeface="Arial" panose="020B0604020202020204" pitchFamily="34" charset="0"/>
+              <a:buChar char="•"/>
+              <a:defRPr sz="2400" kern="1200">
+                <a:solidFill>
+                  <a:schemeClr val="tx1"/>
+                </a:solidFill>
+                <a:latin typeface="+mn-lt"/>
+                <a:ea typeface="+mn-ea"/>
+                <a:cs typeface="+mn-cs"/>
+              </a:defRPr>
+            </a:lvl2pPr>
+            <a:lvl3pPr marL="1143000" indent="-228600" algn="l" defTabSz="914400" rtl="0" eaLnBrk="1" latinLnBrk="0" hangingPunct="1">
+              <a:lnSpc>
+                <a:spcPct val="90000"/>
+              </a:lnSpc>
+              <a:spcBef>
+                <a:spcPts val="500"/>
+              </a:spcBef>
+              <a:buFont typeface="Arial" panose="020B0604020202020204" pitchFamily="34" charset="0"/>
+              <a:buChar char="•"/>
+              <a:defRPr sz="2000" kern="1200">
+                <a:solidFill>
+                  <a:schemeClr val="tx1"/>
+                </a:solidFill>
+                <a:latin typeface="+mn-lt"/>
+                <a:ea typeface="+mn-ea"/>
+                <a:cs typeface="+mn-cs"/>
+              </a:defRPr>
+            </a:lvl3pPr>
+            <a:lvl4pPr marL="1600200" indent="-228600" algn="l" defTabSz="914400" rtl="0" eaLnBrk="1" latinLnBrk="0" hangingPunct="1">
+              <a:lnSpc>
+                <a:spcPct val="90000"/>
+              </a:lnSpc>
+              <a:spcBef>
+                <a:spcPts val="500"/>
+              </a:spcBef>
+              <a:buFont typeface="Arial" panose="020B0604020202020204" pitchFamily="34" charset="0"/>
+              <a:buChar char="•"/>
+              <a:defRPr sz="1800" kern="1200">
+                <a:solidFill>
+                  <a:schemeClr val="tx1"/>
+                </a:solidFill>
+                <a:latin typeface="+mn-lt"/>
+                <a:ea typeface="+mn-ea"/>
+                <a:cs typeface="+mn-cs"/>
+              </a:defRPr>
+            </a:lvl4pPr>
+            <a:lvl5pPr marL="2057400" indent="-228600" algn="l" defTabSz="914400" rtl="0" eaLnBrk="1" latinLnBrk="0" hangingPunct="1">
+              <a:lnSpc>
+                <a:spcPct val="90000"/>
+              </a:lnSpc>
+              <a:spcBef>
+                <a:spcPts val="500"/>
+              </a:spcBef>
+              <a:buFont typeface="Arial" panose="020B0604020202020204" pitchFamily="34" charset="0"/>
+              <a:buChar char="•"/>
+              <a:defRPr sz="1800" kern="1200">
+                <a:solidFill>
+                  <a:schemeClr val="tx1"/>
+                </a:solidFill>
+                <a:latin typeface="+mn-lt"/>
+                <a:ea typeface="+mn-ea"/>
+                <a:cs typeface="+mn-cs"/>
+              </a:defRPr>
+            </a:lvl5pPr>
+            <a:lvl6pPr marL="2514600" indent="-228600" algn="l" defTabSz="914400" rtl="0" eaLnBrk="1" latinLnBrk="0" hangingPunct="1">
+              <a:lnSpc>
+                <a:spcPct val="90000"/>
+              </a:lnSpc>
+              <a:spcBef>
+                <a:spcPts val="500"/>
+              </a:spcBef>
+              <a:buFont typeface="Arial" panose="020B0604020202020204" pitchFamily="34" charset="0"/>
+              <a:buChar char="•"/>
+              <a:defRPr sz="1800" kern="1200">
+                <a:solidFill>
+                  <a:schemeClr val="tx1"/>
+                </a:solidFill>
+                <a:latin typeface="+mn-lt"/>
+                <a:ea typeface="+mn-ea"/>
+                <a:cs typeface="+mn-cs"/>
+              </a:defRPr>
+            </a:lvl6pPr>
+            <a:lvl7pPr marL="2971800" indent="-228600" algn="l" defTabSz="914400" rtl="0" eaLnBrk="1" latinLnBrk="0" hangingPunct="1">
+              <a:lnSpc>
+                <a:spcPct val="90000"/>
+              </a:lnSpc>
+              <a:spcBef>
+                <a:spcPts val="500"/>
+              </a:spcBef>
+              <a:buFont typeface="Arial" panose="020B0604020202020204" pitchFamily="34" charset="0"/>
+              <a:buChar char="•"/>
+              <a:defRPr sz="1800" kern="1200">
+                <a:solidFill>
+                  <a:schemeClr val="tx1"/>
+                </a:solidFill>
+                <a:latin typeface="+mn-lt"/>
+                <a:ea typeface="+mn-ea"/>
+                <a:cs typeface="+mn-cs"/>
+              </a:defRPr>
+            </a:lvl7pPr>
+            <a:lvl8pPr marL="3429000" indent="-228600" algn="l" defTabSz="914400" rtl="0" eaLnBrk="1" latinLnBrk="0" hangingPunct="1">
+              <a:lnSpc>
+                <a:spcPct val="90000"/>
+              </a:lnSpc>
+              <a:spcBef>
+                <a:spcPts val="500"/>
+              </a:spcBef>
+              <a:buFont typeface="Arial" panose="020B0604020202020204" pitchFamily="34" charset="0"/>
+              <a:buChar char="•"/>
+              <a:defRPr sz="1800" kern="1200">
+                <a:solidFill>
+                  <a:schemeClr val="tx1"/>
+                </a:solidFill>
+                <a:latin typeface="+mn-lt"/>
+                <a:ea typeface="+mn-ea"/>
+                <a:cs typeface="+mn-cs"/>
+              </a:defRPr>
+            </a:lvl8pPr>
+            <a:lvl9pPr marL="3886200" indent="-228600" algn="l" defTabSz="914400" rtl="0" eaLnBrk="1" latinLnBrk="0" hangingPunct="1">
+              <a:lnSpc>
+                <a:spcPct val="90000"/>
+              </a:lnSpc>
+              <a:spcBef>
+                <a:spcPts val="500"/>
+              </a:spcBef>
+              <a:buFont typeface="Arial" panose="020B0604020202020204" pitchFamily="34" charset="0"/>
+              <a:buChar char="•"/>
+              <a:defRPr sz="1800" kern="1200">
+                <a:solidFill>
+                  <a:schemeClr val="tx1"/>
+                </a:solidFill>
+                <a:latin typeface="+mn-lt"/>
+                <a:ea typeface="+mn-ea"/>
+                <a:cs typeface="+mn-cs"/>
+              </a:defRPr>
+            </a:lvl9pPr>
+          </a:lstStyle>
+          <a:p>
+            <a:pPr marL="342900" indent="-342900" eaLnBrk="0" fontAlgn="base" hangingPunct="0">
+              <a:lnSpc>
+                <a:spcPct val="150000"/>
+              </a:lnSpc>
+              <a:spcBef>
+                <a:spcPct val="20000"/>
+              </a:spcBef>
+              <a:spcAft>
+                <a:spcPct val="0"/>
+              </a:spcAft>
+              <a:buClr>
+                <a:schemeClr val="accent1"/>
+              </a:buClr>
+              <a:buBlip>
+                <a:blip r:embed="rId3"/>
+              </a:buBlip>
+            </a:pPr>
+            <a:r>
+              <a:rPr lang="en-US" sz="2200" dirty="0" smtClean="0">
+                <a:solidFill>
+                  <a:srgbClr val="5F5F5F"/>
+                </a:solidFill>
+              </a:rPr>
+              <a:t>NIO architectures tend to be better </a:t>
+            </a:r>
+            <a:r>
+              <a:rPr lang="en-US" sz="2200" dirty="0" smtClean="0">
+                <a:solidFill>
+                  <a:srgbClr val="5F5F5F"/>
+                </a:solidFill>
+              </a:rPr>
+              <a:t>than classical IO of </a:t>
+            </a:r>
+            <a:r>
+              <a:rPr lang="en-US" sz="2200" dirty="0" smtClean="0">
+                <a:solidFill>
+                  <a:srgbClr val="5F5F5F"/>
+                </a:solidFill>
+              </a:rPr>
+              <a:t>java.</a:t>
+            </a:r>
+          </a:p>
+          <a:p>
+            <a:pPr marL="342900" indent="-342900" eaLnBrk="0" fontAlgn="base" hangingPunct="0">
+              <a:lnSpc>
+                <a:spcPct val="150000"/>
+              </a:lnSpc>
+              <a:spcBef>
+                <a:spcPct val="20000"/>
+              </a:spcBef>
+              <a:spcAft>
+                <a:spcPct val="0"/>
+              </a:spcAft>
+              <a:buClr>
+                <a:schemeClr val="accent1"/>
+              </a:buClr>
+              <a:buBlip>
+                <a:blip r:embed="rId3"/>
+              </a:buBlip>
+            </a:pPr>
+            <a:r>
+              <a:rPr lang="en-US" sz="2200" dirty="0" smtClean="0">
+                <a:solidFill>
+                  <a:srgbClr val="5F5F5F"/>
+                </a:solidFill>
+              </a:rPr>
+              <a:t>However, to much variability to conclude anything.</a:t>
+            </a:r>
+            <a:endParaRPr lang="en-US" sz="2200" dirty="0" smtClean="0">
+              <a:solidFill>
+                <a:srgbClr val="5F5F5F"/>
+              </a:solidFill>
+            </a:endParaRPr>
+          </a:p>
+        </p:txBody>
+      </p:sp>
     </p:spTree>
     <p:extLst>
       <p:ext uri="{BB962C8B-B14F-4D97-AF65-F5344CB8AC3E}">
-        <p14:creationId xmlns:p14="http://schemas.microsoft.com/office/powerpoint/2010/main" val="3146485266"/>
-      </p:ext>
-    </p:extLst>
-  </p:cSld>
-  <p:clrMapOvr>
-    <a:masterClrMapping/>
-  </p:clrMapOvr>
-  <p:timing>
-    <p:tnLst>
-      <p:par>
-        <p:cTn id="1" dur="indefinite" restart="never" nodeType="tmRoot"/>
-      </p:par>
-    </p:tnLst>
-  </p:timing>
-</p:sld>
-</file>
-
-<file path=ppt/slides/slide12.xml><?xml version="1.0" encoding="utf-8"?>
-<p:sld xmlns:a="http://schemas.openxmlformats.org/drawingml/2006/main" xmlns:r="http://schemas.openxmlformats.org/officeDocument/2006/relationships" xmlns:p="http://schemas.openxmlformats.org/presentationml/2006/main">
-  <p:cSld>
-    <p:spTree>
-      <p:nvGrpSpPr>
-        <p:cNvPr id="1" name=""/>
-        <p:cNvGrpSpPr/>
-        <p:nvPr/>
-      </p:nvGrpSpPr>
-      <p:grpSpPr>
-        <a:xfrm>
-          <a:off x="0" y="0"/>
-          <a:ext cx="0" cy="0"/>
-          <a:chOff x="0" y="0"/>
-          <a:chExt cx="0" cy="0"/>
-        </a:xfrm>
-      </p:grpSpPr>
-      <p:sp>
-        <p:nvSpPr>
-          <p:cNvPr id="2" name="Titre 1"/>
-          <p:cNvSpPr txBox="1">
-            <a:spLocks/>
-          </p:cNvSpPr>
-          <p:nvPr/>
-        </p:nvSpPr>
-        <p:spPr>
-          <a:xfrm>
-            <a:off x="0" y="409131"/>
-            <a:ext cx="12192000" cy="605853"/>
-          </a:xfrm>
-          <a:prstGeom prst="rect">
-            <a:avLst/>
-          </a:prstGeom>
-        </p:spPr>
-        <p:txBody>
-          <a:bodyPr vert="horz" lIns="91440" tIns="45720" rIns="91440" bIns="45720" rtlCol="0" anchor="ctr">
-            <a:noAutofit/>
-          </a:bodyPr>
-          <a:lstStyle>
-            <a:lvl1pPr algn="l" defTabSz="914400" rtl="0" eaLnBrk="1" latinLnBrk="0" hangingPunct="1">
-              <a:lnSpc>
-                <a:spcPct val="90000"/>
-              </a:lnSpc>
-              <a:spcBef>
-                <a:spcPct val="0"/>
-              </a:spcBef>
-              <a:buNone/>
-              <a:defRPr sz="4400" kern="1200">
-                <a:solidFill>
-                  <a:schemeClr val="tx1"/>
-                </a:solidFill>
-                <a:latin typeface="+mj-lt"/>
-                <a:ea typeface="+mj-ea"/>
-                <a:cs typeface="+mj-cs"/>
-              </a:defRPr>
-            </a:lvl1pPr>
-          </a:lstStyle>
-          <a:p>
-            <a:pPr algn="ctr" eaLnBrk="0" fontAlgn="base" hangingPunct="0">
-              <a:spcAft>
-                <a:spcPct val="0"/>
-              </a:spcAft>
-            </a:pPr>
-            <a:r>
-              <a:rPr lang="fr-CH" altLang="en-US" sz="3600" b="1" dirty="0" smtClean="0">
-                <a:solidFill>
-                  <a:srgbClr val="0099CC"/>
-                </a:solidFill>
-                <a:latin typeface="+mn-lt"/>
-              </a:rPr>
-              <a:t>1 to </a:t>
-            </a:r>
-            <a:r>
-              <a:rPr lang="fr-CH" altLang="en-US" sz="3600" b="1" dirty="0" smtClean="0">
-                <a:solidFill>
-                  <a:srgbClr val="0099CC"/>
-                </a:solidFill>
-                <a:latin typeface="+mn-lt"/>
-              </a:rPr>
-              <a:t>500</a:t>
-            </a:r>
-            <a:r>
-              <a:rPr lang="fr-CH" altLang="en-US" sz="3600" b="1" dirty="0" smtClean="0">
-                <a:solidFill>
-                  <a:srgbClr val="0099CC"/>
-                </a:solidFill>
-                <a:latin typeface="+mn-lt"/>
-              </a:rPr>
-              <a:t> clients</a:t>
-            </a:r>
-          </a:p>
-          <a:p>
-            <a:pPr algn="ctr" eaLnBrk="0" fontAlgn="base" hangingPunct="0">
-              <a:spcAft>
-                <a:spcPct val="0"/>
-              </a:spcAft>
-            </a:pPr>
-            <a:r>
-              <a:rPr lang="fr-CH" altLang="en-US" sz="3600" b="1" dirty="0" err="1" smtClean="0">
-                <a:solidFill>
-                  <a:srgbClr val="0099CC"/>
-                </a:solidFill>
-                <a:latin typeface="+mn-lt"/>
-              </a:rPr>
-              <a:t>Mean</a:t>
-            </a:r>
-            <a:r>
-              <a:rPr lang="fr-CH" altLang="en-US" sz="3600" b="1" dirty="0" smtClean="0">
-                <a:solidFill>
-                  <a:srgbClr val="0099CC"/>
-                </a:solidFill>
-                <a:latin typeface="+mn-lt"/>
-              </a:rPr>
-              <a:t> &amp; </a:t>
-            </a:r>
-            <a:r>
-              <a:rPr lang="fr-CH" altLang="en-US" sz="3600" b="1" dirty="0" err="1">
-                <a:solidFill>
-                  <a:srgbClr val="0099CC"/>
-                </a:solidFill>
-                <a:latin typeface="+mn-lt"/>
-              </a:rPr>
-              <a:t>M</a:t>
-            </a:r>
-            <a:r>
-              <a:rPr lang="fr-CH" altLang="en-US" sz="3600" b="1" dirty="0" err="1" smtClean="0">
-                <a:solidFill>
-                  <a:srgbClr val="0099CC"/>
-                </a:solidFill>
-                <a:latin typeface="+mn-lt"/>
-              </a:rPr>
-              <a:t>edian</a:t>
-            </a:r>
-            <a:endParaRPr lang="fr-CH" altLang="en-US" sz="3600" b="1" dirty="0" smtClean="0">
-              <a:solidFill>
-                <a:srgbClr val="0099CC"/>
-              </a:solidFill>
-              <a:latin typeface="+mn-lt"/>
-            </a:endParaRPr>
-          </a:p>
-        </p:txBody>
-      </p:sp>
-      <p:pic>
-        <p:nvPicPr>
-          <p:cNvPr id="5" name="Image 4"/>
-          <p:cNvPicPr>
-            <a:picLocks noChangeAspect="1"/>
-          </p:cNvPicPr>
-          <p:nvPr/>
-        </p:nvPicPr>
-        <p:blipFill>
-          <a:blip r:embed="rId2" cstate="print">
-            <a:extLst>
-              <a:ext uri="{28A0092B-C50C-407E-A947-70E740481C1C}">
-                <a14:useLocalDpi xmlns:a14="http://schemas.microsoft.com/office/drawing/2010/main" val="0"/>
-              </a:ext>
-            </a:extLst>
-          </a:blip>
-          <a:stretch>
-            <a:fillRect/>
-          </a:stretch>
-        </p:blipFill>
-        <p:spPr>
-          <a:xfrm>
-            <a:off x="5856051" y="1426464"/>
-            <a:ext cx="5587785" cy="4498848"/>
-          </a:xfrm>
-          <a:prstGeom prst="rect">
-            <a:avLst/>
-          </a:prstGeom>
-        </p:spPr>
-      </p:pic>
-      <p:pic>
-        <p:nvPicPr>
-          <p:cNvPr id="6" name="Image 5"/>
-          <p:cNvPicPr>
-            <a:picLocks noChangeAspect="1"/>
-          </p:cNvPicPr>
-          <p:nvPr/>
-        </p:nvPicPr>
-        <p:blipFill>
-          <a:blip r:embed="rId3" cstate="print">
-            <a:extLst>
-              <a:ext uri="{28A0092B-C50C-407E-A947-70E740481C1C}">
-                <a14:useLocalDpi xmlns:a14="http://schemas.microsoft.com/office/drawing/2010/main" val="0"/>
-              </a:ext>
-            </a:extLst>
-          </a:blip>
-          <a:stretch>
-            <a:fillRect/>
-          </a:stretch>
-        </p:blipFill>
-        <p:spPr>
-          <a:xfrm>
-            <a:off x="334849" y="1380744"/>
-            <a:ext cx="5613466" cy="4544568"/>
-          </a:xfrm>
-          <a:prstGeom prst="rect">
-            <a:avLst/>
-          </a:prstGeom>
-        </p:spPr>
-      </p:pic>
-    </p:spTree>
-    <p:extLst>
-      <p:ext uri="{BB962C8B-B14F-4D97-AF65-F5344CB8AC3E}">
-        <p14:creationId xmlns:p14="http://schemas.microsoft.com/office/powerpoint/2010/main" val="1633782494"/>
+        <p14:creationId xmlns:p14="http://schemas.microsoft.com/office/powerpoint/2010/main" val="372923321"/>
       </p:ext>
     </p:extLst>
   </p:cSld>
@@ -8127,100 +8664,9 @@
           <a:chExt cx="0" cy="0"/>
         </a:xfrm>
       </p:grpSpPr>
-      <p:sp>
-        <p:nvSpPr>
-          <p:cNvPr id="2" name="Titre 1"/>
-          <p:cNvSpPr txBox="1">
-            <a:spLocks/>
-          </p:cNvSpPr>
-          <p:nvPr/>
-        </p:nvSpPr>
-        <p:spPr>
-          <a:xfrm>
-            <a:off x="0" y="409131"/>
-            <a:ext cx="12192000" cy="605853"/>
-          </a:xfrm>
-          <a:prstGeom prst="rect">
-            <a:avLst/>
-          </a:prstGeom>
-        </p:spPr>
-        <p:txBody>
-          <a:bodyPr vert="horz" lIns="91440" tIns="45720" rIns="91440" bIns="45720" rtlCol="0" anchor="ctr">
-            <a:noAutofit/>
-          </a:bodyPr>
-          <a:lstStyle>
-            <a:lvl1pPr algn="l" defTabSz="914400" rtl="0" eaLnBrk="1" latinLnBrk="0" hangingPunct="1">
-              <a:lnSpc>
-                <a:spcPct val="90000"/>
-              </a:lnSpc>
-              <a:spcBef>
-                <a:spcPct val="0"/>
-              </a:spcBef>
-              <a:buNone/>
-              <a:defRPr sz="4400" kern="1200">
-                <a:solidFill>
-                  <a:schemeClr val="tx1"/>
-                </a:solidFill>
-                <a:latin typeface="+mj-lt"/>
-                <a:ea typeface="+mj-ea"/>
-                <a:cs typeface="+mj-cs"/>
-              </a:defRPr>
-            </a:lvl1pPr>
-          </a:lstStyle>
-          <a:p>
-            <a:pPr algn="ctr" eaLnBrk="0" fontAlgn="base" hangingPunct="0">
-              <a:spcAft>
-                <a:spcPct val="0"/>
-              </a:spcAft>
-            </a:pPr>
-            <a:r>
-              <a:rPr lang="fr-CH" altLang="en-US" sz="3600" b="1" dirty="0" smtClean="0">
-                <a:solidFill>
-                  <a:srgbClr val="0099CC"/>
-                </a:solidFill>
-                <a:latin typeface="+mn-lt"/>
-              </a:rPr>
-              <a:t>Confidence </a:t>
-            </a:r>
-            <a:r>
-              <a:rPr lang="fr-CH" altLang="en-US" sz="3600" b="1" dirty="0" err="1" smtClean="0">
-                <a:solidFill>
-                  <a:srgbClr val="0099CC"/>
-                </a:solidFill>
-                <a:latin typeface="+mn-lt"/>
-              </a:rPr>
-              <a:t>Intervals</a:t>
-            </a:r>
-            <a:r>
-              <a:rPr lang="fr-CH" altLang="en-US" sz="3600" b="1" dirty="0" smtClean="0">
-                <a:solidFill>
-                  <a:srgbClr val="0099CC"/>
-                </a:solidFill>
-                <a:latin typeface="+mn-lt"/>
-              </a:rPr>
-              <a:t> </a:t>
-            </a:r>
-            <a:r>
-              <a:rPr lang="fr-CH" altLang="en-US" sz="3600" b="1" dirty="0" smtClean="0">
-                <a:solidFill>
-                  <a:srgbClr val="0099CC"/>
-                </a:solidFill>
-                <a:latin typeface="+mn-lt"/>
-              </a:rPr>
-              <a:t>10 clients</a:t>
-            </a:r>
-            <a:endParaRPr lang="fr-CH" altLang="en-US" sz="3600" b="1" dirty="0" smtClean="0">
-              <a:solidFill>
-                <a:srgbClr val="0099CC"/>
-              </a:solidFill>
-              <a:latin typeface="+mn-lt"/>
-            </a:endParaRPr>
-          </a:p>
-        </p:txBody>
-      </p:sp>
       <p:pic>
         <p:nvPicPr>
-          <p:cNvPr id="3" name="Image 2"/>
+          <p:cNvPr id="5" name="Image 4"/>
           <p:cNvPicPr>
             <a:picLocks noChangeAspect="1"/>
           </p:cNvPicPr>
@@ -8240,48 +8686,450 @@
         </p:blipFill>
         <p:spPr>
           <a:xfrm>
-            <a:off x="165370" y="1139100"/>
-            <a:ext cx="5793965" cy="4969870"/>
+            <a:off x="193347" y="721785"/>
+            <a:ext cx="7005120" cy="5631225"/>
           </a:xfrm>
           <a:prstGeom prst="rect">
             <a:avLst/>
           </a:prstGeom>
         </p:spPr>
       </p:pic>
-      <p:pic>
-        <p:nvPicPr>
-          <p:cNvPr id="4" name="Image 3"/>
-          <p:cNvPicPr>
-            <a:picLocks noChangeAspect="1"/>
-          </p:cNvPicPr>
+      <p:sp>
+        <p:nvSpPr>
+          <p:cNvPr id="2" name="Titre 1"/>
+          <p:cNvSpPr txBox="1">
+            <a:spLocks/>
+          </p:cNvSpPr>
           <p:nvPr/>
-        </p:nvPicPr>
-        <p:blipFill>
-          <a:blip r:embed="rId3" cstate="print">
-            <a:extLst>
-              <a:ext uri="{28A0092B-C50C-407E-A947-70E740481C1C}">
-                <a14:useLocalDpi xmlns:a14="http://schemas.microsoft.com/office/drawing/2010/main" val="0"/>
-              </a:ext>
-            </a:extLst>
-          </a:blip>
-          <a:stretch>
-            <a:fillRect/>
-          </a:stretch>
-        </p:blipFill>
+        </p:nvSpPr>
         <p:spPr>
           <a:xfrm>
-            <a:off x="5959334" y="1014984"/>
-            <a:ext cx="5893249" cy="5078343"/>
+            <a:off x="0" y="409131"/>
+            <a:ext cx="12192000" cy="605853"/>
           </a:xfrm>
           <a:prstGeom prst="rect">
             <a:avLst/>
           </a:prstGeom>
         </p:spPr>
-      </p:pic>
+        <p:txBody>
+          <a:bodyPr vert="horz" lIns="91440" tIns="45720" rIns="91440" bIns="45720" rtlCol="0" anchor="ctr">
+            <a:noAutofit/>
+          </a:bodyPr>
+          <a:lstStyle>
+            <a:lvl1pPr algn="l" defTabSz="914400" rtl="0" eaLnBrk="1" latinLnBrk="0" hangingPunct="1">
+              <a:lnSpc>
+                <a:spcPct val="90000"/>
+              </a:lnSpc>
+              <a:spcBef>
+                <a:spcPct val="0"/>
+              </a:spcBef>
+              <a:buNone/>
+              <a:defRPr sz="4400" kern="1200">
+                <a:solidFill>
+                  <a:schemeClr val="tx1"/>
+                </a:solidFill>
+                <a:latin typeface="+mj-lt"/>
+                <a:ea typeface="+mj-ea"/>
+                <a:cs typeface="+mj-cs"/>
+              </a:defRPr>
+            </a:lvl1pPr>
+          </a:lstStyle>
+          <a:p>
+            <a:pPr algn="ctr" eaLnBrk="0" fontAlgn="base" hangingPunct="0">
+              <a:spcAft>
+                <a:spcPct val="0"/>
+              </a:spcAft>
+            </a:pPr>
+            <a:r>
+              <a:rPr lang="fr-CH" altLang="en-US" sz="3600" b="1" dirty="0" smtClean="0">
+                <a:solidFill>
+                  <a:srgbClr val="0099CC"/>
+                </a:solidFill>
+                <a:latin typeface="+mn-lt"/>
+              </a:rPr>
+              <a:t>1 </a:t>
+            </a:r>
+            <a:r>
+              <a:rPr lang="fr-CH" altLang="en-US" sz="3600" b="1" dirty="0" smtClean="0">
+                <a:solidFill>
+                  <a:srgbClr val="0099CC"/>
+                </a:solidFill>
+                <a:latin typeface="+mn-lt"/>
+              </a:rPr>
+              <a:t>to 500 </a:t>
+            </a:r>
+            <a:r>
+              <a:rPr lang="fr-CH" altLang="en-US" sz="3600" b="1" dirty="0" smtClean="0">
+                <a:solidFill>
+                  <a:srgbClr val="0099CC"/>
+                </a:solidFill>
+                <a:latin typeface="+mn-lt"/>
+              </a:rPr>
+              <a:t>clients over </a:t>
+            </a:r>
+            <a:r>
+              <a:rPr lang="fr-CH" altLang="en-US" sz="3600" b="1" dirty="0" err="1" smtClean="0">
+                <a:solidFill>
+                  <a:srgbClr val="0099CC"/>
+                </a:solidFill>
+                <a:latin typeface="+mn-lt"/>
+              </a:rPr>
+              <a:t>private</a:t>
+            </a:r>
+            <a:r>
+              <a:rPr lang="fr-CH" altLang="en-US" sz="3600" b="1" dirty="0" smtClean="0">
+                <a:solidFill>
+                  <a:srgbClr val="0099CC"/>
+                </a:solidFill>
+                <a:latin typeface="+mn-lt"/>
+              </a:rPr>
+              <a:t> Ethernet network</a:t>
+            </a:r>
+            <a:endParaRPr lang="fr-CH" altLang="en-US" sz="3600" b="1" dirty="0" smtClean="0">
+              <a:solidFill>
+                <a:srgbClr val="0099CC"/>
+              </a:solidFill>
+              <a:latin typeface="+mn-lt"/>
+            </a:endParaRPr>
+          </a:p>
+        </p:txBody>
+      </p:sp>
+      <p:sp>
+        <p:nvSpPr>
+          <p:cNvPr id="9" name="Sous-titre 2"/>
+          <p:cNvSpPr txBox="1">
+            <a:spLocks/>
+          </p:cNvSpPr>
+          <p:nvPr/>
+        </p:nvSpPr>
+        <p:spPr>
+          <a:xfrm>
+            <a:off x="7601735" y="1014984"/>
+            <a:ext cx="4288536" cy="4918888"/>
+          </a:xfrm>
+          <a:prstGeom prst="rect">
+            <a:avLst/>
+          </a:prstGeom>
+        </p:spPr>
+        <p:txBody>
+          <a:bodyPr vert="horz" lIns="91440" tIns="45720" rIns="91440" bIns="45720" rtlCol="0">
+            <a:noAutofit/>
+          </a:bodyPr>
+          <a:lstStyle>
+            <a:lvl1pPr marL="228600" indent="-228600" algn="l" defTabSz="914400" rtl="0" eaLnBrk="1" latinLnBrk="0" hangingPunct="1">
+              <a:lnSpc>
+                <a:spcPct val="90000"/>
+              </a:lnSpc>
+              <a:spcBef>
+                <a:spcPts val="1000"/>
+              </a:spcBef>
+              <a:buFont typeface="Arial" panose="020B0604020202020204" pitchFamily="34" charset="0"/>
+              <a:buChar char="•"/>
+              <a:defRPr sz="2800" kern="1200">
+                <a:solidFill>
+                  <a:schemeClr val="tx1"/>
+                </a:solidFill>
+                <a:latin typeface="+mn-lt"/>
+                <a:ea typeface="+mn-ea"/>
+                <a:cs typeface="+mn-cs"/>
+              </a:defRPr>
+            </a:lvl1pPr>
+            <a:lvl2pPr marL="685800" indent="-228600" algn="l" defTabSz="914400" rtl="0" eaLnBrk="1" latinLnBrk="0" hangingPunct="1">
+              <a:lnSpc>
+                <a:spcPct val="90000"/>
+              </a:lnSpc>
+              <a:spcBef>
+                <a:spcPts val="500"/>
+              </a:spcBef>
+              <a:buFont typeface="Arial" panose="020B0604020202020204" pitchFamily="34" charset="0"/>
+              <a:buChar char="•"/>
+              <a:defRPr sz="2400" kern="1200">
+                <a:solidFill>
+                  <a:schemeClr val="tx1"/>
+                </a:solidFill>
+                <a:latin typeface="+mn-lt"/>
+                <a:ea typeface="+mn-ea"/>
+                <a:cs typeface="+mn-cs"/>
+              </a:defRPr>
+            </a:lvl2pPr>
+            <a:lvl3pPr marL="1143000" indent="-228600" algn="l" defTabSz="914400" rtl="0" eaLnBrk="1" latinLnBrk="0" hangingPunct="1">
+              <a:lnSpc>
+                <a:spcPct val="90000"/>
+              </a:lnSpc>
+              <a:spcBef>
+                <a:spcPts val="500"/>
+              </a:spcBef>
+              <a:buFont typeface="Arial" panose="020B0604020202020204" pitchFamily="34" charset="0"/>
+              <a:buChar char="•"/>
+              <a:defRPr sz="2000" kern="1200">
+                <a:solidFill>
+                  <a:schemeClr val="tx1"/>
+                </a:solidFill>
+                <a:latin typeface="+mn-lt"/>
+                <a:ea typeface="+mn-ea"/>
+                <a:cs typeface="+mn-cs"/>
+              </a:defRPr>
+            </a:lvl3pPr>
+            <a:lvl4pPr marL="1600200" indent="-228600" algn="l" defTabSz="914400" rtl="0" eaLnBrk="1" latinLnBrk="0" hangingPunct="1">
+              <a:lnSpc>
+                <a:spcPct val="90000"/>
+              </a:lnSpc>
+              <a:spcBef>
+                <a:spcPts val="500"/>
+              </a:spcBef>
+              <a:buFont typeface="Arial" panose="020B0604020202020204" pitchFamily="34" charset="0"/>
+              <a:buChar char="•"/>
+              <a:defRPr sz="1800" kern="1200">
+                <a:solidFill>
+                  <a:schemeClr val="tx1"/>
+                </a:solidFill>
+                <a:latin typeface="+mn-lt"/>
+                <a:ea typeface="+mn-ea"/>
+                <a:cs typeface="+mn-cs"/>
+              </a:defRPr>
+            </a:lvl4pPr>
+            <a:lvl5pPr marL="2057400" indent="-228600" algn="l" defTabSz="914400" rtl="0" eaLnBrk="1" latinLnBrk="0" hangingPunct="1">
+              <a:lnSpc>
+                <a:spcPct val="90000"/>
+              </a:lnSpc>
+              <a:spcBef>
+                <a:spcPts val="500"/>
+              </a:spcBef>
+              <a:buFont typeface="Arial" panose="020B0604020202020204" pitchFamily="34" charset="0"/>
+              <a:buChar char="•"/>
+              <a:defRPr sz="1800" kern="1200">
+                <a:solidFill>
+                  <a:schemeClr val="tx1"/>
+                </a:solidFill>
+                <a:latin typeface="+mn-lt"/>
+                <a:ea typeface="+mn-ea"/>
+                <a:cs typeface="+mn-cs"/>
+              </a:defRPr>
+            </a:lvl5pPr>
+            <a:lvl6pPr marL="2514600" indent="-228600" algn="l" defTabSz="914400" rtl="0" eaLnBrk="1" latinLnBrk="0" hangingPunct="1">
+              <a:lnSpc>
+                <a:spcPct val="90000"/>
+              </a:lnSpc>
+              <a:spcBef>
+                <a:spcPts val="500"/>
+              </a:spcBef>
+              <a:buFont typeface="Arial" panose="020B0604020202020204" pitchFamily="34" charset="0"/>
+              <a:buChar char="•"/>
+              <a:defRPr sz="1800" kern="1200">
+                <a:solidFill>
+                  <a:schemeClr val="tx1"/>
+                </a:solidFill>
+                <a:latin typeface="+mn-lt"/>
+                <a:ea typeface="+mn-ea"/>
+                <a:cs typeface="+mn-cs"/>
+              </a:defRPr>
+            </a:lvl6pPr>
+            <a:lvl7pPr marL="2971800" indent="-228600" algn="l" defTabSz="914400" rtl="0" eaLnBrk="1" latinLnBrk="0" hangingPunct="1">
+              <a:lnSpc>
+                <a:spcPct val="90000"/>
+              </a:lnSpc>
+              <a:spcBef>
+                <a:spcPts val="500"/>
+              </a:spcBef>
+              <a:buFont typeface="Arial" panose="020B0604020202020204" pitchFamily="34" charset="0"/>
+              <a:buChar char="•"/>
+              <a:defRPr sz="1800" kern="1200">
+                <a:solidFill>
+                  <a:schemeClr val="tx1"/>
+                </a:solidFill>
+                <a:latin typeface="+mn-lt"/>
+                <a:ea typeface="+mn-ea"/>
+                <a:cs typeface="+mn-cs"/>
+              </a:defRPr>
+            </a:lvl7pPr>
+            <a:lvl8pPr marL="3429000" indent="-228600" algn="l" defTabSz="914400" rtl="0" eaLnBrk="1" latinLnBrk="0" hangingPunct="1">
+              <a:lnSpc>
+                <a:spcPct val="90000"/>
+              </a:lnSpc>
+              <a:spcBef>
+                <a:spcPts val="500"/>
+              </a:spcBef>
+              <a:buFont typeface="Arial" panose="020B0604020202020204" pitchFamily="34" charset="0"/>
+              <a:buChar char="•"/>
+              <a:defRPr sz="1800" kern="1200">
+                <a:solidFill>
+                  <a:schemeClr val="tx1"/>
+                </a:solidFill>
+                <a:latin typeface="+mn-lt"/>
+                <a:ea typeface="+mn-ea"/>
+                <a:cs typeface="+mn-cs"/>
+              </a:defRPr>
+            </a:lvl8pPr>
+            <a:lvl9pPr marL="3886200" indent="-228600" algn="l" defTabSz="914400" rtl="0" eaLnBrk="1" latinLnBrk="0" hangingPunct="1">
+              <a:lnSpc>
+                <a:spcPct val="90000"/>
+              </a:lnSpc>
+              <a:spcBef>
+                <a:spcPts val="500"/>
+              </a:spcBef>
+              <a:buFont typeface="Arial" panose="020B0604020202020204" pitchFamily="34" charset="0"/>
+              <a:buChar char="•"/>
+              <a:defRPr sz="1800" kern="1200">
+                <a:solidFill>
+                  <a:schemeClr val="tx1"/>
+                </a:solidFill>
+                <a:latin typeface="+mn-lt"/>
+                <a:ea typeface="+mn-ea"/>
+                <a:cs typeface="+mn-cs"/>
+              </a:defRPr>
+            </a:lvl9pPr>
+          </a:lstStyle>
+          <a:p>
+            <a:pPr marL="342900" indent="-342900" eaLnBrk="0" fontAlgn="base" hangingPunct="0">
+              <a:lnSpc>
+                <a:spcPct val="150000"/>
+              </a:lnSpc>
+              <a:spcBef>
+                <a:spcPct val="20000"/>
+              </a:spcBef>
+              <a:spcAft>
+                <a:spcPct val="0"/>
+              </a:spcAft>
+              <a:buClr>
+                <a:schemeClr val="accent1"/>
+              </a:buClr>
+              <a:buBlip>
+                <a:blip r:embed="rId3"/>
+              </a:buBlip>
+            </a:pPr>
+            <a:r>
+              <a:rPr lang="en-US" sz="2200" dirty="0" smtClean="0">
+                <a:solidFill>
+                  <a:srgbClr val="5F5F5F"/>
+                </a:solidFill>
+              </a:rPr>
+              <a:t>NIO architectures tend to be better </a:t>
+            </a:r>
+            <a:r>
+              <a:rPr lang="en-US" sz="2200" dirty="0" smtClean="0">
+                <a:solidFill>
+                  <a:srgbClr val="5F5F5F"/>
+                </a:solidFill>
+              </a:rPr>
+              <a:t>than classical IO of </a:t>
+            </a:r>
+            <a:r>
+              <a:rPr lang="en-US" sz="2200" dirty="0" smtClean="0">
+                <a:solidFill>
+                  <a:srgbClr val="5F5F5F"/>
+                </a:solidFill>
+              </a:rPr>
+              <a:t>java.</a:t>
+            </a:r>
+          </a:p>
+          <a:p>
+            <a:pPr marL="342900" indent="-342900" eaLnBrk="0" fontAlgn="base" hangingPunct="0">
+              <a:lnSpc>
+                <a:spcPct val="150000"/>
+              </a:lnSpc>
+              <a:spcBef>
+                <a:spcPct val="20000"/>
+              </a:spcBef>
+              <a:spcAft>
+                <a:spcPct val="0"/>
+              </a:spcAft>
+              <a:buClr>
+                <a:schemeClr val="accent1"/>
+              </a:buClr>
+              <a:buBlip>
+                <a:blip r:embed="rId3"/>
+              </a:buBlip>
+            </a:pPr>
+            <a:r>
+              <a:rPr lang="en-US" sz="2200" dirty="0" smtClean="0">
+                <a:solidFill>
+                  <a:srgbClr val="5F5F5F"/>
+                </a:solidFill>
+              </a:rPr>
+              <a:t>Less variability than on </a:t>
+            </a:r>
+            <a:r>
+              <a:rPr lang="en-US" sz="2200" dirty="0" err="1" smtClean="0">
+                <a:solidFill>
+                  <a:srgbClr val="5F5F5F"/>
+                </a:solidFill>
+              </a:rPr>
+              <a:t>Wifi</a:t>
+            </a:r>
+            <a:r>
+              <a:rPr lang="en-US" sz="2200" dirty="0" smtClean="0">
+                <a:solidFill>
+                  <a:srgbClr val="5F5F5F"/>
+                </a:solidFill>
+              </a:rPr>
+              <a:t>.</a:t>
+            </a:r>
+          </a:p>
+          <a:p>
+            <a:pPr marL="342900" indent="-342900" eaLnBrk="0" fontAlgn="base" hangingPunct="0">
+              <a:lnSpc>
+                <a:spcPct val="150000"/>
+              </a:lnSpc>
+              <a:spcBef>
+                <a:spcPct val="20000"/>
+              </a:spcBef>
+              <a:spcAft>
+                <a:spcPct val="0"/>
+              </a:spcAft>
+              <a:buClr>
+                <a:schemeClr val="accent1"/>
+              </a:buClr>
+              <a:buBlip>
+                <a:blip r:embed="rId3"/>
+              </a:buBlip>
+            </a:pPr>
+            <a:r>
+              <a:rPr lang="en-US" sz="2200" dirty="0" smtClean="0">
+                <a:solidFill>
+                  <a:srgbClr val="5F5F5F"/>
+                </a:solidFill>
+              </a:rPr>
+              <a:t>Overall performances seem better.</a:t>
+            </a:r>
+          </a:p>
+          <a:p>
+            <a:pPr marL="342900" indent="-342900" eaLnBrk="0" fontAlgn="base" hangingPunct="0">
+              <a:lnSpc>
+                <a:spcPct val="150000"/>
+              </a:lnSpc>
+              <a:spcBef>
+                <a:spcPct val="20000"/>
+              </a:spcBef>
+              <a:spcAft>
+                <a:spcPct val="0"/>
+              </a:spcAft>
+              <a:buClr>
+                <a:schemeClr val="accent1"/>
+              </a:buClr>
+              <a:buBlip>
+                <a:blip r:embed="rId3"/>
+              </a:buBlip>
+            </a:pPr>
+            <a:r>
+              <a:rPr lang="en-US" sz="2200" dirty="0" smtClean="0">
+                <a:solidFill>
+                  <a:srgbClr val="5F5F5F"/>
+                </a:solidFill>
+              </a:rPr>
+              <a:t>Still difficult to evaluate performances between java IO architectures themselves. Same for java NIO.</a:t>
+            </a:r>
+            <a:endParaRPr lang="en-US" sz="2200" dirty="0" smtClean="0">
+              <a:solidFill>
+                <a:srgbClr val="5F5F5F"/>
+              </a:solidFill>
+            </a:endParaRPr>
+          </a:p>
+        </p:txBody>
+      </p:sp>
     </p:spTree>
     <p:extLst>
       <p:ext uri="{BB962C8B-B14F-4D97-AF65-F5344CB8AC3E}">
-        <p14:creationId xmlns:p14="http://schemas.microsoft.com/office/powerpoint/2010/main" val="1208121012"/>
+        <p14:creationId xmlns:p14="http://schemas.microsoft.com/office/powerpoint/2010/main" val="1189406619"/>
       </p:ext>
     </p:extLst>
   </p:cSld>
@@ -8315,6 +9163,36 @@
           <a:chExt cx="0" cy="0"/>
         </a:xfrm>
       </p:grpSpPr>
+      <p:pic>
+        <p:nvPicPr>
+          <p:cNvPr id="3" name="Image 2"/>
+          <p:cNvPicPr>
+            <a:picLocks noChangeAspect="1"/>
+          </p:cNvPicPr>
+          <p:nvPr/>
+        </p:nvPicPr>
+        <p:blipFill>
+          <a:blip r:embed="rId2">
+            <a:extLst>
+              <a:ext uri="{28A0092B-C50C-407E-A947-70E740481C1C}">
+                <a14:useLocalDpi xmlns:a14="http://schemas.microsoft.com/office/drawing/2010/main" val="0"/>
+              </a:ext>
+            </a:extLst>
+          </a:blip>
+          <a:stretch>
+            <a:fillRect/>
+          </a:stretch>
+        </p:blipFill>
+        <p:spPr>
+          <a:xfrm>
+            <a:off x="38910" y="738125"/>
+            <a:ext cx="7169284" cy="5594579"/>
+          </a:xfrm>
+          <a:prstGeom prst="rect">
+            <a:avLst/>
+          </a:prstGeom>
+        </p:spPr>
+      </p:pic>
       <p:sp>
         <p:nvSpPr>
           <p:cNvPr id="2" name="Titre 1"/>
@@ -8368,7 +9246,16 @@
                 </a:solidFill>
                 <a:latin typeface="+mn-lt"/>
               </a:rPr>
-              <a:t>Confidence </a:t>
+              <a:t>1 to 500 </a:t>
+            </a:r>
+            <a:r>
+              <a:rPr lang="fr-CH" altLang="en-US" sz="3600" b="1" dirty="0" smtClean="0">
+                <a:solidFill>
+                  <a:srgbClr val="0099CC"/>
+                </a:solidFill>
+                <a:latin typeface="+mn-lt"/>
+              </a:rPr>
+              <a:t>clients (</a:t>
             </a:r>
             <a:r>
               <a:rPr lang="fr-CH" altLang="en-US" sz="3600" b="1" dirty="0" err="1" smtClean="0">
@@ -8377,7 +9264,7 @@
                 </a:solidFill>
                 <a:latin typeface="+mn-lt"/>
               </a:rPr>
-              <a:t>Intervals</a:t>
+              <a:t>step</a:t>
             </a:r>
             <a:r>
               <a:rPr lang="fr-CH" altLang="en-US" sz="3600" b="1" dirty="0" smtClean="0">
@@ -8386,7 +9273,25 @@
                 </a:solidFill>
                 <a:latin typeface="+mn-lt"/>
               </a:rPr>
-              <a:t> 25 clients</a:t>
+              <a:t> 20) : </a:t>
+            </a:r>
+            <a:r>
+              <a:rPr lang="fr-CH" altLang="en-US" sz="3600" b="1" dirty="0" err="1" smtClean="0">
+                <a:solidFill>
+                  <a:srgbClr val="0099CC"/>
+                </a:solidFill>
+                <a:latin typeface="+mn-lt"/>
+              </a:rPr>
+              <a:t>mean</a:t>
+            </a:r>
+            <a:r>
+              <a:rPr lang="fr-CH" altLang="en-US" sz="3600" b="1" dirty="0" smtClean="0">
+                <a:solidFill>
+                  <a:srgbClr val="0099CC"/>
+                </a:solidFill>
+                <a:latin typeface="+mn-lt"/>
+              </a:rPr>
+              <a:t> value</a:t>
             </a:r>
             <a:endParaRPr lang="fr-CH" altLang="en-US" sz="3600" b="1" dirty="0" smtClean="0">
               <a:solidFill>
@@ -8397,10 +9302,272 @@
           </a:p>
         </p:txBody>
       </p:sp>
+      <p:sp>
+        <p:nvSpPr>
+          <p:cNvPr id="7" name="Sous-titre 2"/>
+          <p:cNvSpPr txBox="1">
+            <a:spLocks/>
+          </p:cNvSpPr>
+          <p:nvPr/>
+        </p:nvSpPr>
+        <p:spPr>
+          <a:xfrm>
+            <a:off x="7601735" y="1014984"/>
+            <a:ext cx="4288536" cy="4918888"/>
+          </a:xfrm>
+          <a:prstGeom prst="rect">
+            <a:avLst/>
+          </a:prstGeom>
+        </p:spPr>
+        <p:txBody>
+          <a:bodyPr vert="horz" lIns="91440" tIns="45720" rIns="91440" bIns="45720" rtlCol="0">
+            <a:noAutofit/>
+          </a:bodyPr>
+          <a:lstStyle>
+            <a:lvl1pPr marL="228600" indent="-228600" algn="l" defTabSz="914400" rtl="0" eaLnBrk="1" latinLnBrk="0" hangingPunct="1">
+              <a:lnSpc>
+                <a:spcPct val="90000"/>
+              </a:lnSpc>
+              <a:spcBef>
+                <a:spcPts val="1000"/>
+              </a:spcBef>
+              <a:buFont typeface="Arial" panose="020B0604020202020204" pitchFamily="34" charset="0"/>
+              <a:buChar char="•"/>
+              <a:defRPr sz="2800" kern="1200">
+                <a:solidFill>
+                  <a:schemeClr val="tx1"/>
+                </a:solidFill>
+                <a:latin typeface="+mn-lt"/>
+                <a:ea typeface="+mn-ea"/>
+                <a:cs typeface="+mn-cs"/>
+              </a:defRPr>
+            </a:lvl1pPr>
+            <a:lvl2pPr marL="685800" indent="-228600" algn="l" defTabSz="914400" rtl="0" eaLnBrk="1" latinLnBrk="0" hangingPunct="1">
+              <a:lnSpc>
+                <a:spcPct val="90000"/>
+              </a:lnSpc>
+              <a:spcBef>
+                <a:spcPts val="500"/>
+              </a:spcBef>
+              <a:buFont typeface="Arial" panose="020B0604020202020204" pitchFamily="34" charset="0"/>
+              <a:buChar char="•"/>
+              <a:defRPr sz="2400" kern="1200">
+                <a:solidFill>
+                  <a:schemeClr val="tx1"/>
+                </a:solidFill>
+                <a:latin typeface="+mn-lt"/>
+                <a:ea typeface="+mn-ea"/>
+                <a:cs typeface="+mn-cs"/>
+              </a:defRPr>
+            </a:lvl2pPr>
+            <a:lvl3pPr marL="1143000" indent="-228600" algn="l" defTabSz="914400" rtl="0" eaLnBrk="1" latinLnBrk="0" hangingPunct="1">
+              <a:lnSpc>
+                <a:spcPct val="90000"/>
+              </a:lnSpc>
+              <a:spcBef>
+                <a:spcPts val="500"/>
+              </a:spcBef>
+              <a:buFont typeface="Arial" panose="020B0604020202020204" pitchFamily="34" charset="0"/>
+              <a:buChar char="•"/>
+              <a:defRPr sz="2000" kern="1200">
+                <a:solidFill>
+                  <a:schemeClr val="tx1"/>
+                </a:solidFill>
+                <a:latin typeface="+mn-lt"/>
+                <a:ea typeface="+mn-ea"/>
+                <a:cs typeface="+mn-cs"/>
+              </a:defRPr>
+            </a:lvl3pPr>
+            <a:lvl4pPr marL="1600200" indent="-228600" algn="l" defTabSz="914400" rtl="0" eaLnBrk="1" latinLnBrk="0" hangingPunct="1">
+              <a:lnSpc>
+                <a:spcPct val="90000"/>
+              </a:lnSpc>
+              <a:spcBef>
+                <a:spcPts val="500"/>
+              </a:spcBef>
+              <a:buFont typeface="Arial" panose="020B0604020202020204" pitchFamily="34" charset="0"/>
+              <a:buChar char="•"/>
+              <a:defRPr sz="1800" kern="1200">
+                <a:solidFill>
+                  <a:schemeClr val="tx1"/>
+                </a:solidFill>
+                <a:latin typeface="+mn-lt"/>
+                <a:ea typeface="+mn-ea"/>
+                <a:cs typeface="+mn-cs"/>
+              </a:defRPr>
+            </a:lvl4pPr>
+            <a:lvl5pPr marL="2057400" indent="-228600" algn="l" defTabSz="914400" rtl="0" eaLnBrk="1" latinLnBrk="0" hangingPunct="1">
+              <a:lnSpc>
+                <a:spcPct val="90000"/>
+              </a:lnSpc>
+              <a:spcBef>
+                <a:spcPts val="500"/>
+              </a:spcBef>
+              <a:buFont typeface="Arial" panose="020B0604020202020204" pitchFamily="34" charset="0"/>
+              <a:buChar char="•"/>
+              <a:defRPr sz="1800" kern="1200">
+                <a:solidFill>
+                  <a:schemeClr val="tx1"/>
+                </a:solidFill>
+                <a:latin typeface="+mn-lt"/>
+                <a:ea typeface="+mn-ea"/>
+                <a:cs typeface="+mn-cs"/>
+              </a:defRPr>
+            </a:lvl5pPr>
+            <a:lvl6pPr marL="2514600" indent="-228600" algn="l" defTabSz="914400" rtl="0" eaLnBrk="1" latinLnBrk="0" hangingPunct="1">
+              <a:lnSpc>
+                <a:spcPct val="90000"/>
+              </a:lnSpc>
+              <a:spcBef>
+                <a:spcPts val="500"/>
+              </a:spcBef>
+              <a:buFont typeface="Arial" panose="020B0604020202020204" pitchFamily="34" charset="0"/>
+              <a:buChar char="•"/>
+              <a:defRPr sz="1800" kern="1200">
+                <a:solidFill>
+                  <a:schemeClr val="tx1"/>
+                </a:solidFill>
+                <a:latin typeface="+mn-lt"/>
+                <a:ea typeface="+mn-ea"/>
+                <a:cs typeface="+mn-cs"/>
+              </a:defRPr>
+            </a:lvl6pPr>
+            <a:lvl7pPr marL="2971800" indent="-228600" algn="l" defTabSz="914400" rtl="0" eaLnBrk="1" latinLnBrk="0" hangingPunct="1">
+              <a:lnSpc>
+                <a:spcPct val="90000"/>
+              </a:lnSpc>
+              <a:spcBef>
+                <a:spcPts val="500"/>
+              </a:spcBef>
+              <a:buFont typeface="Arial" panose="020B0604020202020204" pitchFamily="34" charset="0"/>
+              <a:buChar char="•"/>
+              <a:defRPr sz="1800" kern="1200">
+                <a:solidFill>
+                  <a:schemeClr val="tx1"/>
+                </a:solidFill>
+                <a:latin typeface="+mn-lt"/>
+                <a:ea typeface="+mn-ea"/>
+                <a:cs typeface="+mn-cs"/>
+              </a:defRPr>
+            </a:lvl7pPr>
+            <a:lvl8pPr marL="3429000" indent="-228600" algn="l" defTabSz="914400" rtl="0" eaLnBrk="1" latinLnBrk="0" hangingPunct="1">
+              <a:lnSpc>
+                <a:spcPct val="90000"/>
+              </a:lnSpc>
+              <a:spcBef>
+                <a:spcPts val="500"/>
+              </a:spcBef>
+              <a:buFont typeface="Arial" panose="020B0604020202020204" pitchFamily="34" charset="0"/>
+              <a:buChar char="•"/>
+              <a:defRPr sz="1800" kern="1200">
+                <a:solidFill>
+                  <a:schemeClr val="tx1"/>
+                </a:solidFill>
+                <a:latin typeface="+mn-lt"/>
+                <a:ea typeface="+mn-ea"/>
+                <a:cs typeface="+mn-cs"/>
+              </a:defRPr>
+            </a:lvl8pPr>
+            <a:lvl9pPr marL="3886200" indent="-228600" algn="l" defTabSz="914400" rtl="0" eaLnBrk="1" latinLnBrk="0" hangingPunct="1">
+              <a:lnSpc>
+                <a:spcPct val="90000"/>
+              </a:lnSpc>
+              <a:spcBef>
+                <a:spcPts val="500"/>
+              </a:spcBef>
+              <a:buFont typeface="Arial" panose="020B0604020202020204" pitchFamily="34" charset="0"/>
+              <a:buChar char="•"/>
+              <a:defRPr sz="1800" kern="1200">
+                <a:solidFill>
+                  <a:schemeClr val="tx1"/>
+                </a:solidFill>
+                <a:latin typeface="+mn-lt"/>
+                <a:ea typeface="+mn-ea"/>
+                <a:cs typeface="+mn-cs"/>
+              </a:defRPr>
+            </a:lvl9pPr>
+          </a:lstStyle>
+          <a:p>
+            <a:pPr marL="342900" indent="-342900" eaLnBrk="0" fontAlgn="base" hangingPunct="0">
+              <a:lnSpc>
+                <a:spcPct val="150000"/>
+              </a:lnSpc>
+              <a:spcBef>
+                <a:spcPct val="20000"/>
+              </a:spcBef>
+              <a:spcAft>
+                <a:spcPct val="0"/>
+              </a:spcAft>
+              <a:buClr>
+                <a:schemeClr val="accent1"/>
+              </a:buClr>
+              <a:buBlip>
+                <a:blip r:embed="rId3"/>
+              </a:buBlip>
+            </a:pPr>
+            <a:r>
+              <a:rPr lang="en-US" sz="2200" dirty="0" smtClean="0">
+                <a:solidFill>
+                  <a:srgbClr val="5F5F5F"/>
+                </a:solidFill>
+              </a:rPr>
+              <a:t>NIO architectures better </a:t>
+            </a:r>
+            <a:r>
+              <a:rPr lang="en-US" sz="2200" dirty="0" smtClean="0">
+                <a:solidFill>
+                  <a:srgbClr val="5F5F5F"/>
+                </a:solidFill>
+              </a:rPr>
+              <a:t>than classical IO of </a:t>
+            </a:r>
+            <a:r>
+              <a:rPr lang="en-US" sz="2200" dirty="0" smtClean="0">
+                <a:solidFill>
+                  <a:srgbClr val="5F5F5F"/>
+                </a:solidFill>
+              </a:rPr>
+              <a:t>java after 25 parallel clients.</a:t>
+            </a:r>
+          </a:p>
+          <a:p>
+            <a:pPr marL="342900" indent="-342900" eaLnBrk="0" fontAlgn="base" hangingPunct="0">
+              <a:lnSpc>
+                <a:spcPct val="150000"/>
+              </a:lnSpc>
+              <a:spcBef>
+                <a:spcPct val="20000"/>
+              </a:spcBef>
+              <a:spcAft>
+                <a:spcPct val="0"/>
+              </a:spcAft>
+              <a:buClr>
+                <a:schemeClr val="accent1"/>
+              </a:buClr>
+              <a:buBlip>
+                <a:blip r:embed="rId3"/>
+              </a:buBlip>
+            </a:pPr>
+            <a:r>
+              <a:rPr lang="en-US" sz="2200" dirty="0" smtClean="0">
+                <a:solidFill>
+                  <a:srgbClr val="5F5F5F"/>
+                </a:solidFill>
+              </a:rPr>
+              <a:t>Can distinguish better architectures among IO and NIO ones.</a:t>
+            </a:r>
+            <a:endParaRPr lang="en-US" sz="2200" dirty="0" smtClean="0">
+              <a:solidFill>
+                <a:srgbClr val="5F5F5F"/>
+              </a:solidFill>
+            </a:endParaRPr>
+          </a:p>
+        </p:txBody>
+      </p:sp>
     </p:spTree>
     <p:extLst>
       <p:ext uri="{BB962C8B-B14F-4D97-AF65-F5344CB8AC3E}">
-        <p14:creationId xmlns:p14="http://schemas.microsoft.com/office/powerpoint/2010/main" val="1203557912"/>
+        <p14:creationId xmlns:p14="http://schemas.microsoft.com/office/powerpoint/2010/main" val="1633782494"/>
       </p:ext>
     </p:extLst>
   </p:cSld>
@@ -8434,6 +9601,36 @@
           <a:chExt cx="0" cy="0"/>
         </a:xfrm>
       </p:grpSpPr>
+      <p:pic>
+        <p:nvPicPr>
+          <p:cNvPr id="3" name="Image 2"/>
+          <p:cNvPicPr>
+            <a:picLocks noChangeAspect="1"/>
+          </p:cNvPicPr>
+          <p:nvPr/>
+        </p:nvPicPr>
+        <p:blipFill>
+          <a:blip r:embed="rId2">
+            <a:extLst>
+              <a:ext uri="{28A0092B-C50C-407E-A947-70E740481C1C}">
+                <a14:useLocalDpi xmlns:a14="http://schemas.microsoft.com/office/drawing/2010/main" val="0"/>
+              </a:ext>
+            </a:extLst>
+          </a:blip>
+          <a:stretch>
+            <a:fillRect/>
+          </a:stretch>
+        </p:blipFill>
+        <p:spPr>
+          <a:xfrm>
+            <a:off x="19455" y="704773"/>
+            <a:ext cx="7159557" cy="5676163"/>
+          </a:xfrm>
+          <a:prstGeom prst="rect">
+            <a:avLst/>
+          </a:prstGeom>
+        </p:spPr>
+      </p:pic>
       <p:sp>
         <p:nvSpPr>
           <p:cNvPr id="2" name="Titre 1"/>
@@ -8487,7 +9684,7 @@
                 </a:solidFill>
                 <a:latin typeface="+mn-lt"/>
               </a:rPr>
-              <a:t>Confidence </a:t>
+              <a:t>1 to 500 clients (</a:t>
             </a:r>
             <a:r>
               <a:rPr lang="fr-CH" altLang="en-US" sz="3600" b="1" dirty="0" err="1" smtClean="0">
@@ -8496,7 +9693,7 @@
                 </a:solidFill>
                 <a:latin typeface="+mn-lt"/>
               </a:rPr>
-              <a:t>Intervals</a:t>
+              <a:t>step</a:t>
             </a:r>
             <a:r>
               <a:rPr lang="fr-CH" altLang="en-US" sz="3600" b="1" dirty="0" smtClean="0">
@@ -8505,7 +9702,25 @@
                 </a:solidFill>
                 <a:latin typeface="+mn-lt"/>
               </a:rPr>
-              <a:t> 100 clients</a:t>
+              <a:t> 20) : </a:t>
+            </a:r>
+            <a:r>
+              <a:rPr lang="fr-CH" altLang="en-US" sz="3600" b="1" dirty="0" err="1" smtClean="0">
+                <a:solidFill>
+                  <a:srgbClr val="0099CC"/>
+                </a:solidFill>
+                <a:latin typeface="+mn-lt"/>
+              </a:rPr>
+              <a:t>median</a:t>
+            </a:r>
+            <a:r>
+              <a:rPr lang="fr-CH" altLang="en-US" sz="3600" b="1" dirty="0" smtClean="0">
+                <a:solidFill>
+                  <a:srgbClr val="0099CC"/>
+                </a:solidFill>
+                <a:latin typeface="+mn-lt"/>
+              </a:rPr>
+              <a:t> value</a:t>
             </a:r>
             <a:endParaRPr lang="fr-CH" altLang="en-US" sz="3600" b="1" dirty="0" smtClean="0">
               <a:solidFill>
@@ -8516,10 +9731,299 @@
           </a:p>
         </p:txBody>
       </p:sp>
+      <p:sp>
+        <p:nvSpPr>
+          <p:cNvPr id="7" name="Sous-titre 2"/>
+          <p:cNvSpPr txBox="1">
+            <a:spLocks/>
+          </p:cNvSpPr>
+          <p:nvPr/>
+        </p:nvSpPr>
+        <p:spPr>
+          <a:xfrm>
+            <a:off x="7601735" y="1014984"/>
+            <a:ext cx="4288536" cy="4918888"/>
+          </a:xfrm>
+          <a:prstGeom prst="rect">
+            <a:avLst/>
+          </a:prstGeom>
+        </p:spPr>
+        <p:txBody>
+          <a:bodyPr vert="horz" lIns="91440" tIns="45720" rIns="91440" bIns="45720" rtlCol="0">
+            <a:noAutofit/>
+          </a:bodyPr>
+          <a:lstStyle>
+            <a:lvl1pPr marL="228600" indent="-228600" algn="l" defTabSz="914400" rtl="0" eaLnBrk="1" latinLnBrk="0" hangingPunct="1">
+              <a:lnSpc>
+                <a:spcPct val="90000"/>
+              </a:lnSpc>
+              <a:spcBef>
+                <a:spcPts val="1000"/>
+              </a:spcBef>
+              <a:buFont typeface="Arial" panose="020B0604020202020204" pitchFamily="34" charset="0"/>
+              <a:buChar char="•"/>
+              <a:defRPr sz="2800" kern="1200">
+                <a:solidFill>
+                  <a:schemeClr val="tx1"/>
+                </a:solidFill>
+                <a:latin typeface="+mn-lt"/>
+                <a:ea typeface="+mn-ea"/>
+                <a:cs typeface="+mn-cs"/>
+              </a:defRPr>
+            </a:lvl1pPr>
+            <a:lvl2pPr marL="685800" indent="-228600" algn="l" defTabSz="914400" rtl="0" eaLnBrk="1" latinLnBrk="0" hangingPunct="1">
+              <a:lnSpc>
+                <a:spcPct val="90000"/>
+              </a:lnSpc>
+              <a:spcBef>
+                <a:spcPts val="500"/>
+              </a:spcBef>
+              <a:buFont typeface="Arial" panose="020B0604020202020204" pitchFamily="34" charset="0"/>
+              <a:buChar char="•"/>
+              <a:defRPr sz="2400" kern="1200">
+                <a:solidFill>
+                  <a:schemeClr val="tx1"/>
+                </a:solidFill>
+                <a:latin typeface="+mn-lt"/>
+                <a:ea typeface="+mn-ea"/>
+                <a:cs typeface="+mn-cs"/>
+              </a:defRPr>
+            </a:lvl2pPr>
+            <a:lvl3pPr marL="1143000" indent="-228600" algn="l" defTabSz="914400" rtl="0" eaLnBrk="1" latinLnBrk="0" hangingPunct="1">
+              <a:lnSpc>
+                <a:spcPct val="90000"/>
+              </a:lnSpc>
+              <a:spcBef>
+                <a:spcPts val="500"/>
+              </a:spcBef>
+              <a:buFont typeface="Arial" panose="020B0604020202020204" pitchFamily="34" charset="0"/>
+              <a:buChar char="•"/>
+              <a:defRPr sz="2000" kern="1200">
+                <a:solidFill>
+                  <a:schemeClr val="tx1"/>
+                </a:solidFill>
+                <a:latin typeface="+mn-lt"/>
+                <a:ea typeface="+mn-ea"/>
+                <a:cs typeface="+mn-cs"/>
+              </a:defRPr>
+            </a:lvl3pPr>
+            <a:lvl4pPr marL="1600200" indent="-228600" algn="l" defTabSz="914400" rtl="0" eaLnBrk="1" latinLnBrk="0" hangingPunct="1">
+              <a:lnSpc>
+                <a:spcPct val="90000"/>
+              </a:lnSpc>
+              <a:spcBef>
+                <a:spcPts val="500"/>
+              </a:spcBef>
+              <a:buFont typeface="Arial" panose="020B0604020202020204" pitchFamily="34" charset="0"/>
+              <a:buChar char="•"/>
+              <a:defRPr sz="1800" kern="1200">
+                <a:solidFill>
+                  <a:schemeClr val="tx1"/>
+                </a:solidFill>
+                <a:latin typeface="+mn-lt"/>
+                <a:ea typeface="+mn-ea"/>
+                <a:cs typeface="+mn-cs"/>
+              </a:defRPr>
+            </a:lvl4pPr>
+            <a:lvl5pPr marL="2057400" indent="-228600" algn="l" defTabSz="914400" rtl="0" eaLnBrk="1" latinLnBrk="0" hangingPunct="1">
+              <a:lnSpc>
+                <a:spcPct val="90000"/>
+              </a:lnSpc>
+              <a:spcBef>
+                <a:spcPts val="500"/>
+              </a:spcBef>
+              <a:buFont typeface="Arial" panose="020B0604020202020204" pitchFamily="34" charset="0"/>
+              <a:buChar char="•"/>
+              <a:defRPr sz="1800" kern="1200">
+                <a:solidFill>
+                  <a:schemeClr val="tx1"/>
+                </a:solidFill>
+                <a:latin typeface="+mn-lt"/>
+                <a:ea typeface="+mn-ea"/>
+                <a:cs typeface="+mn-cs"/>
+              </a:defRPr>
+            </a:lvl5pPr>
+            <a:lvl6pPr marL="2514600" indent="-228600" algn="l" defTabSz="914400" rtl="0" eaLnBrk="1" latinLnBrk="0" hangingPunct="1">
+              <a:lnSpc>
+                <a:spcPct val="90000"/>
+              </a:lnSpc>
+              <a:spcBef>
+                <a:spcPts val="500"/>
+              </a:spcBef>
+              <a:buFont typeface="Arial" panose="020B0604020202020204" pitchFamily="34" charset="0"/>
+              <a:buChar char="•"/>
+              <a:defRPr sz="1800" kern="1200">
+                <a:solidFill>
+                  <a:schemeClr val="tx1"/>
+                </a:solidFill>
+                <a:latin typeface="+mn-lt"/>
+                <a:ea typeface="+mn-ea"/>
+                <a:cs typeface="+mn-cs"/>
+              </a:defRPr>
+            </a:lvl6pPr>
+            <a:lvl7pPr marL="2971800" indent="-228600" algn="l" defTabSz="914400" rtl="0" eaLnBrk="1" latinLnBrk="0" hangingPunct="1">
+              <a:lnSpc>
+                <a:spcPct val="90000"/>
+              </a:lnSpc>
+              <a:spcBef>
+                <a:spcPts val="500"/>
+              </a:spcBef>
+              <a:buFont typeface="Arial" panose="020B0604020202020204" pitchFamily="34" charset="0"/>
+              <a:buChar char="•"/>
+              <a:defRPr sz="1800" kern="1200">
+                <a:solidFill>
+                  <a:schemeClr val="tx1"/>
+                </a:solidFill>
+                <a:latin typeface="+mn-lt"/>
+                <a:ea typeface="+mn-ea"/>
+                <a:cs typeface="+mn-cs"/>
+              </a:defRPr>
+            </a:lvl7pPr>
+            <a:lvl8pPr marL="3429000" indent="-228600" algn="l" defTabSz="914400" rtl="0" eaLnBrk="1" latinLnBrk="0" hangingPunct="1">
+              <a:lnSpc>
+                <a:spcPct val="90000"/>
+              </a:lnSpc>
+              <a:spcBef>
+                <a:spcPts val="500"/>
+              </a:spcBef>
+              <a:buFont typeface="Arial" panose="020B0604020202020204" pitchFamily="34" charset="0"/>
+              <a:buChar char="•"/>
+              <a:defRPr sz="1800" kern="1200">
+                <a:solidFill>
+                  <a:schemeClr val="tx1"/>
+                </a:solidFill>
+                <a:latin typeface="+mn-lt"/>
+                <a:ea typeface="+mn-ea"/>
+                <a:cs typeface="+mn-cs"/>
+              </a:defRPr>
+            </a:lvl8pPr>
+            <a:lvl9pPr marL="3886200" indent="-228600" algn="l" defTabSz="914400" rtl="0" eaLnBrk="1" latinLnBrk="0" hangingPunct="1">
+              <a:lnSpc>
+                <a:spcPct val="90000"/>
+              </a:lnSpc>
+              <a:spcBef>
+                <a:spcPts val="500"/>
+              </a:spcBef>
+              <a:buFont typeface="Arial" panose="020B0604020202020204" pitchFamily="34" charset="0"/>
+              <a:buChar char="•"/>
+              <a:defRPr sz="1800" kern="1200">
+                <a:solidFill>
+                  <a:schemeClr val="tx1"/>
+                </a:solidFill>
+                <a:latin typeface="+mn-lt"/>
+                <a:ea typeface="+mn-ea"/>
+                <a:cs typeface="+mn-cs"/>
+              </a:defRPr>
+            </a:lvl9pPr>
+          </a:lstStyle>
+          <a:p>
+            <a:pPr marL="342900" indent="-342900" eaLnBrk="0" fontAlgn="base" hangingPunct="0">
+              <a:lnSpc>
+                <a:spcPct val="150000"/>
+              </a:lnSpc>
+              <a:spcBef>
+                <a:spcPct val="20000"/>
+              </a:spcBef>
+              <a:spcAft>
+                <a:spcPct val="0"/>
+              </a:spcAft>
+              <a:buClr>
+                <a:schemeClr val="accent1"/>
+              </a:buClr>
+              <a:buBlip>
+                <a:blip r:embed="rId3"/>
+              </a:buBlip>
+            </a:pPr>
+            <a:r>
+              <a:rPr lang="en-US" sz="2200" dirty="0" smtClean="0">
+                <a:solidFill>
+                  <a:srgbClr val="5F5F5F"/>
+                </a:solidFill>
+              </a:rPr>
+              <a:t>NIO architectures better </a:t>
+            </a:r>
+            <a:r>
+              <a:rPr lang="en-US" sz="2200" dirty="0" smtClean="0">
+                <a:solidFill>
+                  <a:srgbClr val="5F5F5F"/>
+                </a:solidFill>
+              </a:rPr>
+              <a:t>than classical IO of </a:t>
+            </a:r>
+            <a:r>
+              <a:rPr lang="en-US" sz="2200" dirty="0" smtClean="0">
+                <a:solidFill>
+                  <a:srgbClr val="5F5F5F"/>
+                </a:solidFill>
+              </a:rPr>
+              <a:t>java after 25 parallel clients.</a:t>
+            </a:r>
+          </a:p>
+          <a:p>
+            <a:pPr marL="342900" indent="-342900" eaLnBrk="0" fontAlgn="base" hangingPunct="0">
+              <a:lnSpc>
+                <a:spcPct val="150000"/>
+              </a:lnSpc>
+              <a:spcBef>
+                <a:spcPct val="20000"/>
+              </a:spcBef>
+              <a:spcAft>
+                <a:spcPct val="0"/>
+              </a:spcAft>
+              <a:buClr>
+                <a:schemeClr val="accent1"/>
+              </a:buClr>
+              <a:buBlip>
+                <a:blip r:embed="rId3"/>
+              </a:buBlip>
+            </a:pPr>
+            <a:r>
+              <a:rPr lang="en-US" sz="2200" dirty="0" smtClean="0">
+                <a:solidFill>
+                  <a:srgbClr val="5F5F5F"/>
+                </a:solidFill>
+              </a:rPr>
+              <a:t>Can distinguish better architectures among IO and NIO ones.</a:t>
+            </a:r>
+          </a:p>
+          <a:p>
+            <a:pPr marL="342900" indent="-342900" eaLnBrk="0" fontAlgn="base" hangingPunct="0">
+              <a:lnSpc>
+                <a:spcPct val="150000"/>
+              </a:lnSpc>
+              <a:spcBef>
+                <a:spcPct val="20000"/>
+              </a:spcBef>
+              <a:spcAft>
+                <a:spcPct val="0"/>
+              </a:spcAft>
+              <a:buClr>
+                <a:schemeClr val="accent1"/>
+              </a:buClr>
+              <a:buBlip>
+                <a:blip r:embed="rId3"/>
+              </a:buBlip>
+            </a:pPr>
+            <a:r>
+              <a:rPr lang="en-US" sz="2200" dirty="0" smtClean="0">
+                <a:solidFill>
+                  <a:srgbClr val="5F5F5F"/>
+                </a:solidFill>
+              </a:rPr>
+              <a:t>It is the median value so it is more robust to outliers if any.</a:t>
+            </a:r>
+            <a:endParaRPr lang="en-US" sz="2200" dirty="0" smtClean="0">
+              <a:solidFill>
+                <a:srgbClr val="5F5F5F"/>
+              </a:solidFill>
+            </a:endParaRPr>
+          </a:p>
+        </p:txBody>
+      </p:sp>
     </p:spTree>
     <p:extLst>
       <p:ext uri="{BB962C8B-B14F-4D97-AF65-F5344CB8AC3E}">
-        <p14:creationId xmlns:p14="http://schemas.microsoft.com/office/powerpoint/2010/main" val="4080113438"/>
+        <p14:creationId xmlns:p14="http://schemas.microsoft.com/office/powerpoint/2010/main" val="2985727460"/>
       </p:ext>
     </p:extLst>
   </p:cSld>
@@ -8553,6 +10057,36 @@
           <a:chExt cx="0" cy="0"/>
         </a:xfrm>
       </p:grpSpPr>
+      <p:pic>
+        <p:nvPicPr>
+          <p:cNvPr id="3" name="Image 2"/>
+          <p:cNvPicPr>
+            <a:picLocks noChangeAspect="1"/>
+          </p:cNvPicPr>
+          <p:nvPr/>
+        </p:nvPicPr>
+        <p:blipFill>
+          <a:blip r:embed="rId2" cstate="print">
+            <a:extLst>
+              <a:ext uri="{28A0092B-C50C-407E-A947-70E740481C1C}">
+                <a14:useLocalDpi xmlns:a14="http://schemas.microsoft.com/office/drawing/2010/main" val="0"/>
+              </a:ext>
+            </a:extLst>
+          </a:blip>
+          <a:stretch>
+            <a:fillRect/>
+          </a:stretch>
+        </p:blipFill>
+        <p:spPr>
+          <a:xfrm>
+            <a:off x="-1" y="897911"/>
+            <a:ext cx="6381345" cy="5473705"/>
+          </a:xfrm>
+          <a:prstGeom prst="rect">
+            <a:avLst/>
+          </a:prstGeom>
+        </p:spPr>
+      </p:pic>
       <p:sp>
         <p:nvSpPr>
           <p:cNvPr id="2" name="Titre 1"/>
@@ -8615,7 +10149,7 @@
                 </a:solidFill>
                 <a:latin typeface="+mn-lt"/>
               </a:rPr>
-              <a:t>Intervals</a:t>
+              <a:t>Interval</a:t>
             </a:r>
             <a:r>
               <a:rPr lang="fr-CH" altLang="en-US" sz="3600" b="1" dirty="0" smtClean="0">
@@ -8624,13 +10158,323 @@
                 </a:solidFill>
                 <a:latin typeface="+mn-lt"/>
               </a:rPr>
-              <a:t> 300 clients</a:t>
-            </a:r>
-            <a:endParaRPr lang="fr-CH" altLang="en-US" sz="3600" b="1" dirty="0" smtClean="0">
+              <a:t> for the </a:t>
+            </a:r>
+            <a:r>
+              <a:rPr lang="fr-CH" altLang="en-US" sz="3600" b="1" dirty="0" err="1" smtClean="0">
+                <a:solidFill>
+                  <a:srgbClr val="0099CC"/>
+                </a:solidFill>
+                <a:latin typeface="+mn-lt"/>
+              </a:rPr>
+              <a:t>median</a:t>
+            </a:r>
+            <a:r>
+              <a:rPr lang="fr-CH" altLang="en-US" sz="3600" b="1" dirty="0" smtClean="0">
+                <a:solidFill>
+                  <a:srgbClr val="0099CC"/>
+                </a:solidFill>
+                <a:latin typeface="+mn-lt"/>
+              </a:rPr>
+              <a:t> : </a:t>
+            </a:r>
+            <a:r>
+              <a:rPr lang="fr-CH" altLang="en-US" sz="3600" b="1" dirty="0" smtClean="0">
+                <a:solidFill>
+                  <a:srgbClr val="0099CC"/>
+                </a:solidFill>
+                <a:latin typeface="+mn-lt"/>
+              </a:rPr>
+              <a:t>10 clients</a:t>
+            </a:r>
+          </a:p>
+        </p:txBody>
+      </p:sp>
+      <p:sp>
+        <p:nvSpPr>
+          <p:cNvPr id="5" name="Sous-titre 2"/>
+          <p:cNvSpPr txBox="1">
+            <a:spLocks/>
+          </p:cNvSpPr>
+          <p:nvPr/>
+        </p:nvSpPr>
+        <p:spPr>
+          <a:xfrm>
+            <a:off x="7601735" y="1014984"/>
+            <a:ext cx="4288536" cy="4918888"/>
+          </a:xfrm>
+          <a:prstGeom prst="rect">
+            <a:avLst/>
+          </a:prstGeom>
+        </p:spPr>
+        <p:txBody>
+          <a:bodyPr vert="horz" lIns="91440" tIns="45720" rIns="91440" bIns="45720" rtlCol="0">
+            <a:noAutofit/>
+          </a:bodyPr>
+          <a:lstStyle>
+            <a:lvl1pPr marL="228600" indent="-228600" algn="l" defTabSz="914400" rtl="0" eaLnBrk="1" latinLnBrk="0" hangingPunct="1">
+              <a:lnSpc>
+                <a:spcPct val="90000"/>
+              </a:lnSpc>
+              <a:spcBef>
+                <a:spcPts val="1000"/>
+              </a:spcBef>
+              <a:buFont typeface="Arial" panose="020B0604020202020204" pitchFamily="34" charset="0"/>
+              <a:buChar char="•"/>
+              <a:defRPr sz="2800" kern="1200">
+                <a:solidFill>
+                  <a:schemeClr val="tx1"/>
+                </a:solidFill>
+                <a:latin typeface="+mn-lt"/>
+                <a:ea typeface="+mn-ea"/>
+                <a:cs typeface="+mn-cs"/>
+              </a:defRPr>
+            </a:lvl1pPr>
+            <a:lvl2pPr marL="685800" indent="-228600" algn="l" defTabSz="914400" rtl="0" eaLnBrk="1" latinLnBrk="0" hangingPunct="1">
+              <a:lnSpc>
+                <a:spcPct val="90000"/>
+              </a:lnSpc>
+              <a:spcBef>
+                <a:spcPts val="500"/>
+              </a:spcBef>
+              <a:buFont typeface="Arial" panose="020B0604020202020204" pitchFamily="34" charset="0"/>
+              <a:buChar char="•"/>
+              <a:defRPr sz="2400" kern="1200">
+                <a:solidFill>
+                  <a:schemeClr val="tx1"/>
+                </a:solidFill>
+                <a:latin typeface="+mn-lt"/>
+                <a:ea typeface="+mn-ea"/>
+                <a:cs typeface="+mn-cs"/>
+              </a:defRPr>
+            </a:lvl2pPr>
+            <a:lvl3pPr marL="1143000" indent="-228600" algn="l" defTabSz="914400" rtl="0" eaLnBrk="1" latinLnBrk="0" hangingPunct="1">
+              <a:lnSpc>
+                <a:spcPct val="90000"/>
+              </a:lnSpc>
+              <a:spcBef>
+                <a:spcPts val="500"/>
+              </a:spcBef>
+              <a:buFont typeface="Arial" panose="020B0604020202020204" pitchFamily="34" charset="0"/>
+              <a:buChar char="•"/>
+              <a:defRPr sz="2000" kern="1200">
+                <a:solidFill>
+                  <a:schemeClr val="tx1"/>
+                </a:solidFill>
+                <a:latin typeface="+mn-lt"/>
+                <a:ea typeface="+mn-ea"/>
+                <a:cs typeface="+mn-cs"/>
+              </a:defRPr>
+            </a:lvl3pPr>
+            <a:lvl4pPr marL="1600200" indent="-228600" algn="l" defTabSz="914400" rtl="0" eaLnBrk="1" latinLnBrk="0" hangingPunct="1">
+              <a:lnSpc>
+                <a:spcPct val="90000"/>
+              </a:lnSpc>
+              <a:spcBef>
+                <a:spcPts val="500"/>
+              </a:spcBef>
+              <a:buFont typeface="Arial" panose="020B0604020202020204" pitchFamily="34" charset="0"/>
+              <a:buChar char="•"/>
+              <a:defRPr sz="1800" kern="1200">
+                <a:solidFill>
+                  <a:schemeClr val="tx1"/>
+                </a:solidFill>
+                <a:latin typeface="+mn-lt"/>
+                <a:ea typeface="+mn-ea"/>
+                <a:cs typeface="+mn-cs"/>
+              </a:defRPr>
+            </a:lvl4pPr>
+            <a:lvl5pPr marL="2057400" indent="-228600" algn="l" defTabSz="914400" rtl="0" eaLnBrk="1" latinLnBrk="0" hangingPunct="1">
+              <a:lnSpc>
+                <a:spcPct val="90000"/>
+              </a:lnSpc>
+              <a:spcBef>
+                <a:spcPts val="500"/>
+              </a:spcBef>
+              <a:buFont typeface="Arial" panose="020B0604020202020204" pitchFamily="34" charset="0"/>
+              <a:buChar char="•"/>
+              <a:defRPr sz="1800" kern="1200">
+                <a:solidFill>
+                  <a:schemeClr val="tx1"/>
+                </a:solidFill>
+                <a:latin typeface="+mn-lt"/>
+                <a:ea typeface="+mn-ea"/>
+                <a:cs typeface="+mn-cs"/>
+              </a:defRPr>
+            </a:lvl5pPr>
+            <a:lvl6pPr marL="2514600" indent="-228600" algn="l" defTabSz="914400" rtl="0" eaLnBrk="1" latinLnBrk="0" hangingPunct="1">
+              <a:lnSpc>
+                <a:spcPct val="90000"/>
+              </a:lnSpc>
+              <a:spcBef>
+                <a:spcPts val="500"/>
+              </a:spcBef>
+              <a:buFont typeface="Arial" panose="020B0604020202020204" pitchFamily="34" charset="0"/>
+              <a:buChar char="•"/>
+              <a:defRPr sz="1800" kern="1200">
+                <a:solidFill>
+                  <a:schemeClr val="tx1"/>
+                </a:solidFill>
+                <a:latin typeface="+mn-lt"/>
+                <a:ea typeface="+mn-ea"/>
+                <a:cs typeface="+mn-cs"/>
+              </a:defRPr>
+            </a:lvl6pPr>
+            <a:lvl7pPr marL="2971800" indent="-228600" algn="l" defTabSz="914400" rtl="0" eaLnBrk="1" latinLnBrk="0" hangingPunct="1">
+              <a:lnSpc>
+                <a:spcPct val="90000"/>
+              </a:lnSpc>
+              <a:spcBef>
+                <a:spcPts val="500"/>
+              </a:spcBef>
+              <a:buFont typeface="Arial" panose="020B0604020202020204" pitchFamily="34" charset="0"/>
+              <a:buChar char="•"/>
+              <a:defRPr sz="1800" kern="1200">
+                <a:solidFill>
+                  <a:schemeClr val="tx1"/>
+                </a:solidFill>
+                <a:latin typeface="+mn-lt"/>
+                <a:ea typeface="+mn-ea"/>
+                <a:cs typeface="+mn-cs"/>
+              </a:defRPr>
+            </a:lvl7pPr>
+            <a:lvl8pPr marL="3429000" indent="-228600" algn="l" defTabSz="914400" rtl="0" eaLnBrk="1" latinLnBrk="0" hangingPunct="1">
+              <a:lnSpc>
+                <a:spcPct val="90000"/>
+              </a:lnSpc>
+              <a:spcBef>
+                <a:spcPts val="500"/>
+              </a:spcBef>
+              <a:buFont typeface="Arial" panose="020B0604020202020204" pitchFamily="34" charset="0"/>
+              <a:buChar char="•"/>
+              <a:defRPr sz="1800" kern="1200">
+                <a:solidFill>
+                  <a:schemeClr val="tx1"/>
+                </a:solidFill>
+                <a:latin typeface="+mn-lt"/>
+                <a:ea typeface="+mn-ea"/>
+                <a:cs typeface="+mn-cs"/>
+              </a:defRPr>
+            </a:lvl8pPr>
+            <a:lvl9pPr marL="3886200" indent="-228600" algn="l" defTabSz="914400" rtl="0" eaLnBrk="1" latinLnBrk="0" hangingPunct="1">
+              <a:lnSpc>
+                <a:spcPct val="90000"/>
+              </a:lnSpc>
+              <a:spcBef>
+                <a:spcPts val="500"/>
+              </a:spcBef>
+              <a:buFont typeface="Arial" panose="020B0604020202020204" pitchFamily="34" charset="0"/>
+              <a:buChar char="•"/>
+              <a:defRPr sz="1800" kern="1200">
+                <a:solidFill>
+                  <a:schemeClr val="tx1"/>
+                </a:solidFill>
+                <a:latin typeface="+mn-lt"/>
+                <a:ea typeface="+mn-ea"/>
+                <a:cs typeface="+mn-cs"/>
+              </a:defRPr>
+            </a:lvl9pPr>
+          </a:lstStyle>
+          <a:p>
+            <a:pPr marL="342900" indent="-342900" eaLnBrk="0" fontAlgn="base" hangingPunct="0">
+              <a:lnSpc>
+                <a:spcPct val="150000"/>
+              </a:lnSpc>
+              <a:spcBef>
+                <a:spcPct val="20000"/>
+              </a:spcBef>
+              <a:spcAft>
+                <a:spcPct val="0"/>
+              </a:spcAft>
+              <a:buClr>
+                <a:schemeClr val="accent1"/>
+              </a:buClr>
+              <a:buBlip>
+                <a:blip r:embed="rId3"/>
+              </a:buBlip>
+            </a:pPr>
+            <a:r>
+              <a:rPr lang="en-US" sz="2200" dirty="0" smtClean="0">
+                <a:solidFill>
+                  <a:srgbClr val="5F5F5F"/>
+                </a:solidFill>
+              </a:rPr>
+              <a:t>IO architectures very competitive with the NIO ones.</a:t>
+            </a:r>
+          </a:p>
+          <a:p>
+            <a:pPr marL="342900" indent="-342900" eaLnBrk="0" fontAlgn="base" hangingPunct="0">
+              <a:lnSpc>
+                <a:spcPct val="150000"/>
+              </a:lnSpc>
+              <a:spcBef>
+                <a:spcPct val="20000"/>
+              </a:spcBef>
+              <a:spcAft>
+                <a:spcPct val="0"/>
+              </a:spcAft>
+              <a:buClr>
+                <a:schemeClr val="accent1"/>
+              </a:buClr>
+              <a:buBlip>
+                <a:blip r:embed="rId3"/>
+              </a:buBlip>
+            </a:pPr>
+            <a:r>
+              <a:rPr lang="en-US" sz="2200" dirty="0" err="1" smtClean="0">
+                <a:solidFill>
+                  <a:srgbClr val="5F5F5F"/>
+                </a:solidFill>
+              </a:rPr>
+              <a:t>NIOSingle</a:t>
+            </a:r>
+            <a:r>
+              <a:rPr lang="en-US" sz="2200" dirty="0" smtClean="0">
+                <a:solidFill>
+                  <a:srgbClr val="5F5F5F"/>
+                </a:solidFill>
+              </a:rPr>
+              <a:t> architecture is the best in front of all IO architectures.</a:t>
+            </a:r>
+          </a:p>
+          <a:p>
+            <a:pPr marL="342900" indent="-342900" eaLnBrk="0" fontAlgn="base" hangingPunct="0">
+              <a:lnSpc>
+                <a:spcPct val="150000"/>
+              </a:lnSpc>
+              <a:spcBef>
+                <a:spcPct val="20000"/>
+              </a:spcBef>
+              <a:spcAft>
+                <a:spcPct val="0"/>
+              </a:spcAft>
+              <a:buClr>
+                <a:schemeClr val="accent1"/>
+              </a:buClr>
+              <a:buBlip>
+                <a:blip r:embed="rId3"/>
+              </a:buBlip>
+            </a:pPr>
+            <a:r>
+              <a:rPr lang="en-US" sz="2200" dirty="0" err="1" smtClean="0">
+                <a:solidFill>
+                  <a:srgbClr val="5F5F5F"/>
+                </a:solidFill>
+              </a:rPr>
+              <a:t>IOSingle</a:t>
+            </a:r>
+            <a:r>
+              <a:rPr lang="en-US" sz="2200" dirty="0" smtClean="0">
+                <a:solidFill>
+                  <a:srgbClr val="5F5F5F"/>
+                </a:solidFill>
+              </a:rPr>
+              <a:t> is one of the bests architectures.</a:t>
+            </a:r>
+            <a:endParaRPr lang="en-US" sz="2200" dirty="0" smtClean="0">
               <a:solidFill>
-                <a:srgbClr val="0099CC"/>
+                <a:srgbClr val="5F5F5F"/>
               </a:solidFill>
-              <a:latin typeface="+mn-lt"/>
             </a:endParaRPr>
           </a:p>
         </p:txBody>
@@ -8638,7 +10482,7 @@
     </p:spTree>
     <p:extLst>
       <p:ext uri="{BB962C8B-B14F-4D97-AF65-F5344CB8AC3E}">
-        <p14:creationId xmlns:p14="http://schemas.microsoft.com/office/powerpoint/2010/main" val="1985970619"/>
+        <p14:creationId xmlns:p14="http://schemas.microsoft.com/office/powerpoint/2010/main" val="1208121012"/>
       </p:ext>
     </p:extLst>
   </p:cSld>
@@ -8674,273 +10518,6 @@
       </p:grpSpPr>
       <p:sp>
         <p:nvSpPr>
-          <p:cNvPr id="8" name="Sous-titre 2"/>
-          <p:cNvSpPr txBox="1">
-            <a:spLocks/>
-          </p:cNvSpPr>
-          <p:nvPr/>
-        </p:nvSpPr>
-        <p:spPr>
-          <a:xfrm>
-            <a:off x="777240" y="1014983"/>
-            <a:ext cx="4288536" cy="4864608"/>
-          </a:xfrm>
-          <a:prstGeom prst="rect">
-            <a:avLst/>
-          </a:prstGeom>
-        </p:spPr>
-        <p:txBody>
-          <a:bodyPr vert="horz" lIns="91440" tIns="45720" rIns="91440" bIns="45720" rtlCol="0">
-            <a:noAutofit/>
-          </a:bodyPr>
-          <a:lstStyle>
-            <a:lvl1pPr marL="228600" indent="-228600" algn="l" defTabSz="914400" rtl="0" eaLnBrk="1" latinLnBrk="0" hangingPunct="1">
-              <a:lnSpc>
-                <a:spcPct val="90000"/>
-              </a:lnSpc>
-              <a:spcBef>
-                <a:spcPts val="1000"/>
-              </a:spcBef>
-              <a:buFont typeface="Arial" panose="020B0604020202020204" pitchFamily="34" charset="0"/>
-              <a:buChar char="•"/>
-              <a:defRPr sz="2800" kern="1200">
-                <a:solidFill>
-                  <a:schemeClr val="tx1"/>
-                </a:solidFill>
-                <a:latin typeface="+mn-lt"/>
-                <a:ea typeface="+mn-ea"/>
-                <a:cs typeface="+mn-cs"/>
-              </a:defRPr>
-            </a:lvl1pPr>
-            <a:lvl2pPr marL="685800" indent="-228600" algn="l" defTabSz="914400" rtl="0" eaLnBrk="1" latinLnBrk="0" hangingPunct="1">
-              <a:lnSpc>
-                <a:spcPct val="90000"/>
-              </a:lnSpc>
-              <a:spcBef>
-                <a:spcPts val="500"/>
-              </a:spcBef>
-              <a:buFont typeface="Arial" panose="020B0604020202020204" pitchFamily="34" charset="0"/>
-              <a:buChar char="•"/>
-              <a:defRPr sz="2400" kern="1200">
-                <a:solidFill>
-                  <a:schemeClr val="tx1"/>
-                </a:solidFill>
-                <a:latin typeface="+mn-lt"/>
-                <a:ea typeface="+mn-ea"/>
-                <a:cs typeface="+mn-cs"/>
-              </a:defRPr>
-            </a:lvl2pPr>
-            <a:lvl3pPr marL="1143000" indent="-228600" algn="l" defTabSz="914400" rtl="0" eaLnBrk="1" latinLnBrk="0" hangingPunct="1">
-              <a:lnSpc>
-                <a:spcPct val="90000"/>
-              </a:lnSpc>
-              <a:spcBef>
-                <a:spcPts val="500"/>
-              </a:spcBef>
-              <a:buFont typeface="Arial" panose="020B0604020202020204" pitchFamily="34" charset="0"/>
-              <a:buChar char="•"/>
-              <a:defRPr sz="2000" kern="1200">
-                <a:solidFill>
-                  <a:schemeClr val="tx1"/>
-                </a:solidFill>
-                <a:latin typeface="+mn-lt"/>
-                <a:ea typeface="+mn-ea"/>
-                <a:cs typeface="+mn-cs"/>
-              </a:defRPr>
-            </a:lvl3pPr>
-            <a:lvl4pPr marL="1600200" indent="-228600" algn="l" defTabSz="914400" rtl="0" eaLnBrk="1" latinLnBrk="0" hangingPunct="1">
-              <a:lnSpc>
-                <a:spcPct val="90000"/>
-              </a:lnSpc>
-              <a:spcBef>
-                <a:spcPts val="500"/>
-              </a:spcBef>
-              <a:buFont typeface="Arial" panose="020B0604020202020204" pitchFamily="34" charset="0"/>
-              <a:buChar char="•"/>
-              <a:defRPr sz="1800" kern="1200">
-                <a:solidFill>
-                  <a:schemeClr val="tx1"/>
-                </a:solidFill>
-                <a:latin typeface="+mn-lt"/>
-                <a:ea typeface="+mn-ea"/>
-                <a:cs typeface="+mn-cs"/>
-              </a:defRPr>
-            </a:lvl4pPr>
-            <a:lvl5pPr marL="2057400" indent="-228600" algn="l" defTabSz="914400" rtl="0" eaLnBrk="1" latinLnBrk="0" hangingPunct="1">
-              <a:lnSpc>
-                <a:spcPct val="90000"/>
-              </a:lnSpc>
-              <a:spcBef>
-                <a:spcPts val="500"/>
-              </a:spcBef>
-              <a:buFont typeface="Arial" panose="020B0604020202020204" pitchFamily="34" charset="0"/>
-              <a:buChar char="•"/>
-              <a:defRPr sz="1800" kern="1200">
-                <a:solidFill>
-                  <a:schemeClr val="tx1"/>
-                </a:solidFill>
-                <a:latin typeface="+mn-lt"/>
-                <a:ea typeface="+mn-ea"/>
-                <a:cs typeface="+mn-cs"/>
-              </a:defRPr>
-            </a:lvl5pPr>
-            <a:lvl6pPr marL="2514600" indent="-228600" algn="l" defTabSz="914400" rtl="0" eaLnBrk="1" latinLnBrk="0" hangingPunct="1">
-              <a:lnSpc>
-                <a:spcPct val="90000"/>
-              </a:lnSpc>
-              <a:spcBef>
-                <a:spcPts val="500"/>
-              </a:spcBef>
-              <a:buFont typeface="Arial" panose="020B0604020202020204" pitchFamily="34" charset="0"/>
-              <a:buChar char="•"/>
-              <a:defRPr sz="1800" kern="1200">
-                <a:solidFill>
-                  <a:schemeClr val="tx1"/>
-                </a:solidFill>
-                <a:latin typeface="+mn-lt"/>
-                <a:ea typeface="+mn-ea"/>
-                <a:cs typeface="+mn-cs"/>
-              </a:defRPr>
-            </a:lvl6pPr>
-            <a:lvl7pPr marL="2971800" indent="-228600" algn="l" defTabSz="914400" rtl="0" eaLnBrk="1" latinLnBrk="0" hangingPunct="1">
-              <a:lnSpc>
-                <a:spcPct val="90000"/>
-              </a:lnSpc>
-              <a:spcBef>
-                <a:spcPts val="500"/>
-              </a:spcBef>
-              <a:buFont typeface="Arial" panose="020B0604020202020204" pitchFamily="34" charset="0"/>
-              <a:buChar char="•"/>
-              <a:defRPr sz="1800" kern="1200">
-                <a:solidFill>
-                  <a:schemeClr val="tx1"/>
-                </a:solidFill>
-                <a:latin typeface="+mn-lt"/>
-                <a:ea typeface="+mn-ea"/>
-                <a:cs typeface="+mn-cs"/>
-              </a:defRPr>
-            </a:lvl7pPr>
-            <a:lvl8pPr marL="3429000" indent="-228600" algn="l" defTabSz="914400" rtl="0" eaLnBrk="1" latinLnBrk="0" hangingPunct="1">
-              <a:lnSpc>
-                <a:spcPct val="90000"/>
-              </a:lnSpc>
-              <a:spcBef>
-                <a:spcPts val="500"/>
-              </a:spcBef>
-              <a:buFont typeface="Arial" panose="020B0604020202020204" pitchFamily="34" charset="0"/>
-              <a:buChar char="•"/>
-              <a:defRPr sz="1800" kern="1200">
-                <a:solidFill>
-                  <a:schemeClr val="tx1"/>
-                </a:solidFill>
-                <a:latin typeface="+mn-lt"/>
-                <a:ea typeface="+mn-ea"/>
-                <a:cs typeface="+mn-cs"/>
-              </a:defRPr>
-            </a:lvl8pPr>
-            <a:lvl9pPr marL="3886200" indent="-228600" algn="l" defTabSz="914400" rtl="0" eaLnBrk="1" latinLnBrk="0" hangingPunct="1">
-              <a:lnSpc>
-                <a:spcPct val="90000"/>
-              </a:lnSpc>
-              <a:spcBef>
-                <a:spcPts val="500"/>
-              </a:spcBef>
-              <a:buFont typeface="Arial" panose="020B0604020202020204" pitchFamily="34" charset="0"/>
-              <a:buChar char="•"/>
-              <a:defRPr sz="1800" kern="1200">
-                <a:solidFill>
-                  <a:schemeClr val="tx1"/>
-                </a:solidFill>
-                <a:latin typeface="+mn-lt"/>
-                <a:ea typeface="+mn-ea"/>
-                <a:cs typeface="+mn-cs"/>
-              </a:defRPr>
-            </a:lvl9pPr>
-          </a:lstStyle>
-          <a:p>
-            <a:pPr marL="342900" indent="-342900" eaLnBrk="0" fontAlgn="base" hangingPunct="0">
-              <a:lnSpc>
-                <a:spcPct val="150000"/>
-              </a:lnSpc>
-              <a:spcBef>
-                <a:spcPct val="20000"/>
-              </a:spcBef>
-              <a:spcAft>
-                <a:spcPct val="0"/>
-              </a:spcAft>
-              <a:buClr>
-                <a:schemeClr val="accent1"/>
-              </a:buClr>
-              <a:buBlip>
-                <a:blip r:embed="rId2"/>
-              </a:buBlip>
-            </a:pPr>
-            <a:r>
-              <a:rPr lang="en-US" sz="2200" dirty="0" err="1" smtClean="0">
-                <a:solidFill>
-                  <a:srgbClr val="5F5F5F"/>
-                </a:solidFill>
-              </a:rPr>
-              <a:t>Blabla</a:t>
-            </a:r>
-            <a:r>
-              <a:rPr lang="en-US" sz="2200" dirty="0" smtClean="0">
-                <a:solidFill>
-                  <a:srgbClr val="5F5F5F"/>
-                </a:solidFill>
-              </a:rPr>
-              <a:t>.</a:t>
-            </a:r>
-            <a:endParaRPr lang="en-US" sz="2200" dirty="0" smtClean="0">
-              <a:solidFill>
-                <a:srgbClr val="5F5F5F"/>
-              </a:solidFill>
-            </a:endParaRPr>
-          </a:p>
-          <a:p>
-            <a:pPr marL="342900" indent="-342900" eaLnBrk="0" fontAlgn="base" hangingPunct="0">
-              <a:lnSpc>
-                <a:spcPct val="150000"/>
-              </a:lnSpc>
-              <a:spcBef>
-                <a:spcPct val="20000"/>
-              </a:spcBef>
-              <a:spcAft>
-                <a:spcPct val="0"/>
-              </a:spcAft>
-              <a:buClr>
-                <a:schemeClr val="accent1"/>
-              </a:buClr>
-              <a:buBlip>
-                <a:blip r:embed="rId2"/>
-              </a:buBlip>
-            </a:pPr>
-            <a:r>
-              <a:rPr lang="en-US" sz="2200" dirty="0" err="1" smtClean="0">
-                <a:solidFill>
-                  <a:srgbClr val="5F5F5F"/>
-                </a:solidFill>
-              </a:rPr>
-              <a:t>Bla</a:t>
-            </a:r>
-            <a:r>
-              <a:rPr lang="en-US" sz="2200" dirty="0" smtClean="0">
-                <a:solidFill>
-                  <a:srgbClr val="5F5F5F"/>
-                </a:solidFill>
-              </a:rPr>
-              <a:t>.</a:t>
-            </a:r>
-            <a:endParaRPr lang="en-US" sz="2200" dirty="0" smtClean="0">
-              <a:solidFill>
-                <a:srgbClr val="5F5F5F"/>
-              </a:solidFill>
-            </a:endParaRPr>
-          </a:p>
-        </p:txBody>
-      </p:sp>
-      <p:sp>
-        <p:nvSpPr>
           <p:cNvPr id="2" name="Titre 1"/>
           <p:cNvSpPr txBox="1">
             <a:spLocks/>
@@ -8992,27 +10569,48 @@
                 </a:solidFill>
                 <a:latin typeface="+mn-lt"/>
               </a:rPr>
-              <a:t>Conclusion</a:t>
-            </a:r>
-            <a:endParaRPr lang="fr-CH" altLang="en-US" sz="3600" b="1" dirty="0" smtClean="0">
-              <a:solidFill>
-                <a:srgbClr val="0099CC"/>
-              </a:solidFill>
-              <a:latin typeface="+mn-lt"/>
-            </a:endParaRPr>
+              <a:t>CI for the </a:t>
+            </a:r>
+            <a:r>
+              <a:rPr lang="fr-CH" altLang="en-US" sz="3600" b="1" dirty="0" err="1" smtClean="0">
+                <a:solidFill>
+                  <a:srgbClr val="0099CC"/>
+                </a:solidFill>
+                <a:latin typeface="+mn-lt"/>
+              </a:rPr>
+              <a:t>median</a:t>
+            </a:r>
+            <a:r>
+              <a:rPr lang="fr-CH" altLang="en-US" sz="3600" b="1" dirty="0" smtClean="0">
+                <a:solidFill>
+                  <a:srgbClr val="0099CC"/>
+                </a:solidFill>
+                <a:latin typeface="+mn-lt"/>
+              </a:rPr>
+              <a:t> : 25 </a:t>
+            </a:r>
+            <a:r>
+              <a:rPr lang="fr-CH" altLang="en-US" sz="3600" b="1" dirty="0" smtClean="0">
+                <a:solidFill>
+                  <a:srgbClr val="0099CC"/>
+                </a:solidFill>
+                <a:latin typeface="+mn-lt"/>
+              </a:rPr>
+              <a:t>clients</a:t>
+            </a:r>
           </a:p>
         </p:txBody>
       </p:sp>
       <p:pic>
         <p:nvPicPr>
-          <p:cNvPr id="4" name="Image 3"/>
+          <p:cNvPr id="3" name="Image 2"/>
           <p:cNvPicPr>
             <a:picLocks noChangeAspect="1"/>
           </p:cNvPicPr>
           <p:nvPr/>
         </p:nvPicPr>
         <p:blipFill>
-          <a:blip r:embed="rId3">
+          <a:blip r:embed="rId2" cstate="print">
             <a:extLst>
               <a:ext uri="{28A0092B-C50C-407E-A947-70E740481C1C}">
                 <a14:useLocalDpi xmlns:a14="http://schemas.microsoft.com/office/drawing/2010/main" val="0"/>
@@ -9025,24 +10623,1286 @@
         </p:blipFill>
         <p:spPr>
           <a:xfrm>
-            <a:off x="8287966" y="3480151"/>
-            <a:ext cx="3498650" cy="2691269"/>
+            <a:off x="0" y="914400"/>
+            <a:ext cx="6408449" cy="5460524"/>
           </a:xfrm>
           <a:prstGeom prst="rect">
             <a:avLst/>
           </a:prstGeom>
-          <a:ln>
-            <a:noFill/>
-          </a:ln>
-          <a:effectLst>
-            <a:softEdge rad="112500"/>
-          </a:effectLst>
         </p:spPr>
       </p:pic>
+      <p:sp>
+        <p:nvSpPr>
+          <p:cNvPr id="4" name="Sous-titre 2"/>
+          <p:cNvSpPr txBox="1">
+            <a:spLocks/>
+          </p:cNvSpPr>
+          <p:nvPr/>
+        </p:nvSpPr>
+        <p:spPr>
+          <a:xfrm>
+            <a:off x="7601735" y="1014984"/>
+            <a:ext cx="4288536" cy="4918888"/>
+          </a:xfrm>
+          <a:prstGeom prst="rect">
+            <a:avLst/>
+          </a:prstGeom>
+        </p:spPr>
+        <p:txBody>
+          <a:bodyPr vert="horz" lIns="91440" tIns="45720" rIns="91440" bIns="45720" rtlCol="0">
+            <a:noAutofit/>
+          </a:bodyPr>
+          <a:lstStyle>
+            <a:lvl1pPr marL="228600" indent="-228600" algn="l" defTabSz="914400" rtl="0" eaLnBrk="1" latinLnBrk="0" hangingPunct="1">
+              <a:lnSpc>
+                <a:spcPct val="90000"/>
+              </a:lnSpc>
+              <a:spcBef>
+                <a:spcPts val="1000"/>
+              </a:spcBef>
+              <a:buFont typeface="Arial" panose="020B0604020202020204" pitchFamily="34" charset="0"/>
+              <a:buChar char="•"/>
+              <a:defRPr sz="2800" kern="1200">
+                <a:solidFill>
+                  <a:schemeClr val="tx1"/>
+                </a:solidFill>
+                <a:latin typeface="+mn-lt"/>
+                <a:ea typeface="+mn-ea"/>
+                <a:cs typeface="+mn-cs"/>
+              </a:defRPr>
+            </a:lvl1pPr>
+            <a:lvl2pPr marL="685800" indent="-228600" algn="l" defTabSz="914400" rtl="0" eaLnBrk="1" latinLnBrk="0" hangingPunct="1">
+              <a:lnSpc>
+                <a:spcPct val="90000"/>
+              </a:lnSpc>
+              <a:spcBef>
+                <a:spcPts val="500"/>
+              </a:spcBef>
+              <a:buFont typeface="Arial" panose="020B0604020202020204" pitchFamily="34" charset="0"/>
+              <a:buChar char="•"/>
+              <a:defRPr sz="2400" kern="1200">
+                <a:solidFill>
+                  <a:schemeClr val="tx1"/>
+                </a:solidFill>
+                <a:latin typeface="+mn-lt"/>
+                <a:ea typeface="+mn-ea"/>
+                <a:cs typeface="+mn-cs"/>
+              </a:defRPr>
+            </a:lvl2pPr>
+            <a:lvl3pPr marL="1143000" indent="-228600" algn="l" defTabSz="914400" rtl="0" eaLnBrk="1" latinLnBrk="0" hangingPunct="1">
+              <a:lnSpc>
+                <a:spcPct val="90000"/>
+              </a:lnSpc>
+              <a:spcBef>
+                <a:spcPts val="500"/>
+              </a:spcBef>
+              <a:buFont typeface="Arial" panose="020B0604020202020204" pitchFamily="34" charset="0"/>
+              <a:buChar char="•"/>
+              <a:defRPr sz="2000" kern="1200">
+                <a:solidFill>
+                  <a:schemeClr val="tx1"/>
+                </a:solidFill>
+                <a:latin typeface="+mn-lt"/>
+                <a:ea typeface="+mn-ea"/>
+                <a:cs typeface="+mn-cs"/>
+              </a:defRPr>
+            </a:lvl3pPr>
+            <a:lvl4pPr marL="1600200" indent="-228600" algn="l" defTabSz="914400" rtl="0" eaLnBrk="1" latinLnBrk="0" hangingPunct="1">
+              <a:lnSpc>
+                <a:spcPct val="90000"/>
+              </a:lnSpc>
+              <a:spcBef>
+                <a:spcPts val="500"/>
+              </a:spcBef>
+              <a:buFont typeface="Arial" panose="020B0604020202020204" pitchFamily="34" charset="0"/>
+              <a:buChar char="•"/>
+              <a:defRPr sz="1800" kern="1200">
+                <a:solidFill>
+                  <a:schemeClr val="tx1"/>
+                </a:solidFill>
+                <a:latin typeface="+mn-lt"/>
+                <a:ea typeface="+mn-ea"/>
+                <a:cs typeface="+mn-cs"/>
+              </a:defRPr>
+            </a:lvl4pPr>
+            <a:lvl5pPr marL="2057400" indent="-228600" algn="l" defTabSz="914400" rtl="0" eaLnBrk="1" latinLnBrk="0" hangingPunct="1">
+              <a:lnSpc>
+                <a:spcPct val="90000"/>
+              </a:lnSpc>
+              <a:spcBef>
+                <a:spcPts val="500"/>
+              </a:spcBef>
+              <a:buFont typeface="Arial" panose="020B0604020202020204" pitchFamily="34" charset="0"/>
+              <a:buChar char="•"/>
+              <a:defRPr sz="1800" kern="1200">
+                <a:solidFill>
+                  <a:schemeClr val="tx1"/>
+                </a:solidFill>
+                <a:latin typeface="+mn-lt"/>
+                <a:ea typeface="+mn-ea"/>
+                <a:cs typeface="+mn-cs"/>
+              </a:defRPr>
+            </a:lvl5pPr>
+            <a:lvl6pPr marL="2514600" indent="-228600" algn="l" defTabSz="914400" rtl="0" eaLnBrk="1" latinLnBrk="0" hangingPunct="1">
+              <a:lnSpc>
+                <a:spcPct val="90000"/>
+              </a:lnSpc>
+              <a:spcBef>
+                <a:spcPts val="500"/>
+              </a:spcBef>
+              <a:buFont typeface="Arial" panose="020B0604020202020204" pitchFamily="34" charset="0"/>
+              <a:buChar char="•"/>
+              <a:defRPr sz="1800" kern="1200">
+                <a:solidFill>
+                  <a:schemeClr val="tx1"/>
+                </a:solidFill>
+                <a:latin typeface="+mn-lt"/>
+                <a:ea typeface="+mn-ea"/>
+                <a:cs typeface="+mn-cs"/>
+              </a:defRPr>
+            </a:lvl6pPr>
+            <a:lvl7pPr marL="2971800" indent="-228600" algn="l" defTabSz="914400" rtl="0" eaLnBrk="1" latinLnBrk="0" hangingPunct="1">
+              <a:lnSpc>
+                <a:spcPct val="90000"/>
+              </a:lnSpc>
+              <a:spcBef>
+                <a:spcPts val="500"/>
+              </a:spcBef>
+              <a:buFont typeface="Arial" panose="020B0604020202020204" pitchFamily="34" charset="0"/>
+              <a:buChar char="•"/>
+              <a:defRPr sz="1800" kern="1200">
+                <a:solidFill>
+                  <a:schemeClr val="tx1"/>
+                </a:solidFill>
+                <a:latin typeface="+mn-lt"/>
+                <a:ea typeface="+mn-ea"/>
+                <a:cs typeface="+mn-cs"/>
+              </a:defRPr>
+            </a:lvl7pPr>
+            <a:lvl8pPr marL="3429000" indent="-228600" algn="l" defTabSz="914400" rtl="0" eaLnBrk="1" latinLnBrk="0" hangingPunct="1">
+              <a:lnSpc>
+                <a:spcPct val="90000"/>
+              </a:lnSpc>
+              <a:spcBef>
+                <a:spcPts val="500"/>
+              </a:spcBef>
+              <a:buFont typeface="Arial" panose="020B0604020202020204" pitchFamily="34" charset="0"/>
+              <a:buChar char="•"/>
+              <a:defRPr sz="1800" kern="1200">
+                <a:solidFill>
+                  <a:schemeClr val="tx1"/>
+                </a:solidFill>
+                <a:latin typeface="+mn-lt"/>
+                <a:ea typeface="+mn-ea"/>
+                <a:cs typeface="+mn-cs"/>
+              </a:defRPr>
+            </a:lvl8pPr>
+            <a:lvl9pPr marL="3886200" indent="-228600" algn="l" defTabSz="914400" rtl="0" eaLnBrk="1" latinLnBrk="0" hangingPunct="1">
+              <a:lnSpc>
+                <a:spcPct val="90000"/>
+              </a:lnSpc>
+              <a:spcBef>
+                <a:spcPts val="500"/>
+              </a:spcBef>
+              <a:buFont typeface="Arial" panose="020B0604020202020204" pitchFamily="34" charset="0"/>
+              <a:buChar char="•"/>
+              <a:defRPr sz="1800" kern="1200">
+                <a:solidFill>
+                  <a:schemeClr val="tx1"/>
+                </a:solidFill>
+                <a:latin typeface="+mn-lt"/>
+                <a:ea typeface="+mn-ea"/>
+                <a:cs typeface="+mn-cs"/>
+              </a:defRPr>
+            </a:lvl9pPr>
+          </a:lstStyle>
+          <a:p>
+            <a:pPr marL="342900" indent="-342900" eaLnBrk="0" fontAlgn="base" hangingPunct="0">
+              <a:lnSpc>
+                <a:spcPct val="150000"/>
+              </a:lnSpc>
+              <a:spcBef>
+                <a:spcPct val="20000"/>
+              </a:spcBef>
+              <a:spcAft>
+                <a:spcPct val="0"/>
+              </a:spcAft>
+              <a:buClr>
+                <a:schemeClr val="accent1"/>
+              </a:buClr>
+              <a:buBlip>
+                <a:blip r:embed="rId3"/>
+              </a:buBlip>
+            </a:pPr>
+            <a:r>
+              <a:rPr lang="en-US" sz="2200" dirty="0" smtClean="0">
+                <a:solidFill>
+                  <a:srgbClr val="5F5F5F"/>
+                </a:solidFill>
+              </a:rPr>
+              <a:t>NIO architectures already “better” than the IO ones.</a:t>
+            </a:r>
+          </a:p>
+          <a:p>
+            <a:pPr marL="342900" indent="-342900" eaLnBrk="0" fontAlgn="base" hangingPunct="0">
+              <a:lnSpc>
+                <a:spcPct val="150000"/>
+              </a:lnSpc>
+              <a:spcBef>
+                <a:spcPct val="20000"/>
+              </a:spcBef>
+              <a:spcAft>
+                <a:spcPct val="0"/>
+              </a:spcAft>
+              <a:buClr>
+                <a:schemeClr val="accent1"/>
+              </a:buClr>
+              <a:buBlip>
+                <a:blip r:embed="rId3"/>
+              </a:buBlip>
+            </a:pPr>
+            <a:r>
+              <a:rPr lang="en-US" sz="2200" dirty="0" smtClean="0">
+                <a:solidFill>
+                  <a:srgbClr val="5F5F5F"/>
+                </a:solidFill>
+              </a:rPr>
+              <a:t>Better is only in a maximum of 1.15 times</a:t>
+            </a:r>
+            <a:endParaRPr lang="en-US" sz="2200" dirty="0" smtClean="0">
+              <a:solidFill>
+                <a:srgbClr val="5F5F5F"/>
+              </a:solidFill>
+            </a:endParaRPr>
+          </a:p>
+        </p:txBody>
+      </p:sp>
     </p:spTree>
     <p:extLst>
       <p:ext uri="{BB962C8B-B14F-4D97-AF65-F5344CB8AC3E}">
-        <p14:creationId xmlns:p14="http://schemas.microsoft.com/office/powerpoint/2010/main" val="1088585430"/>
+        <p14:creationId xmlns:p14="http://schemas.microsoft.com/office/powerpoint/2010/main" val="1203557912"/>
+      </p:ext>
+    </p:extLst>
+  </p:cSld>
+  <p:clrMapOvr>
+    <a:masterClrMapping/>
+  </p:clrMapOvr>
+  <p:timing>
+    <p:tnLst>
+      <p:par>
+        <p:cTn id="1" dur="indefinite" restart="never" nodeType="tmRoot"/>
+      </p:par>
+    </p:tnLst>
+  </p:timing>
+</p:sld>
+</file>
+
+<file path=ppt/slides/slide18.xml><?xml version="1.0" encoding="utf-8"?>
+<p:sld xmlns:a="http://schemas.openxmlformats.org/drawingml/2006/main" xmlns:r="http://schemas.openxmlformats.org/officeDocument/2006/relationships" xmlns:p="http://schemas.openxmlformats.org/presentationml/2006/main">
+  <p:cSld>
+    <p:spTree>
+      <p:nvGrpSpPr>
+        <p:cNvPr id="1" name=""/>
+        <p:cNvGrpSpPr/>
+        <p:nvPr/>
+      </p:nvGrpSpPr>
+      <p:grpSpPr>
+        <a:xfrm>
+          <a:off x="0" y="0"/>
+          <a:ext cx="0" cy="0"/>
+          <a:chOff x="0" y="0"/>
+          <a:chExt cx="0" cy="0"/>
+        </a:xfrm>
+      </p:grpSpPr>
+      <p:sp>
+        <p:nvSpPr>
+          <p:cNvPr id="2" name="Titre 1"/>
+          <p:cNvSpPr txBox="1">
+            <a:spLocks/>
+          </p:cNvSpPr>
+          <p:nvPr/>
+        </p:nvSpPr>
+        <p:spPr>
+          <a:xfrm>
+            <a:off x="0" y="409131"/>
+            <a:ext cx="12192000" cy="605853"/>
+          </a:xfrm>
+          <a:prstGeom prst="rect">
+            <a:avLst/>
+          </a:prstGeom>
+        </p:spPr>
+        <p:txBody>
+          <a:bodyPr vert="horz" lIns="91440" tIns="45720" rIns="91440" bIns="45720" rtlCol="0" anchor="ctr">
+            <a:noAutofit/>
+          </a:bodyPr>
+          <a:lstStyle>
+            <a:lvl1pPr algn="l" defTabSz="914400" rtl="0" eaLnBrk="1" latinLnBrk="0" hangingPunct="1">
+              <a:lnSpc>
+                <a:spcPct val="90000"/>
+              </a:lnSpc>
+              <a:spcBef>
+                <a:spcPct val="0"/>
+              </a:spcBef>
+              <a:buNone/>
+              <a:defRPr sz="4400" kern="1200">
+                <a:solidFill>
+                  <a:schemeClr val="tx1"/>
+                </a:solidFill>
+                <a:latin typeface="+mj-lt"/>
+                <a:ea typeface="+mj-ea"/>
+                <a:cs typeface="+mj-cs"/>
+              </a:defRPr>
+            </a:lvl1pPr>
+          </a:lstStyle>
+          <a:p>
+            <a:pPr algn="ctr" eaLnBrk="0" fontAlgn="base" hangingPunct="0">
+              <a:spcAft>
+                <a:spcPct val="0"/>
+              </a:spcAft>
+            </a:pPr>
+            <a:r>
+              <a:rPr lang="fr-CH" altLang="en-US" sz="3600" b="1" dirty="0" smtClean="0">
+                <a:solidFill>
+                  <a:srgbClr val="0099CC"/>
+                </a:solidFill>
+                <a:latin typeface="+mn-lt"/>
+              </a:rPr>
+              <a:t>CI for the </a:t>
+            </a:r>
+            <a:r>
+              <a:rPr lang="fr-CH" altLang="en-US" sz="3600" b="1" dirty="0" err="1" smtClean="0">
+                <a:solidFill>
+                  <a:srgbClr val="0099CC"/>
+                </a:solidFill>
+                <a:latin typeface="+mn-lt"/>
+              </a:rPr>
+              <a:t>median</a:t>
+            </a:r>
+            <a:r>
+              <a:rPr lang="fr-CH" altLang="en-US" sz="3600" b="1" dirty="0" smtClean="0">
+                <a:solidFill>
+                  <a:srgbClr val="0099CC"/>
+                </a:solidFill>
+                <a:latin typeface="+mn-lt"/>
+              </a:rPr>
+              <a:t> : 50 clients</a:t>
+            </a:r>
+            <a:endParaRPr lang="fr-CH" altLang="en-US" sz="3600" b="1" dirty="0" smtClean="0">
+              <a:solidFill>
+                <a:srgbClr val="0099CC"/>
+              </a:solidFill>
+              <a:latin typeface="+mn-lt"/>
+            </a:endParaRPr>
+          </a:p>
+        </p:txBody>
+      </p:sp>
+      <p:pic>
+        <p:nvPicPr>
+          <p:cNvPr id="3" name="Image 2"/>
+          <p:cNvPicPr>
+            <a:picLocks noChangeAspect="1"/>
+          </p:cNvPicPr>
+          <p:nvPr/>
+        </p:nvPicPr>
+        <p:blipFill>
+          <a:blip r:embed="rId2" cstate="print">
+            <a:extLst>
+              <a:ext uri="{28A0092B-C50C-407E-A947-70E740481C1C}">
+                <a14:useLocalDpi xmlns:a14="http://schemas.microsoft.com/office/drawing/2010/main" val="0"/>
+              </a:ext>
+            </a:extLst>
+          </a:blip>
+          <a:stretch>
+            <a:fillRect/>
+          </a:stretch>
+        </p:blipFill>
+        <p:spPr>
+          <a:xfrm>
+            <a:off x="-1" y="889738"/>
+            <a:ext cx="6420255" cy="5481880"/>
+          </a:xfrm>
+          <a:prstGeom prst="rect">
+            <a:avLst/>
+          </a:prstGeom>
+        </p:spPr>
+      </p:pic>
+      <p:sp>
+        <p:nvSpPr>
+          <p:cNvPr id="4" name="Sous-titre 2"/>
+          <p:cNvSpPr txBox="1">
+            <a:spLocks/>
+          </p:cNvSpPr>
+          <p:nvPr/>
+        </p:nvSpPr>
+        <p:spPr>
+          <a:xfrm>
+            <a:off x="7601735" y="1014984"/>
+            <a:ext cx="4288536" cy="4918888"/>
+          </a:xfrm>
+          <a:prstGeom prst="rect">
+            <a:avLst/>
+          </a:prstGeom>
+        </p:spPr>
+        <p:txBody>
+          <a:bodyPr vert="horz" lIns="91440" tIns="45720" rIns="91440" bIns="45720" rtlCol="0">
+            <a:noAutofit/>
+          </a:bodyPr>
+          <a:lstStyle>
+            <a:lvl1pPr marL="228600" indent="-228600" algn="l" defTabSz="914400" rtl="0" eaLnBrk="1" latinLnBrk="0" hangingPunct="1">
+              <a:lnSpc>
+                <a:spcPct val="90000"/>
+              </a:lnSpc>
+              <a:spcBef>
+                <a:spcPts val="1000"/>
+              </a:spcBef>
+              <a:buFont typeface="Arial" panose="020B0604020202020204" pitchFamily="34" charset="0"/>
+              <a:buChar char="•"/>
+              <a:defRPr sz="2800" kern="1200">
+                <a:solidFill>
+                  <a:schemeClr val="tx1"/>
+                </a:solidFill>
+                <a:latin typeface="+mn-lt"/>
+                <a:ea typeface="+mn-ea"/>
+                <a:cs typeface="+mn-cs"/>
+              </a:defRPr>
+            </a:lvl1pPr>
+            <a:lvl2pPr marL="685800" indent="-228600" algn="l" defTabSz="914400" rtl="0" eaLnBrk="1" latinLnBrk="0" hangingPunct="1">
+              <a:lnSpc>
+                <a:spcPct val="90000"/>
+              </a:lnSpc>
+              <a:spcBef>
+                <a:spcPts val="500"/>
+              </a:spcBef>
+              <a:buFont typeface="Arial" panose="020B0604020202020204" pitchFamily="34" charset="0"/>
+              <a:buChar char="•"/>
+              <a:defRPr sz="2400" kern="1200">
+                <a:solidFill>
+                  <a:schemeClr val="tx1"/>
+                </a:solidFill>
+                <a:latin typeface="+mn-lt"/>
+                <a:ea typeface="+mn-ea"/>
+                <a:cs typeface="+mn-cs"/>
+              </a:defRPr>
+            </a:lvl2pPr>
+            <a:lvl3pPr marL="1143000" indent="-228600" algn="l" defTabSz="914400" rtl="0" eaLnBrk="1" latinLnBrk="0" hangingPunct="1">
+              <a:lnSpc>
+                <a:spcPct val="90000"/>
+              </a:lnSpc>
+              <a:spcBef>
+                <a:spcPts val="500"/>
+              </a:spcBef>
+              <a:buFont typeface="Arial" panose="020B0604020202020204" pitchFamily="34" charset="0"/>
+              <a:buChar char="•"/>
+              <a:defRPr sz="2000" kern="1200">
+                <a:solidFill>
+                  <a:schemeClr val="tx1"/>
+                </a:solidFill>
+                <a:latin typeface="+mn-lt"/>
+                <a:ea typeface="+mn-ea"/>
+                <a:cs typeface="+mn-cs"/>
+              </a:defRPr>
+            </a:lvl3pPr>
+            <a:lvl4pPr marL="1600200" indent="-228600" algn="l" defTabSz="914400" rtl="0" eaLnBrk="1" latinLnBrk="0" hangingPunct="1">
+              <a:lnSpc>
+                <a:spcPct val="90000"/>
+              </a:lnSpc>
+              <a:spcBef>
+                <a:spcPts val="500"/>
+              </a:spcBef>
+              <a:buFont typeface="Arial" panose="020B0604020202020204" pitchFamily="34" charset="0"/>
+              <a:buChar char="•"/>
+              <a:defRPr sz="1800" kern="1200">
+                <a:solidFill>
+                  <a:schemeClr val="tx1"/>
+                </a:solidFill>
+                <a:latin typeface="+mn-lt"/>
+                <a:ea typeface="+mn-ea"/>
+                <a:cs typeface="+mn-cs"/>
+              </a:defRPr>
+            </a:lvl4pPr>
+            <a:lvl5pPr marL="2057400" indent="-228600" algn="l" defTabSz="914400" rtl="0" eaLnBrk="1" latinLnBrk="0" hangingPunct="1">
+              <a:lnSpc>
+                <a:spcPct val="90000"/>
+              </a:lnSpc>
+              <a:spcBef>
+                <a:spcPts val="500"/>
+              </a:spcBef>
+              <a:buFont typeface="Arial" panose="020B0604020202020204" pitchFamily="34" charset="0"/>
+              <a:buChar char="•"/>
+              <a:defRPr sz="1800" kern="1200">
+                <a:solidFill>
+                  <a:schemeClr val="tx1"/>
+                </a:solidFill>
+                <a:latin typeface="+mn-lt"/>
+                <a:ea typeface="+mn-ea"/>
+                <a:cs typeface="+mn-cs"/>
+              </a:defRPr>
+            </a:lvl5pPr>
+            <a:lvl6pPr marL="2514600" indent="-228600" algn="l" defTabSz="914400" rtl="0" eaLnBrk="1" latinLnBrk="0" hangingPunct="1">
+              <a:lnSpc>
+                <a:spcPct val="90000"/>
+              </a:lnSpc>
+              <a:spcBef>
+                <a:spcPts val="500"/>
+              </a:spcBef>
+              <a:buFont typeface="Arial" panose="020B0604020202020204" pitchFamily="34" charset="0"/>
+              <a:buChar char="•"/>
+              <a:defRPr sz="1800" kern="1200">
+                <a:solidFill>
+                  <a:schemeClr val="tx1"/>
+                </a:solidFill>
+                <a:latin typeface="+mn-lt"/>
+                <a:ea typeface="+mn-ea"/>
+                <a:cs typeface="+mn-cs"/>
+              </a:defRPr>
+            </a:lvl6pPr>
+            <a:lvl7pPr marL="2971800" indent="-228600" algn="l" defTabSz="914400" rtl="0" eaLnBrk="1" latinLnBrk="0" hangingPunct="1">
+              <a:lnSpc>
+                <a:spcPct val="90000"/>
+              </a:lnSpc>
+              <a:spcBef>
+                <a:spcPts val="500"/>
+              </a:spcBef>
+              <a:buFont typeface="Arial" panose="020B0604020202020204" pitchFamily="34" charset="0"/>
+              <a:buChar char="•"/>
+              <a:defRPr sz="1800" kern="1200">
+                <a:solidFill>
+                  <a:schemeClr val="tx1"/>
+                </a:solidFill>
+                <a:latin typeface="+mn-lt"/>
+                <a:ea typeface="+mn-ea"/>
+                <a:cs typeface="+mn-cs"/>
+              </a:defRPr>
+            </a:lvl7pPr>
+            <a:lvl8pPr marL="3429000" indent="-228600" algn="l" defTabSz="914400" rtl="0" eaLnBrk="1" latinLnBrk="0" hangingPunct="1">
+              <a:lnSpc>
+                <a:spcPct val="90000"/>
+              </a:lnSpc>
+              <a:spcBef>
+                <a:spcPts val="500"/>
+              </a:spcBef>
+              <a:buFont typeface="Arial" panose="020B0604020202020204" pitchFamily="34" charset="0"/>
+              <a:buChar char="•"/>
+              <a:defRPr sz="1800" kern="1200">
+                <a:solidFill>
+                  <a:schemeClr val="tx1"/>
+                </a:solidFill>
+                <a:latin typeface="+mn-lt"/>
+                <a:ea typeface="+mn-ea"/>
+                <a:cs typeface="+mn-cs"/>
+              </a:defRPr>
+            </a:lvl8pPr>
+            <a:lvl9pPr marL="3886200" indent="-228600" algn="l" defTabSz="914400" rtl="0" eaLnBrk="1" latinLnBrk="0" hangingPunct="1">
+              <a:lnSpc>
+                <a:spcPct val="90000"/>
+              </a:lnSpc>
+              <a:spcBef>
+                <a:spcPts val="500"/>
+              </a:spcBef>
+              <a:buFont typeface="Arial" panose="020B0604020202020204" pitchFamily="34" charset="0"/>
+              <a:buChar char="•"/>
+              <a:defRPr sz="1800" kern="1200">
+                <a:solidFill>
+                  <a:schemeClr val="tx1"/>
+                </a:solidFill>
+                <a:latin typeface="+mn-lt"/>
+                <a:ea typeface="+mn-ea"/>
+                <a:cs typeface="+mn-cs"/>
+              </a:defRPr>
+            </a:lvl9pPr>
+          </a:lstStyle>
+          <a:p>
+            <a:pPr marL="342900" indent="-342900" eaLnBrk="0" fontAlgn="base" hangingPunct="0">
+              <a:lnSpc>
+                <a:spcPct val="150000"/>
+              </a:lnSpc>
+              <a:spcBef>
+                <a:spcPct val="20000"/>
+              </a:spcBef>
+              <a:spcAft>
+                <a:spcPct val="0"/>
+              </a:spcAft>
+              <a:buClr>
+                <a:schemeClr val="accent1"/>
+              </a:buClr>
+              <a:buBlip>
+                <a:blip r:embed="rId3"/>
+              </a:buBlip>
+            </a:pPr>
+            <a:r>
+              <a:rPr lang="en-US" sz="2200" dirty="0" smtClean="0">
+                <a:solidFill>
+                  <a:srgbClr val="5F5F5F"/>
+                </a:solidFill>
+              </a:rPr>
+              <a:t>NIO architectures </a:t>
+            </a:r>
+            <a:r>
+              <a:rPr lang="en-US" sz="2200" dirty="0" smtClean="0">
+                <a:solidFill>
+                  <a:srgbClr val="5F5F5F"/>
+                </a:solidFill>
+              </a:rPr>
+              <a:t>are</a:t>
+            </a:r>
+            <a:r>
+              <a:rPr lang="en-US" sz="2200" dirty="0" smtClean="0">
+                <a:solidFill>
+                  <a:srgbClr val="5F5F5F"/>
+                </a:solidFill>
+              </a:rPr>
+              <a:t> better than the IO ones.</a:t>
+            </a:r>
+          </a:p>
+          <a:p>
+            <a:pPr marL="342900" indent="-342900" eaLnBrk="0" fontAlgn="base" hangingPunct="0">
+              <a:lnSpc>
+                <a:spcPct val="150000"/>
+              </a:lnSpc>
+              <a:spcBef>
+                <a:spcPct val="20000"/>
+              </a:spcBef>
+              <a:spcAft>
+                <a:spcPct val="0"/>
+              </a:spcAft>
+              <a:buClr>
+                <a:schemeClr val="accent1"/>
+              </a:buClr>
+              <a:buBlip>
+                <a:blip r:embed="rId3"/>
+              </a:buBlip>
+            </a:pPr>
+            <a:r>
+              <a:rPr lang="en-US" sz="2200" dirty="0" smtClean="0">
+                <a:solidFill>
+                  <a:srgbClr val="5F5F5F"/>
+                </a:solidFill>
+              </a:rPr>
+              <a:t>Better is at around 1.30 times.</a:t>
+            </a:r>
+          </a:p>
+          <a:p>
+            <a:pPr marL="342900" indent="-342900" eaLnBrk="0" fontAlgn="base" hangingPunct="0">
+              <a:lnSpc>
+                <a:spcPct val="150000"/>
+              </a:lnSpc>
+              <a:spcBef>
+                <a:spcPct val="20000"/>
+              </a:spcBef>
+              <a:spcAft>
+                <a:spcPct val="0"/>
+              </a:spcAft>
+              <a:buClr>
+                <a:schemeClr val="accent1"/>
+              </a:buClr>
+              <a:buBlip>
+                <a:blip r:embed="rId3"/>
+              </a:buBlip>
+            </a:pPr>
+            <a:r>
+              <a:rPr lang="en-US" sz="2200" dirty="0" smtClean="0">
+                <a:solidFill>
+                  <a:srgbClr val="5F5F5F"/>
+                </a:solidFill>
+              </a:rPr>
+              <a:t>IO Single becomes the worst architecture.</a:t>
+            </a:r>
+          </a:p>
+          <a:p>
+            <a:pPr marL="342900" indent="-342900" eaLnBrk="0" fontAlgn="base" hangingPunct="0">
+              <a:lnSpc>
+                <a:spcPct val="150000"/>
+              </a:lnSpc>
+              <a:spcBef>
+                <a:spcPct val="20000"/>
+              </a:spcBef>
+              <a:spcAft>
+                <a:spcPct val="0"/>
+              </a:spcAft>
+              <a:buClr>
+                <a:schemeClr val="accent1"/>
+              </a:buClr>
+              <a:buBlip>
+                <a:blip r:embed="rId3"/>
+              </a:buBlip>
+            </a:pPr>
+            <a:r>
+              <a:rPr lang="en-US" sz="2200" dirty="0" err="1">
+                <a:solidFill>
+                  <a:srgbClr val="5F5F5F"/>
+                </a:solidFill>
+              </a:rPr>
+              <a:t>IOPipelined</a:t>
+            </a:r>
+            <a:r>
+              <a:rPr lang="en-US" sz="2200" dirty="0">
+                <a:solidFill>
+                  <a:srgbClr val="5F5F5F"/>
+                </a:solidFill>
+              </a:rPr>
+              <a:t> architectures </a:t>
+            </a:r>
+            <a:r>
+              <a:rPr lang="en-US" sz="2200" dirty="0" smtClean="0">
+                <a:solidFill>
+                  <a:srgbClr val="5F5F5F"/>
+                </a:solidFill>
+              </a:rPr>
+              <a:t>tend to be better </a:t>
+            </a:r>
+            <a:r>
+              <a:rPr lang="en-US" sz="2200" dirty="0">
+                <a:solidFill>
+                  <a:srgbClr val="5F5F5F"/>
+                </a:solidFill>
+              </a:rPr>
+              <a:t>among the IO ones.</a:t>
+            </a:r>
+          </a:p>
+          <a:p>
+            <a:pPr marL="0" indent="0" eaLnBrk="0" fontAlgn="base" hangingPunct="0">
+              <a:lnSpc>
+                <a:spcPct val="150000"/>
+              </a:lnSpc>
+              <a:spcBef>
+                <a:spcPct val="20000"/>
+              </a:spcBef>
+              <a:spcAft>
+                <a:spcPct val="0"/>
+              </a:spcAft>
+              <a:buClr>
+                <a:schemeClr val="accent1"/>
+              </a:buClr>
+              <a:buNone/>
+            </a:pPr>
+            <a:endParaRPr lang="en-US" sz="2200" dirty="0" smtClean="0">
+              <a:solidFill>
+                <a:srgbClr val="5F5F5F"/>
+              </a:solidFill>
+            </a:endParaRPr>
+          </a:p>
+          <a:p>
+            <a:pPr marL="342900" indent="-342900" eaLnBrk="0" fontAlgn="base" hangingPunct="0">
+              <a:lnSpc>
+                <a:spcPct val="150000"/>
+              </a:lnSpc>
+              <a:spcBef>
+                <a:spcPct val="20000"/>
+              </a:spcBef>
+              <a:spcAft>
+                <a:spcPct val="0"/>
+              </a:spcAft>
+              <a:buClr>
+                <a:schemeClr val="accent1"/>
+              </a:buClr>
+              <a:buBlip>
+                <a:blip r:embed="rId3"/>
+              </a:buBlip>
+            </a:pPr>
+            <a:endParaRPr lang="en-US" sz="2200" dirty="0" smtClean="0">
+              <a:solidFill>
+                <a:srgbClr val="5F5F5F"/>
+              </a:solidFill>
+            </a:endParaRPr>
+          </a:p>
+        </p:txBody>
+      </p:sp>
+    </p:spTree>
+    <p:extLst>
+      <p:ext uri="{BB962C8B-B14F-4D97-AF65-F5344CB8AC3E}">
+        <p14:creationId xmlns:p14="http://schemas.microsoft.com/office/powerpoint/2010/main" val="4080113438"/>
+      </p:ext>
+    </p:extLst>
+  </p:cSld>
+  <p:clrMapOvr>
+    <a:masterClrMapping/>
+  </p:clrMapOvr>
+  <p:timing>
+    <p:tnLst>
+      <p:par>
+        <p:cTn id="1" dur="indefinite" restart="never" nodeType="tmRoot"/>
+      </p:par>
+    </p:tnLst>
+  </p:timing>
+</p:sld>
+</file>
+
+<file path=ppt/slides/slide19.xml><?xml version="1.0" encoding="utf-8"?>
+<p:sld xmlns:a="http://schemas.openxmlformats.org/drawingml/2006/main" xmlns:r="http://schemas.openxmlformats.org/officeDocument/2006/relationships" xmlns:p="http://schemas.openxmlformats.org/presentationml/2006/main">
+  <p:cSld>
+    <p:spTree>
+      <p:nvGrpSpPr>
+        <p:cNvPr id="1" name=""/>
+        <p:cNvGrpSpPr/>
+        <p:nvPr/>
+      </p:nvGrpSpPr>
+      <p:grpSpPr>
+        <a:xfrm>
+          <a:off x="0" y="0"/>
+          <a:ext cx="0" cy="0"/>
+          <a:chOff x="0" y="0"/>
+          <a:chExt cx="0" cy="0"/>
+        </a:xfrm>
+      </p:grpSpPr>
+      <p:sp>
+        <p:nvSpPr>
+          <p:cNvPr id="2" name="Titre 1"/>
+          <p:cNvSpPr txBox="1">
+            <a:spLocks/>
+          </p:cNvSpPr>
+          <p:nvPr/>
+        </p:nvSpPr>
+        <p:spPr>
+          <a:xfrm>
+            <a:off x="0" y="409131"/>
+            <a:ext cx="12192000" cy="605853"/>
+          </a:xfrm>
+          <a:prstGeom prst="rect">
+            <a:avLst/>
+          </a:prstGeom>
+        </p:spPr>
+        <p:txBody>
+          <a:bodyPr vert="horz" lIns="91440" tIns="45720" rIns="91440" bIns="45720" rtlCol="0" anchor="ctr">
+            <a:noAutofit/>
+          </a:bodyPr>
+          <a:lstStyle>
+            <a:lvl1pPr algn="l" defTabSz="914400" rtl="0" eaLnBrk="1" latinLnBrk="0" hangingPunct="1">
+              <a:lnSpc>
+                <a:spcPct val="90000"/>
+              </a:lnSpc>
+              <a:spcBef>
+                <a:spcPct val="0"/>
+              </a:spcBef>
+              <a:buNone/>
+              <a:defRPr sz="4400" kern="1200">
+                <a:solidFill>
+                  <a:schemeClr val="tx1"/>
+                </a:solidFill>
+                <a:latin typeface="+mj-lt"/>
+                <a:ea typeface="+mj-ea"/>
+                <a:cs typeface="+mj-cs"/>
+              </a:defRPr>
+            </a:lvl1pPr>
+          </a:lstStyle>
+          <a:p>
+            <a:pPr algn="ctr" eaLnBrk="0" fontAlgn="base" hangingPunct="0">
+              <a:spcAft>
+                <a:spcPct val="0"/>
+              </a:spcAft>
+            </a:pPr>
+            <a:r>
+              <a:rPr lang="fr-CH" altLang="en-US" sz="3600" b="1" dirty="0" smtClean="0">
+                <a:solidFill>
+                  <a:srgbClr val="0099CC"/>
+                </a:solidFill>
+                <a:latin typeface="+mn-lt"/>
+              </a:rPr>
+              <a:t>CI for the </a:t>
+            </a:r>
+            <a:r>
+              <a:rPr lang="fr-CH" altLang="en-US" sz="3600" b="1" dirty="0" err="1" smtClean="0">
+                <a:solidFill>
+                  <a:srgbClr val="0099CC"/>
+                </a:solidFill>
+                <a:latin typeface="+mn-lt"/>
+              </a:rPr>
+              <a:t>median</a:t>
+            </a:r>
+            <a:r>
+              <a:rPr lang="fr-CH" altLang="en-US" sz="3600" b="1" dirty="0" smtClean="0">
+                <a:solidFill>
+                  <a:srgbClr val="0099CC"/>
+                </a:solidFill>
+                <a:latin typeface="+mn-lt"/>
+              </a:rPr>
+              <a:t> : 300 </a:t>
+            </a:r>
+            <a:r>
+              <a:rPr lang="fr-CH" altLang="en-US" sz="3600" b="1" dirty="0" smtClean="0">
+                <a:solidFill>
+                  <a:srgbClr val="0099CC"/>
+                </a:solidFill>
+                <a:latin typeface="+mn-lt"/>
+              </a:rPr>
+              <a:t>clients</a:t>
+            </a:r>
+          </a:p>
+        </p:txBody>
+      </p:sp>
+      <p:pic>
+        <p:nvPicPr>
+          <p:cNvPr id="3" name="Image 2"/>
+          <p:cNvPicPr>
+            <a:picLocks noChangeAspect="1"/>
+          </p:cNvPicPr>
+          <p:nvPr/>
+        </p:nvPicPr>
+        <p:blipFill>
+          <a:blip r:embed="rId2" cstate="print">
+            <a:extLst>
+              <a:ext uri="{28A0092B-C50C-407E-A947-70E740481C1C}">
+                <a14:useLocalDpi xmlns:a14="http://schemas.microsoft.com/office/drawing/2010/main" val="0"/>
+              </a:ext>
+            </a:extLst>
+          </a:blip>
+          <a:stretch>
+            <a:fillRect/>
+          </a:stretch>
+        </p:blipFill>
+        <p:spPr>
+          <a:xfrm>
+            <a:off x="0" y="904672"/>
+            <a:ext cx="6415986" cy="5466946"/>
+          </a:xfrm>
+          <a:prstGeom prst="rect">
+            <a:avLst/>
+          </a:prstGeom>
+        </p:spPr>
+      </p:pic>
+      <p:sp>
+        <p:nvSpPr>
+          <p:cNvPr id="4" name="Sous-titre 2"/>
+          <p:cNvSpPr txBox="1">
+            <a:spLocks/>
+          </p:cNvSpPr>
+          <p:nvPr/>
+        </p:nvSpPr>
+        <p:spPr>
+          <a:xfrm>
+            <a:off x="7601735" y="1014984"/>
+            <a:ext cx="4288536" cy="4918888"/>
+          </a:xfrm>
+          <a:prstGeom prst="rect">
+            <a:avLst/>
+          </a:prstGeom>
+        </p:spPr>
+        <p:txBody>
+          <a:bodyPr vert="horz" lIns="91440" tIns="45720" rIns="91440" bIns="45720" rtlCol="0">
+            <a:noAutofit/>
+          </a:bodyPr>
+          <a:lstStyle>
+            <a:lvl1pPr marL="228600" indent="-228600" algn="l" defTabSz="914400" rtl="0" eaLnBrk="1" latinLnBrk="0" hangingPunct="1">
+              <a:lnSpc>
+                <a:spcPct val="90000"/>
+              </a:lnSpc>
+              <a:spcBef>
+                <a:spcPts val="1000"/>
+              </a:spcBef>
+              <a:buFont typeface="Arial" panose="020B0604020202020204" pitchFamily="34" charset="0"/>
+              <a:buChar char="•"/>
+              <a:defRPr sz="2800" kern="1200">
+                <a:solidFill>
+                  <a:schemeClr val="tx1"/>
+                </a:solidFill>
+                <a:latin typeface="+mn-lt"/>
+                <a:ea typeface="+mn-ea"/>
+                <a:cs typeface="+mn-cs"/>
+              </a:defRPr>
+            </a:lvl1pPr>
+            <a:lvl2pPr marL="685800" indent="-228600" algn="l" defTabSz="914400" rtl="0" eaLnBrk="1" latinLnBrk="0" hangingPunct="1">
+              <a:lnSpc>
+                <a:spcPct val="90000"/>
+              </a:lnSpc>
+              <a:spcBef>
+                <a:spcPts val="500"/>
+              </a:spcBef>
+              <a:buFont typeface="Arial" panose="020B0604020202020204" pitchFamily="34" charset="0"/>
+              <a:buChar char="•"/>
+              <a:defRPr sz="2400" kern="1200">
+                <a:solidFill>
+                  <a:schemeClr val="tx1"/>
+                </a:solidFill>
+                <a:latin typeface="+mn-lt"/>
+                <a:ea typeface="+mn-ea"/>
+                <a:cs typeface="+mn-cs"/>
+              </a:defRPr>
+            </a:lvl2pPr>
+            <a:lvl3pPr marL="1143000" indent="-228600" algn="l" defTabSz="914400" rtl="0" eaLnBrk="1" latinLnBrk="0" hangingPunct="1">
+              <a:lnSpc>
+                <a:spcPct val="90000"/>
+              </a:lnSpc>
+              <a:spcBef>
+                <a:spcPts val="500"/>
+              </a:spcBef>
+              <a:buFont typeface="Arial" panose="020B0604020202020204" pitchFamily="34" charset="0"/>
+              <a:buChar char="•"/>
+              <a:defRPr sz="2000" kern="1200">
+                <a:solidFill>
+                  <a:schemeClr val="tx1"/>
+                </a:solidFill>
+                <a:latin typeface="+mn-lt"/>
+                <a:ea typeface="+mn-ea"/>
+                <a:cs typeface="+mn-cs"/>
+              </a:defRPr>
+            </a:lvl3pPr>
+            <a:lvl4pPr marL="1600200" indent="-228600" algn="l" defTabSz="914400" rtl="0" eaLnBrk="1" latinLnBrk="0" hangingPunct="1">
+              <a:lnSpc>
+                <a:spcPct val="90000"/>
+              </a:lnSpc>
+              <a:spcBef>
+                <a:spcPts val="500"/>
+              </a:spcBef>
+              <a:buFont typeface="Arial" panose="020B0604020202020204" pitchFamily="34" charset="0"/>
+              <a:buChar char="•"/>
+              <a:defRPr sz="1800" kern="1200">
+                <a:solidFill>
+                  <a:schemeClr val="tx1"/>
+                </a:solidFill>
+                <a:latin typeface="+mn-lt"/>
+                <a:ea typeface="+mn-ea"/>
+                <a:cs typeface="+mn-cs"/>
+              </a:defRPr>
+            </a:lvl4pPr>
+            <a:lvl5pPr marL="2057400" indent="-228600" algn="l" defTabSz="914400" rtl="0" eaLnBrk="1" latinLnBrk="0" hangingPunct="1">
+              <a:lnSpc>
+                <a:spcPct val="90000"/>
+              </a:lnSpc>
+              <a:spcBef>
+                <a:spcPts val="500"/>
+              </a:spcBef>
+              <a:buFont typeface="Arial" panose="020B0604020202020204" pitchFamily="34" charset="0"/>
+              <a:buChar char="•"/>
+              <a:defRPr sz="1800" kern="1200">
+                <a:solidFill>
+                  <a:schemeClr val="tx1"/>
+                </a:solidFill>
+                <a:latin typeface="+mn-lt"/>
+                <a:ea typeface="+mn-ea"/>
+                <a:cs typeface="+mn-cs"/>
+              </a:defRPr>
+            </a:lvl5pPr>
+            <a:lvl6pPr marL="2514600" indent="-228600" algn="l" defTabSz="914400" rtl="0" eaLnBrk="1" latinLnBrk="0" hangingPunct="1">
+              <a:lnSpc>
+                <a:spcPct val="90000"/>
+              </a:lnSpc>
+              <a:spcBef>
+                <a:spcPts val="500"/>
+              </a:spcBef>
+              <a:buFont typeface="Arial" panose="020B0604020202020204" pitchFamily="34" charset="0"/>
+              <a:buChar char="•"/>
+              <a:defRPr sz="1800" kern="1200">
+                <a:solidFill>
+                  <a:schemeClr val="tx1"/>
+                </a:solidFill>
+                <a:latin typeface="+mn-lt"/>
+                <a:ea typeface="+mn-ea"/>
+                <a:cs typeface="+mn-cs"/>
+              </a:defRPr>
+            </a:lvl6pPr>
+            <a:lvl7pPr marL="2971800" indent="-228600" algn="l" defTabSz="914400" rtl="0" eaLnBrk="1" latinLnBrk="0" hangingPunct="1">
+              <a:lnSpc>
+                <a:spcPct val="90000"/>
+              </a:lnSpc>
+              <a:spcBef>
+                <a:spcPts val="500"/>
+              </a:spcBef>
+              <a:buFont typeface="Arial" panose="020B0604020202020204" pitchFamily="34" charset="0"/>
+              <a:buChar char="•"/>
+              <a:defRPr sz="1800" kern="1200">
+                <a:solidFill>
+                  <a:schemeClr val="tx1"/>
+                </a:solidFill>
+                <a:latin typeface="+mn-lt"/>
+                <a:ea typeface="+mn-ea"/>
+                <a:cs typeface="+mn-cs"/>
+              </a:defRPr>
+            </a:lvl7pPr>
+            <a:lvl8pPr marL="3429000" indent="-228600" algn="l" defTabSz="914400" rtl="0" eaLnBrk="1" latinLnBrk="0" hangingPunct="1">
+              <a:lnSpc>
+                <a:spcPct val="90000"/>
+              </a:lnSpc>
+              <a:spcBef>
+                <a:spcPts val="500"/>
+              </a:spcBef>
+              <a:buFont typeface="Arial" panose="020B0604020202020204" pitchFamily="34" charset="0"/>
+              <a:buChar char="•"/>
+              <a:defRPr sz="1800" kern="1200">
+                <a:solidFill>
+                  <a:schemeClr val="tx1"/>
+                </a:solidFill>
+                <a:latin typeface="+mn-lt"/>
+                <a:ea typeface="+mn-ea"/>
+                <a:cs typeface="+mn-cs"/>
+              </a:defRPr>
+            </a:lvl8pPr>
+            <a:lvl9pPr marL="3886200" indent="-228600" algn="l" defTabSz="914400" rtl="0" eaLnBrk="1" latinLnBrk="0" hangingPunct="1">
+              <a:lnSpc>
+                <a:spcPct val="90000"/>
+              </a:lnSpc>
+              <a:spcBef>
+                <a:spcPts val="500"/>
+              </a:spcBef>
+              <a:buFont typeface="Arial" panose="020B0604020202020204" pitchFamily="34" charset="0"/>
+              <a:buChar char="•"/>
+              <a:defRPr sz="1800" kern="1200">
+                <a:solidFill>
+                  <a:schemeClr val="tx1"/>
+                </a:solidFill>
+                <a:latin typeface="+mn-lt"/>
+                <a:ea typeface="+mn-ea"/>
+                <a:cs typeface="+mn-cs"/>
+              </a:defRPr>
+            </a:lvl9pPr>
+          </a:lstStyle>
+          <a:p>
+            <a:pPr marL="342900" indent="-342900" eaLnBrk="0" fontAlgn="base" hangingPunct="0">
+              <a:lnSpc>
+                <a:spcPct val="150000"/>
+              </a:lnSpc>
+              <a:spcBef>
+                <a:spcPct val="20000"/>
+              </a:spcBef>
+              <a:spcAft>
+                <a:spcPct val="0"/>
+              </a:spcAft>
+              <a:buClr>
+                <a:schemeClr val="accent1"/>
+              </a:buClr>
+              <a:buBlip>
+                <a:blip r:embed="rId3"/>
+              </a:buBlip>
+            </a:pPr>
+            <a:r>
+              <a:rPr lang="en-US" sz="2200" dirty="0" smtClean="0">
+                <a:solidFill>
+                  <a:srgbClr val="5F5F5F"/>
+                </a:solidFill>
+              </a:rPr>
+              <a:t>NIO architectures are clearly better than the IO ones.</a:t>
+            </a:r>
+          </a:p>
+          <a:p>
+            <a:pPr marL="342900" indent="-342900" eaLnBrk="0" fontAlgn="base" hangingPunct="0">
+              <a:lnSpc>
+                <a:spcPct val="150000"/>
+              </a:lnSpc>
+              <a:spcBef>
+                <a:spcPct val="20000"/>
+              </a:spcBef>
+              <a:spcAft>
+                <a:spcPct val="0"/>
+              </a:spcAft>
+              <a:buClr>
+                <a:schemeClr val="accent1"/>
+              </a:buClr>
+              <a:buBlip>
+                <a:blip r:embed="rId3"/>
+              </a:buBlip>
+            </a:pPr>
+            <a:r>
+              <a:rPr lang="en-US" sz="2200" dirty="0" smtClean="0">
+                <a:solidFill>
+                  <a:srgbClr val="5F5F5F"/>
+                </a:solidFill>
+              </a:rPr>
+              <a:t>Better is at more than 2 times.</a:t>
+            </a:r>
+          </a:p>
+          <a:p>
+            <a:pPr marL="342900" indent="-342900" eaLnBrk="0" fontAlgn="base" hangingPunct="0">
+              <a:lnSpc>
+                <a:spcPct val="150000"/>
+              </a:lnSpc>
+              <a:spcBef>
+                <a:spcPct val="20000"/>
+              </a:spcBef>
+              <a:spcAft>
+                <a:spcPct val="0"/>
+              </a:spcAft>
+              <a:buClr>
+                <a:schemeClr val="accent1"/>
+              </a:buClr>
+              <a:buBlip>
+                <a:blip r:embed="rId3"/>
+              </a:buBlip>
+            </a:pPr>
+            <a:r>
+              <a:rPr lang="en-US" sz="2200" dirty="0" err="1" smtClean="0">
+                <a:solidFill>
+                  <a:srgbClr val="5F5F5F"/>
+                </a:solidFill>
+              </a:rPr>
+              <a:t>NIOSingle</a:t>
+            </a:r>
+            <a:r>
+              <a:rPr lang="en-US" sz="2200" dirty="0" smtClean="0">
+                <a:solidFill>
+                  <a:srgbClr val="5F5F5F"/>
+                </a:solidFill>
+              </a:rPr>
+              <a:t> still the best architecture.</a:t>
+            </a:r>
+          </a:p>
+          <a:p>
+            <a:pPr marL="342900" indent="-342900" eaLnBrk="0" fontAlgn="base" hangingPunct="0">
+              <a:lnSpc>
+                <a:spcPct val="150000"/>
+              </a:lnSpc>
+              <a:spcBef>
+                <a:spcPct val="20000"/>
+              </a:spcBef>
+              <a:spcAft>
+                <a:spcPct val="0"/>
+              </a:spcAft>
+              <a:buClr>
+                <a:schemeClr val="accent1"/>
+              </a:buClr>
+              <a:buBlip>
+                <a:blip r:embed="rId3"/>
+              </a:buBlip>
+            </a:pPr>
+            <a:r>
+              <a:rPr lang="en-US" sz="2200" dirty="0" err="1" smtClean="0">
+                <a:solidFill>
+                  <a:srgbClr val="5F5F5F"/>
+                </a:solidFill>
+              </a:rPr>
+              <a:t>IOPipelined</a:t>
+            </a:r>
+            <a:r>
+              <a:rPr lang="en-US" sz="2200" dirty="0" smtClean="0">
+                <a:solidFill>
+                  <a:srgbClr val="5F5F5F"/>
+                </a:solidFill>
+              </a:rPr>
+              <a:t> architectures are still the best among the IO ones.</a:t>
+            </a:r>
+            <a:endParaRPr lang="en-US" sz="2200" dirty="0" smtClean="0">
+              <a:solidFill>
+                <a:srgbClr val="5F5F5F"/>
+              </a:solidFill>
+            </a:endParaRPr>
+          </a:p>
+          <a:p>
+            <a:pPr marL="342900" indent="-342900" eaLnBrk="0" fontAlgn="base" hangingPunct="0">
+              <a:lnSpc>
+                <a:spcPct val="150000"/>
+              </a:lnSpc>
+              <a:spcBef>
+                <a:spcPct val="20000"/>
+              </a:spcBef>
+              <a:spcAft>
+                <a:spcPct val="0"/>
+              </a:spcAft>
+              <a:buClr>
+                <a:schemeClr val="accent1"/>
+              </a:buClr>
+              <a:buBlip>
+                <a:blip r:embed="rId3"/>
+              </a:buBlip>
+            </a:pPr>
+            <a:endParaRPr lang="en-US" sz="2200" dirty="0" smtClean="0">
+              <a:solidFill>
+                <a:srgbClr val="5F5F5F"/>
+              </a:solidFill>
+            </a:endParaRPr>
+          </a:p>
+        </p:txBody>
+      </p:sp>
+    </p:spTree>
+    <p:extLst>
+      <p:ext uri="{BB962C8B-B14F-4D97-AF65-F5344CB8AC3E}">
+        <p14:creationId xmlns:p14="http://schemas.microsoft.com/office/powerpoint/2010/main" val="1985970619"/>
       </p:ext>
     </p:extLst>
   </p:cSld>
@@ -9381,7 +12241,7 @@
                   <a:srgbClr val="5F5F5F"/>
                 </a:solidFill>
               </a:rPr>
-              <a:t>Goal</a:t>
+              <a:t>Goals</a:t>
             </a:r>
             <a:endParaRPr lang="en-US" sz="2200" dirty="0" smtClean="0">
               <a:solidFill>
@@ -9413,8 +12273,21 @@
                   <a:srgbClr val="5F5F5F"/>
                 </a:solidFill>
               </a:rPr>
-              <a:t>Load and metrics</a:t>
-            </a:r>
+              <a:t>Load and </a:t>
+            </a:r>
+            <a:r>
+              <a:rPr lang="en-US" sz="2200" dirty="0" smtClean="0">
+                <a:solidFill>
+                  <a:srgbClr val="5F5F5F"/>
+                </a:solidFill>
+              </a:rPr>
+              <a:t>metric</a:t>
+            </a:r>
+            <a:endParaRPr lang="en-US" sz="2200" dirty="0" smtClean="0">
+              <a:solidFill>
+                <a:srgbClr val="5F5F5F"/>
+              </a:solidFill>
+            </a:endParaRPr>
           </a:p>
           <a:p>
             <a:pPr marL="342900" indent="-342900" eaLnBrk="0" fontAlgn="base" hangingPunct="0">
@@ -9521,15 +12394,7 @@
                   <a:srgbClr val="5F5F5F"/>
                 </a:solidFill>
               </a:rPr>
-              <a:t>Numerical </a:t>
-            </a:r>
-            <a:r>
-              <a:rPr lang="en-US" sz="2200" dirty="0" smtClean="0">
-                <a:solidFill>
-                  <a:srgbClr val="5F5F5F"/>
-                </a:solidFill>
-              </a:rPr>
-              <a:t>Analysis</a:t>
+              <a:t>Numerical Analysis</a:t>
             </a:r>
           </a:p>
           <a:p>
@@ -9558,11 +12423,6 @@
               </a:rPr>
               <a:t>Conclusion</a:t>
             </a:r>
-            <a:endParaRPr lang="en-US" sz="2200" dirty="0" smtClean="0">
-              <a:solidFill>
-                <a:srgbClr val="5F5F5F"/>
-              </a:solidFill>
-            </a:endParaRPr>
           </a:p>
           <a:p>
             <a:pPr lvl="1">
@@ -9591,6 +12451,830 @@
     <p:extLst>
       <p:ext uri="{BB962C8B-B14F-4D97-AF65-F5344CB8AC3E}">
         <p14:creationId xmlns:p14="http://schemas.microsoft.com/office/powerpoint/2010/main" val="2728557506"/>
+      </p:ext>
+    </p:extLst>
+  </p:cSld>
+  <p:clrMapOvr>
+    <a:masterClrMapping/>
+  </p:clrMapOvr>
+  <p:timing>
+    <p:tnLst>
+      <p:par>
+        <p:cTn id="1" dur="indefinite" restart="never" nodeType="tmRoot"/>
+      </p:par>
+    </p:tnLst>
+  </p:timing>
+</p:sld>
+</file>
+
+<file path=ppt/slides/slide20.xml><?xml version="1.0" encoding="utf-8"?>
+<p:sld xmlns:a="http://schemas.openxmlformats.org/drawingml/2006/main" xmlns:r="http://schemas.openxmlformats.org/officeDocument/2006/relationships" xmlns:p="http://schemas.openxmlformats.org/presentationml/2006/main">
+  <p:cSld>
+    <p:spTree>
+      <p:nvGrpSpPr>
+        <p:cNvPr id="1" name=""/>
+        <p:cNvGrpSpPr/>
+        <p:nvPr/>
+      </p:nvGrpSpPr>
+      <p:grpSpPr>
+        <a:xfrm>
+          <a:off x="0" y="0"/>
+          <a:ext cx="0" cy="0"/>
+          <a:chOff x="0" y="0"/>
+          <a:chExt cx="0" cy="0"/>
+        </a:xfrm>
+      </p:grpSpPr>
+      <p:sp>
+        <p:nvSpPr>
+          <p:cNvPr id="8" name="Sous-titre 2"/>
+          <p:cNvSpPr txBox="1">
+            <a:spLocks/>
+          </p:cNvSpPr>
+          <p:nvPr/>
+        </p:nvSpPr>
+        <p:spPr>
+          <a:xfrm>
+            <a:off x="777240" y="1014983"/>
+            <a:ext cx="7646914" cy="5307996"/>
+          </a:xfrm>
+          <a:prstGeom prst="rect">
+            <a:avLst/>
+          </a:prstGeom>
+        </p:spPr>
+        <p:txBody>
+          <a:bodyPr vert="horz" lIns="91440" tIns="45720" rIns="91440" bIns="45720" rtlCol="0">
+            <a:noAutofit/>
+          </a:bodyPr>
+          <a:lstStyle>
+            <a:lvl1pPr marL="228600" indent="-228600" algn="l" defTabSz="914400" rtl="0" eaLnBrk="1" latinLnBrk="0" hangingPunct="1">
+              <a:lnSpc>
+                <a:spcPct val="90000"/>
+              </a:lnSpc>
+              <a:spcBef>
+                <a:spcPts val="1000"/>
+              </a:spcBef>
+              <a:buFont typeface="Arial" panose="020B0604020202020204" pitchFamily="34" charset="0"/>
+              <a:buChar char="•"/>
+              <a:defRPr sz="2800" kern="1200">
+                <a:solidFill>
+                  <a:schemeClr val="tx1"/>
+                </a:solidFill>
+                <a:latin typeface="+mn-lt"/>
+                <a:ea typeface="+mn-ea"/>
+                <a:cs typeface="+mn-cs"/>
+              </a:defRPr>
+            </a:lvl1pPr>
+            <a:lvl2pPr marL="685800" indent="-228600" algn="l" defTabSz="914400" rtl="0" eaLnBrk="1" latinLnBrk="0" hangingPunct="1">
+              <a:lnSpc>
+                <a:spcPct val="90000"/>
+              </a:lnSpc>
+              <a:spcBef>
+                <a:spcPts val="500"/>
+              </a:spcBef>
+              <a:buFont typeface="Arial" panose="020B0604020202020204" pitchFamily="34" charset="0"/>
+              <a:buChar char="•"/>
+              <a:defRPr sz="2400" kern="1200">
+                <a:solidFill>
+                  <a:schemeClr val="tx1"/>
+                </a:solidFill>
+                <a:latin typeface="+mn-lt"/>
+                <a:ea typeface="+mn-ea"/>
+                <a:cs typeface="+mn-cs"/>
+              </a:defRPr>
+            </a:lvl2pPr>
+            <a:lvl3pPr marL="1143000" indent="-228600" algn="l" defTabSz="914400" rtl="0" eaLnBrk="1" latinLnBrk="0" hangingPunct="1">
+              <a:lnSpc>
+                <a:spcPct val="90000"/>
+              </a:lnSpc>
+              <a:spcBef>
+                <a:spcPts val="500"/>
+              </a:spcBef>
+              <a:buFont typeface="Arial" panose="020B0604020202020204" pitchFamily="34" charset="0"/>
+              <a:buChar char="•"/>
+              <a:defRPr sz="2000" kern="1200">
+                <a:solidFill>
+                  <a:schemeClr val="tx1"/>
+                </a:solidFill>
+                <a:latin typeface="+mn-lt"/>
+                <a:ea typeface="+mn-ea"/>
+                <a:cs typeface="+mn-cs"/>
+              </a:defRPr>
+            </a:lvl3pPr>
+            <a:lvl4pPr marL="1600200" indent="-228600" algn="l" defTabSz="914400" rtl="0" eaLnBrk="1" latinLnBrk="0" hangingPunct="1">
+              <a:lnSpc>
+                <a:spcPct val="90000"/>
+              </a:lnSpc>
+              <a:spcBef>
+                <a:spcPts val="500"/>
+              </a:spcBef>
+              <a:buFont typeface="Arial" panose="020B0604020202020204" pitchFamily="34" charset="0"/>
+              <a:buChar char="•"/>
+              <a:defRPr sz="1800" kern="1200">
+                <a:solidFill>
+                  <a:schemeClr val="tx1"/>
+                </a:solidFill>
+                <a:latin typeface="+mn-lt"/>
+                <a:ea typeface="+mn-ea"/>
+                <a:cs typeface="+mn-cs"/>
+              </a:defRPr>
+            </a:lvl4pPr>
+            <a:lvl5pPr marL="2057400" indent="-228600" algn="l" defTabSz="914400" rtl="0" eaLnBrk="1" latinLnBrk="0" hangingPunct="1">
+              <a:lnSpc>
+                <a:spcPct val="90000"/>
+              </a:lnSpc>
+              <a:spcBef>
+                <a:spcPts val="500"/>
+              </a:spcBef>
+              <a:buFont typeface="Arial" panose="020B0604020202020204" pitchFamily="34" charset="0"/>
+              <a:buChar char="•"/>
+              <a:defRPr sz="1800" kern="1200">
+                <a:solidFill>
+                  <a:schemeClr val="tx1"/>
+                </a:solidFill>
+                <a:latin typeface="+mn-lt"/>
+                <a:ea typeface="+mn-ea"/>
+                <a:cs typeface="+mn-cs"/>
+              </a:defRPr>
+            </a:lvl5pPr>
+            <a:lvl6pPr marL="2514600" indent="-228600" algn="l" defTabSz="914400" rtl="0" eaLnBrk="1" latinLnBrk="0" hangingPunct="1">
+              <a:lnSpc>
+                <a:spcPct val="90000"/>
+              </a:lnSpc>
+              <a:spcBef>
+                <a:spcPts val="500"/>
+              </a:spcBef>
+              <a:buFont typeface="Arial" panose="020B0604020202020204" pitchFamily="34" charset="0"/>
+              <a:buChar char="•"/>
+              <a:defRPr sz="1800" kern="1200">
+                <a:solidFill>
+                  <a:schemeClr val="tx1"/>
+                </a:solidFill>
+                <a:latin typeface="+mn-lt"/>
+                <a:ea typeface="+mn-ea"/>
+                <a:cs typeface="+mn-cs"/>
+              </a:defRPr>
+            </a:lvl6pPr>
+            <a:lvl7pPr marL="2971800" indent="-228600" algn="l" defTabSz="914400" rtl="0" eaLnBrk="1" latinLnBrk="0" hangingPunct="1">
+              <a:lnSpc>
+                <a:spcPct val="90000"/>
+              </a:lnSpc>
+              <a:spcBef>
+                <a:spcPts val="500"/>
+              </a:spcBef>
+              <a:buFont typeface="Arial" panose="020B0604020202020204" pitchFamily="34" charset="0"/>
+              <a:buChar char="•"/>
+              <a:defRPr sz="1800" kern="1200">
+                <a:solidFill>
+                  <a:schemeClr val="tx1"/>
+                </a:solidFill>
+                <a:latin typeface="+mn-lt"/>
+                <a:ea typeface="+mn-ea"/>
+                <a:cs typeface="+mn-cs"/>
+              </a:defRPr>
+            </a:lvl7pPr>
+            <a:lvl8pPr marL="3429000" indent="-228600" algn="l" defTabSz="914400" rtl="0" eaLnBrk="1" latinLnBrk="0" hangingPunct="1">
+              <a:lnSpc>
+                <a:spcPct val="90000"/>
+              </a:lnSpc>
+              <a:spcBef>
+                <a:spcPts val="500"/>
+              </a:spcBef>
+              <a:buFont typeface="Arial" panose="020B0604020202020204" pitchFamily="34" charset="0"/>
+              <a:buChar char="•"/>
+              <a:defRPr sz="1800" kern="1200">
+                <a:solidFill>
+                  <a:schemeClr val="tx1"/>
+                </a:solidFill>
+                <a:latin typeface="+mn-lt"/>
+                <a:ea typeface="+mn-ea"/>
+                <a:cs typeface="+mn-cs"/>
+              </a:defRPr>
+            </a:lvl8pPr>
+            <a:lvl9pPr marL="3886200" indent="-228600" algn="l" defTabSz="914400" rtl="0" eaLnBrk="1" latinLnBrk="0" hangingPunct="1">
+              <a:lnSpc>
+                <a:spcPct val="90000"/>
+              </a:lnSpc>
+              <a:spcBef>
+                <a:spcPts val="500"/>
+              </a:spcBef>
+              <a:buFont typeface="Arial" panose="020B0604020202020204" pitchFamily="34" charset="0"/>
+              <a:buChar char="•"/>
+              <a:defRPr sz="1800" kern="1200">
+                <a:solidFill>
+                  <a:schemeClr val="tx1"/>
+                </a:solidFill>
+                <a:latin typeface="+mn-lt"/>
+                <a:ea typeface="+mn-ea"/>
+                <a:cs typeface="+mn-cs"/>
+              </a:defRPr>
+            </a:lvl9pPr>
+          </a:lstStyle>
+          <a:p>
+            <a:pPr marL="342900" indent="-342900" eaLnBrk="0" fontAlgn="base" hangingPunct="0">
+              <a:lnSpc>
+                <a:spcPct val="150000"/>
+              </a:lnSpc>
+              <a:spcBef>
+                <a:spcPct val="20000"/>
+              </a:spcBef>
+              <a:spcAft>
+                <a:spcPct val="0"/>
+              </a:spcAft>
+              <a:buClr>
+                <a:schemeClr val="accent1"/>
+              </a:buClr>
+              <a:buBlip>
+                <a:blip r:embed="rId2"/>
+              </a:buBlip>
+            </a:pPr>
+            <a:r>
+              <a:rPr lang="en-US" sz="2200" dirty="0" smtClean="0">
+                <a:solidFill>
+                  <a:srgbClr val="5F5F5F"/>
+                </a:solidFill>
+              </a:rPr>
+              <a:t>Until 500 clients, the growth is linear for any architecture.</a:t>
+            </a:r>
+            <a:endParaRPr lang="en-US" sz="2200" dirty="0" smtClean="0">
+              <a:solidFill>
+                <a:srgbClr val="5F5F5F"/>
+              </a:solidFill>
+            </a:endParaRPr>
+          </a:p>
+          <a:p>
+            <a:pPr marL="342900" indent="-342900" eaLnBrk="0" fontAlgn="base" hangingPunct="0">
+              <a:lnSpc>
+                <a:spcPct val="150000"/>
+              </a:lnSpc>
+              <a:spcBef>
+                <a:spcPct val="20000"/>
+              </a:spcBef>
+              <a:spcAft>
+                <a:spcPct val="0"/>
+              </a:spcAft>
+              <a:buClr>
+                <a:schemeClr val="accent1"/>
+              </a:buClr>
+              <a:buBlip>
+                <a:blip r:embed="rId2"/>
+              </a:buBlip>
+            </a:pPr>
+            <a:r>
+              <a:rPr lang="en-US" sz="2200" dirty="0" smtClean="0">
+                <a:solidFill>
+                  <a:srgbClr val="5F5F5F"/>
+                </a:solidFill>
+              </a:rPr>
+              <a:t>Java NIO architectures become better than IO ones between 10 and 25 parallel clients.</a:t>
+            </a:r>
+          </a:p>
+          <a:p>
+            <a:pPr marL="342900" indent="-342900" eaLnBrk="0" fontAlgn="base" hangingPunct="0">
+              <a:lnSpc>
+                <a:spcPct val="150000"/>
+              </a:lnSpc>
+              <a:spcBef>
+                <a:spcPct val="20000"/>
+              </a:spcBef>
+              <a:spcAft>
+                <a:spcPct val="0"/>
+              </a:spcAft>
+              <a:buClr>
+                <a:schemeClr val="accent1"/>
+              </a:buClr>
+              <a:buBlip>
+                <a:blip r:embed="rId2"/>
+              </a:buBlip>
+            </a:pPr>
+            <a:r>
+              <a:rPr lang="en-US" sz="2200" dirty="0" smtClean="0">
+                <a:solidFill>
+                  <a:srgbClr val="5F5F5F"/>
+                </a:solidFill>
+              </a:rPr>
+              <a:t>Suitable architectures :</a:t>
+            </a:r>
+          </a:p>
+          <a:p>
+            <a:pPr marL="800100" lvl="1" indent="-342900" eaLnBrk="0" fontAlgn="base" hangingPunct="0">
+              <a:lnSpc>
+                <a:spcPct val="150000"/>
+              </a:lnSpc>
+              <a:spcBef>
+                <a:spcPct val="20000"/>
+              </a:spcBef>
+              <a:spcAft>
+                <a:spcPct val="0"/>
+              </a:spcAft>
+              <a:buClr>
+                <a:schemeClr val="accent1"/>
+              </a:buClr>
+              <a:buBlip>
+                <a:blip r:embed="rId2"/>
+              </a:buBlip>
+            </a:pPr>
+            <a:r>
+              <a:rPr lang="en-US" sz="1800" dirty="0" smtClean="0">
+                <a:solidFill>
+                  <a:srgbClr val="5F5F5F"/>
+                </a:solidFill>
+              </a:rPr>
+              <a:t>Clients &lt;= 10 : </a:t>
+            </a:r>
+            <a:r>
+              <a:rPr lang="en-US" sz="1800" dirty="0" err="1" smtClean="0">
+                <a:solidFill>
+                  <a:srgbClr val="5F5F5F"/>
+                </a:solidFill>
+              </a:rPr>
+              <a:t>NIOSingle</a:t>
+            </a:r>
+            <a:r>
+              <a:rPr lang="en-US" sz="1800" dirty="0" smtClean="0">
+                <a:solidFill>
+                  <a:srgbClr val="5F5F5F"/>
+                </a:solidFill>
+              </a:rPr>
+              <a:t> (or </a:t>
+            </a:r>
+            <a:r>
+              <a:rPr lang="en-US" sz="1800" dirty="0" err="1" smtClean="0">
+                <a:solidFill>
+                  <a:srgbClr val="5F5F5F"/>
+                </a:solidFill>
+              </a:rPr>
+              <a:t>IOSingle</a:t>
+            </a:r>
+            <a:r>
+              <a:rPr lang="en-US" sz="1800" dirty="0" smtClean="0">
+                <a:solidFill>
+                  <a:srgbClr val="5F5F5F"/>
+                </a:solidFill>
+              </a:rPr>
+              <a:t>)</a:t>
+            </a:r>
+          </a:p>
+          <a:p>
+            <a:pPr marL="800100" lvl="1" indent="-342900" eaLnBrk="0" fontAlgn="base" hangingPunct="0">
+              <a:lnSpc>
+                <a:spcPct val="150000"/>
+              </a:lnSpc>
+              <a:spcBef>
+                <a:spcPct val="20000"/>
+              </a:spcBef>
+              <a:spcAft>
+                <a:spcPct val="0"/>
+              </a:spcAft>
+              <a:buClr>
+                <a:schemeClr val="accent1"/>
+              </a:buClr>
+              <a:buBlip>
+                <a:blip r:embed="rId2"/>
+              </a:buBlip>
+            </a:pPr>
+            <a:r>
+              <a:rPr lang="en-US" sz="1800" dirty="0" smtClean="0">
+                <a:solidFill>
+                  <a:srgbClr val="5F5F5F"/>
+                </a:solidFill>
+              </a:rPr>
+              <a:t>10 &lt; Clients &lt;= 50 : </a:t>
+            </a:r>
+            <a:r>
+              <a:rPr lang="en-US" sz="1800" dirty="0" err="1" smtClean="0">
+                <a:solidFill>
+                  <a:srgbClr val="5F5F5F"/>
+                </a:solidFill>
+              </a:rPr>
+              <a:t>NIOMultiGlobalLock</a:t>
+            </a:r>
+            <a:r>
+              <a:rPr lang="en-US" sz="1800" dirty="0" smtClean="0">
+                <a:solidFill>
+                  <a:srgbClr val="5F5F5F"/>
+                </a:solidFill>
+              </a:rPr>
+              <a:t> (or another NIO architecture)</a:t>
+            </a:r>
+          </a:p>
+          <a:p>
+            <a:pPr marL="800100" lvl="1" indent="-342900" eaLnBrk="0" fontAlgn="base" hangingPunct="0">
+              <a:lnSpc>
+                <a:spcPct val="150000"/>
+              </a:lnSpc>
+              <a:spcBef>
+                <a:spcPct val="20000"/>
+              </a:spcBef>
+              <a:spcAft>
+                <a:spcPct val="0"/>
+              </a:spcAft>
+              <a:buClr>
+                <a:schemeClr val="accent1"/>
+              </a:buClr>
+              <a:buBlip>
+                <a:blip r:embed="rId2"/>
+              </a:buBlip>
+            </a:pPr>
+            <a:r>
+              <a:rPr lang="en-US" sz="1800" dirty="0" smtClean="0">
+                <a:solidFill>
+                  <a:srgbClr val="5F5F5F"/>
+                </a:solidFill>
+              </a:rPr>
+              <a:t>Clients &gt; 50 : </a:t>
+            </a:r>
+            <a:r>
+              <a:rPr lang="en-US" sz="1800" dirty="0" err="1" smtClean="0">
+                <a:solidFill>
+                  <a:srgbClr val="5F5F5F"/>
+                </a:solidFill>
+              </a:rPr>
+              <a:t>NIOSingle</a:t>
+            </a:r>
+            <a:r>
+              <a:rPr lang="en-US" sz="1800" dirty="0" smtClean="0">
+                <a:solidFill>
+                  <a:srgbClr val="5F5F5F"/>
+                </a:solidFill>
+              </a:rPr>
+              <a:t> </a:t>
+            </a:r>
+            <a:r>
+              <a:rPr lang="en-US" sz="1800" dirty="0">
+                <a:solidFill>
+                  <a:srgbClr val="5F5F5F"/>
+                </a:solidFill>
+              </a:rPr>
+              <a:t>(or another NIO architecture</a:t>
+            </a:r>
+            <a:r>
+              <a:rPr lang="en-US" sz="1800" dirty="0" smtClean="0">
+                <a:solidFill>
+                  <a:srgbClr val="5F5F5F"/>
+                </a:solidFill>
+              </a:rPr>
+              <a:t>)</a:t>
+            </a:r>
+            <a:endParaRPr lang="en-US" sz="2200" dirty="0" smtClean="0">
+              <a:solidFill>
+                <a:srgbClr val="5F5F5F"/>
+              </a:solidFill>
+            </a:endParaRPr>
+          </a:p>
+          <a:p>
+            <a:pPr marL="342900" indent="-342900" eaLnBrk="0" fontAlgn="base" hangingPunct="0">
+              <a:lnSpc>
+                <a:spcPct val="150000"/>
+              </a:lnSpc>
+              <a:spcBef>
+                <a:spcPct val="20000"/>
+              </a:spcBef>
+              <a:spcAft>
+                <a:spcPct val="0"/>
+              </a:spcAft>
+              <a:buClr>
+                <a:schemeClr val="accent1"/>
+              </a:buClr>
+              <a:buBlip>
+                <a:blip r:embed="rId2"/>
+              </a:buBlip>
+            </a:pPr>
+            <a:r>
+              <a:rPr lang="en-US" sz="2200" dirty="0" err="1" smtClean="0">
+                <a:solidFill>
+                  <a:srgbClr val="5F5F5F"/>
+                </a:solidFill>
+              </a:rPr>
+              <a:t>IOPipelined</a:t>
+            </a:r>
+            <a:r>
+              <a:rPr lang="en-US" sz="2200" dirty="0" smtClean="0">
+                <a:solidFill>
+                  <a:srgbClr val="5F5F5F"/>
+                </a:solidFill>
+              </a:rPr>
+              <a:t> pay off after 25 parallel clients. Before, </a:t>
+            </a:r>
+            <a:r>
+              <a:rPr lang="en-US" sz="2200" dirty="0" err="1" smtClean="0">
+                <a:solidFill>
+                  <a:srgbClr val="5F5F5F"/>
+                </a:solidFill>
+              </a:rPr>
+              <a:t>IOSingle</a:t>
+            </a:r>
+            <a:r>
+              <a:rPr lang="en-US" sz="2200" dirty="0" smtClean="0">
+                <a:solidFill>
+                  <a:srgbClr val="5F5F5F"/>
+                </a:solidFill>
+              </a:rPr>
+              <a:t> is the best for the IO ones. After that, avoid use of </a:t>
+            </a:r>
+            <a:r>
+              <a:rPr lang="en-US" sz="2200" dirty="0" err="1" smtClean="0">
+                <a:solidFill>
+                  <a:srgbClr val="5F5F5F"/>
+                </a:solidFill>
+              </a:rPr>
+              <a:t>IOSingle</a:t>
+            </a:r>
+            <a:r>
+              <a:rPr lang="en-US" sz="2200" dirty="0" smtClean="0">
+                <a:solidFill>
+                  <a:srgbClr val="5F5F5F"/>
+                </a:solidFill>
+              </a:rPr>
+              <a:t>.</a:t>
+            </a:r>
+            <a:endParaRPr lang="en-US" sz="2200" dirty="0" smtClean="0">
+              <a:solidFill>
+                <a:srgbClr val="5F5F5F"/>
+              </a:solidFill>
+            </a:endParaRPr>
+          </a:p>
+        </p:txBody>
+      </p:sp>
+      <p:sp>
+        <p:nvSpPr>
+          <p:cNvPr id="2" name="Titre 1"/>
+          <p:cNvSpPr txBox="1">
+            <a:spLocks/>
+          </p:cNvSpPr>
+          <p:nvPr/>
+        </p:nvSpPr>
+        <p:spPr>
+          <a:xfrm>
+            <a:off x="0" y="409131"/>
+            <a:ext cx="12192000" cy="605853"/>
+          </a:xfrm>
+          <a:prstGeom prst="rect">
+            <a:avLst/>
+          </a:prstGeom>
+        </p:spPr>
+        <p:txBody>
+          <a:bodyPr vert="horz" lIns="91440" tIns="45720" rIns="91440" bIns="45720" rtlCol="0" anchor="ctr">
+            <a:noAutofit/>
+          </a:bodyPr>
+          <a:lstStyle>
+            <a:lvl1pPr algn="l" defTabSz="914400" rtl="0" eaLnBrk="1" latinLnBrk="0" hangingPunct="1">
+              <a:lnSpc>
+                <a:spcPct val="90000"/>
+              </a:lnSpc>
+              <a:spcBef>
+                <a:spcPct val="0"/>
+              </a:spcBef>
+              <a:buNone/>
+              <a:defRPr sz="4400" kern="1200">
+                <a:solidFill>
+                  <a:schemeClr val="tx1"/>
+                </a:solidFill>
+                <a:latin typeface="+mj-lt"/>
+                <a:ea typeface="+mj-ea"/>
+                <a:cs typeface="+mj-cs"/>
+              </a:defRPr>
+            </a:lvl1pPr>
+          </a:lstStyle>
+          <a:p>
+            <a:pPr algn="ctr" eaLnBrk="0" fontAlgn="base" hangingPunct="0">
+              <a:spcAft>
+                <a:spcPct val="0"/>
+              </a:spcAft>
+            </a:pPr>
+            <a:r>
+              <a:rPr lang="fr-CH" altLang="en-US" sz="3600" b="1" dirty="0" smtClean="0">
+                <a:solidFill>
+                  <a:srgbClr val="0099CC"/>
+                </a:solidFill>
+                <a:latin typeface="+mn-lt"/>
+              </a:rPr>
+              <a:t>Conclusion</a:t>
+            </a:r>
+          </a:p>
+        </p:txBody>
+      </p:sp>
+      <p:pic>
+        <p:nvPicPr>
+          <p:cNvPr id="4" name="Image 3"/>
+          <p:cNvPicPr>
+            <a:picLocks noChangeAspect="1"/>
+          </p:cNvPicPr>
+          <p:nvPr/>
+        </p:nvPicPr>
+        <p:blipFill>
+          <a:blip r:embed="rId3">
+            <a:extLst>
+              <a:ext uri="{28A0092B-C50C-407E-A947-70E740481C1C}">
+                <a14:useLocalDpi xmlns:a14="http://schemas.microsoft.com/office/drawing/2010/main" val="0"/>
+              </a:ext>
+            </a:extLst>
+          </a:blip>
+          <a:stretch>
+            <a:fillRect/>
+          </a:stretch>
+        </p:blipFill>
+        <p:spPr>
+          <a:xfrm>
+            <a:off x="8424154" y="299206"/>
+            <a:ext cx="3498650" cy="2691269"/>
+          </a:xfrm>
+          <a:prstGeom prst="rect">
+            <a:avLst/>
+          </a:prstGeom>
+          <a:ln>
+            <a:noFill/>
+          </a:ln>
+          <a:effectLst>
+            <a:softEdge rad="266700"/>
+          </a:effectLst>
+        </p:spPr>
+      </p:pic>
+    </p:spTree>
+    <p:extLst>
+      <p:ext uri="{BB962C8B-B14F-4D97-AF65-F5344CB8AC3E}">
+        <p14:creationId xmlns:p14="http://schemas.microsoft.com/office/powerpoint/2010/main" val="1088585430"/>
+      </p:ext>
+    </p:extLst>
+  </p:cSld>
+  <p:clrMapOvr>
+    <a:masterClrMapping/>
+  </p:clrMapOvr>
+  <p:timing>
+    <p:tnLst>
+      <p:par>
+        <p:cTn id="1" dur="indefinite" restart="never" nodeType="tmRoot"/>
+      </p:par>
+    </p:tnLst>
+  </p:timing>
+</p:sld>
+</file>
+
+<file path=ppt/slides/slide21.xml><?xml version="1.0" encoding="utf-8"?>
+<p:sld xmlns:a="http://schemas.openxmlformats.org/drawingml/2006/main" xmlns:r="http://schemas.openxmlformats.org/officeDocument/2006/relationships" xmlns:p="http://schemas.openxmlformats.org/presentationml/2006/main">
+  <p:cSld>
+    <p:spTree>
+      <p:nvGrpSpPr>
+        <p:cNvPr id="1" name=""/>
+        <p:cNvGrpSpPr/>
+        <p:nvPr/>
+      </p:nvGrpSpPr>
+      <p:grpSpPr>
+        <a:xfrm>
+          <a:off x="0" y="0"/>
+          <a:ext cx="0" cy="0"/>
+          <a:chOff x="0" y="0"/>
+          <a:chExt cx="0" cy="0"/>
+        </a:xfrm>
+      </p:grpSpPr>
+      <p:sp>
+        <p:nvSpPr>
+          <p:cNvPr id="2" name="Titre 1"/>
+          <p:cNvSpPr txBox="1">
+            <a:spLocks/>
+          </p:cNvSpPr>
+          <p:nvPr/>
+        </p:nvSpPr>
+        <p:spPr>
+          <a:xfrm>
+            <a:off x="0" y="409131"/>
+            <a:ext cx="12192000" cy="605853"/>
+          </a:xfrm>
+          <a:prstGeom prst="rect">
+            <a:avLst/>
+          </a:prstGeom>
+        </p:spPr>
+        <p:txBody>
+          <a:bodyPr vert="horz" lIns="91440" tIns="45720" rIns="91440" bIns="45720" rtlCol="0" anchor="ctr">
+            <a:noAutofit/>
+          </a:bodyPr>
+          <a:lstStyle>
+            <a:lvl1pPr algn="l" defTabSz="914400" rtl="0" eaLnBrk="1" latinLnBrk="0" hangingPunct="1">
+              <a:lnSpc>
+                <a:spcPct val="90000"/>
+              </a:lnSpc>
+              <a:spcBef>
+                <a:spcPct val="0"/>
+              </a:spcBef>
+              <a:buNone/>
+              <a:defRPr sz="4400" kern="1200">
+                <a:solidFill>
+                  <a:schemeClr val="tx1"/>
+                </a:solidFill>
+                <a:latin typeface="+mj-lt"/>
+                <a:ea typeface="+mj-ea"/>
+                <a:cs typeface="+mj-cs"/>
+              </a:defRPr>
+            </a:lvl1pPr>
+          </a:lstStyle>
+          <a:p>
+            <a:pPr algn="ctr" eaLnBrk="0" fontAlgn="base" hangingPunct="0">
+              <a:spcAft>
+                <a:spcPct val="0"/>
+              </a:spcAft>
+            </a:pPr>
+            <a:r>
+              <a:rPr lang="fr-CH" altLang="en-US" sz="3600" b="1" dirty="0" err="1" smtClean="0">
+                <a:solidFill>
+                  <a:srgbClr val="0099CC"/>
+                </a:solidFill>
+                <a:latin typeface="+mn-lt"/>
+              </a:rPr>
+              <a:t>Thank</a:t>
+            </a:r>
+            <a:r>
+              <a:rPr lang="fr-CH" altLang="en-US" sz="3600" b="1" dirty="0" smtClean="0">
+                <a:solidFill>
+                  <a:srgbClr val="0099CC"/>
+                </a:solidFill>
+                <a:latin typeface="+mn-lt"/>
+              </a:rPr>
+              <a:t> </a:t>
+            </a:r>
+            <a:r>
+              <a:rPr lang="fr-CH" altLang="en-US" sz="3600" b="1" dirty="0" err="1" smtClean="0">
+                <a:solidFill>
+                  <a:srgbClr val="0099CC"/>
+                </a:solidFill>
+                <a:latin typeface="+mn-lt"/>
+              </a:rPr>
+              <a:t>you</a:t>
+            </a:r>
+            <a:r>
+              <a:rPr lang="fr-CH" altLang="en-US" sz="3600" b="1" dirty="0" smtClean="0">
+                <a:solidFill>
+                  <a:srgbClr val="0099CC"/>
+                </a:solidFill>
+                <a:latin typeface="+mn-lt"/>
+              </a:rPr>
+              <a:t> for </a:t>
+            </a:r>
+            <a:r>
+              <a:rPr lang="fr-CH" altLang="en-US" sz="3600" b="1" dirty="0" err="1" smtClean="0">
+                <a:solidFill>
+                  <a:srgbClr val="0099CC"/>
+                </a:solidFill>
+                <a:latin typeface="+mn-lt"/>
+              </a:rPr>
+              <a:t>your</a:t>
+            </a:r>
+            <a:r>
+              <a:rPr lang="fr-CH" altLang="en-US" sz="3600" b="1" dirty="0" smtClean="0">
+                <a:solidFill>
+                  <a:srgbClr val="0099CC"/>
+                </a:solidFill>
+                <a:latin typeface="+mn-lt"/>
+              </a:rPr>
+              <a:t> attention</a:t>
+            </a:r>
+            <a:endParaRPr lang="fr-CH" altLang="en-US" sz="3600" b="1" dirty="0" smtClean="0">
+              <a:solidFill>
+                <a:srgbClr val="0099CC"/>
+              </a:solidFill>
+              <a:latin typeface="+mn-lt"/>
+            </a:endParaRPr>
+          </a:p>
+        </p:txBody>
+      </p:sp>
+      <p:pic>
+        <p:nvPicPr>
+          <p:cNvPr id="3" name="Image 2"/>
+          <p:cNvPicPr>
+            <a:picLocks noChangeAspect="1"/>
+          </p:cNvPicPr>
+          <p:nvPr/>
+        </p:nvPicPr>
+        <p:blipFill>
+          <a:blip r:embed="rId2">
+            <a:extLst>
+              <a:ext uri="{28A0092B-C50C-407E-A947-70E740481C1C}">
+                <a14:useLocalDpi xmlns:a14="http://schemas.microsoft.com/office/drawing/2010/main" val="0"/>
+              </a:ext>
+            </a:extLst>
+          </a:blip>
+          <a:stretch>
+            <a:fillRect/>
+          </a:stretch>
+        </p:blipFill>
+        <p:spPr>
+          <a:xfrm>
+            <a:off x="3246202" y="1472679"/>
+            <a:ext cx="5699595" cy="4286095"/>
+          </a:xfrm>
+          <a:prstGeom prst="rect">
+            <a:avLst/>
+          </a:prstGeom>
+          <a:ln>
+            <a:noFill/>
+          </a:ln>
+          <a:effectLst>
+            <a:softEdge rad="317500"/>
+          </a:effectLst>
+        </p:spPr>
+      </p:pic>
+    </p:spTree>
+    <p:extLst>
+      <p:ext uri="{BB962C8B-B14F-4D97-AF65-F5344CB8AC3E}">
+        <p14:creationId xmlns:p14="http://schemas.microsoft.com/office/powerpoint/2010/main" val="1286994158"/>
       </p:ext>
     </p:extLst>
   </p:cSld>
@@ -9983,12 +13667,18 @@
         </p:blipFill>
         <p:spPr>
           <a:xfrm>
-            <a:off x="482533" y="1053939"/>
-            <a:ext cx="2815144" cy="2108889"/>
+            <a:off x="89980" y="963675"/>
+            <a:ext cx="3129193" cy="2344151"/>
           </a:xfrm>
           <a:prstGeom prst="rect">
             <a:avLst/>
           </a:prstGeom>
+          <a:ln>
+            <a:noFill/>
+          </a:ln>
+          <a:effectLst>
+            <a:softEdge rad="152400"/>
+          </a:effectLst>
         </p:spPr>
       </p:pic>
     </p:spTree>
@@ -10001,11 +13691,11 @@
   <p:clrMapOvr>
     <a:masterClrMapping/>
   </p:clrMapOvr>
-  <mc:AlternateContent xmlns:mc="http://schemas.openxmlformats.org/markup-compatibility/2006">
-    <mc:Choice xmlns:p14="http://schemas.microsoft.com/office/powerpoint/2010/main" Requires="p14">
+  <mc:AlternateContent xmlns:mc="http://schemas.openxmlformats.org/markup-compatibility/2006" xmlns:p14="http://schemas.microsoft.com/office/powerpoint/2010/main">
+    <mc:Choice Requires="p14">
       <p:transition spd="slow" p14:dur="2000"/>
     </mc:Choice>
-    <mc:Fallback>
+    <mc:Fallback xmlns="">
       <p:transition spd="slow"/>
     </mc:Fallback>
   </mc:AlternateContent>
@@ -10449,12 +14139,6 @@
               </a:rPr>
               <a:t>Key-Value Store</a:t>
             </a:r>
-            <a:endParaRPr lang="fr-CH" altLang="en-US" sz="3600" b="1" dirty="0" smtClean="0">
-              <a:solidFill>
-                <a:srgbClr val="0099CC"/>
-              </a:solidFill>
-              <a:latin typeface="+mn-lt"/>
-            </a:endParaRPr>
           </a:p>
         </p:txBody>
       </p:sp>
@@ -10669,11 +14353,6 @@
               </a:rPr>
               <a:t>Single Threaded vs Multi Threaded</a:t>
             </a:r>
-            <a:endParaRPr lang="en-US" sz="2200" dirty="0" smtClean="0">
-              <a:solidFill>
-                <a:srgbClr val="5F5F5F"/>
-              </a:solidFill>
-            </a:endParaRPr>
           </a:p>
           <a:p>
             <a:pPr marL="342900" indent="-342900" eaLnBrk="0" fontAlgn="base" hangingPunct="0">
@@ -10701,11 +14380,6 @@
               </a:rPr>
               <a:t>Blocking version vs Pipelined version</a:t>
             </a:r>
-            <a:endParaRPr lang="en-US" sz="2200" dirty="0" smtClean="0">
-              <a:solidFill>
-                <a:srgbClr val="5F5F5F"/>
-              </a:solidFill>
-            </a:endParaRPr>
           </a:p>
           <a:p>
             <a:pPr marL="342900" indent="-342900" eaLnBrk="0" fontAlgn="base" hangingPunct="0">
@@ -10733,11 +14407,6 @@
               </a:rPr>
               <a:t>Standard Java IO vs Java NIO</a:t>
             </a:r>
-            <a:endParaRPr lang="en-US" sz="2200" dirty="0" smtClean="0">
-              <a:solidFill>
-                <a:srgbClr val="5F5F5F"/>
-              </a:solidFill>
-            </a:endParaRPr>
           </a:p>
           <a:p>
             <a:pPr marL="342900" indent="-342900" eaLnBrk="0" fontAlgn="base" hangingPunct="0">
@@ -10925,6 +14594,42 @@
           </a:p>
         </p:txBody>
       </p:sp>
+      <p:pic>
+        <p:nvPicPr>
+          <p:cNvPr id="4" name="Image 3"/>
+          <p:cNvPicPr>
+            <a:picLocks noChangeAspect="1"/>
+          </p:cNvPicPr>
+          <p:nvPr/>
+        </p:nvPicPr>
+        <p:blipFill>
+          <a:blip r:embed="rId4">
+            <a:extLst>
+              <a:ext uri="{28A0092B-C50C-407E-A947-70E740481C1C}">
+                <a14:useLocalDpi xmlns:a14="http://schemas.microsoft.com/office/drawing/2010/main" val="0"/>
+              </a:ext>
+            </a:extLst>
+          </a:blip>
+          <a:stretch>
+            <a:fillRect/>
+          </a:stretch>
+        </p:blipFill>
+        <p:spPr>
+          <a:xfrm>
+            <a:off x="9521279" y="3841663"/>
+            <a:ext cx="2317303" cy="1772055"/>
+          </a:xfrm>
+          <a:prstGeom prst="rect">
+            <a:avLst/>
+          </a:prstGeom>
+          <a:ln>
+            <a:noFill/>
+          </a:ln>
+          <a:effectLst>
+            <a:softEdge rad="152400"/>
+          </a:effectLst>
+        </p:spPr>
+      </p:pic>
     </p:spTree>
     <p:extLst>
       <p:ext uri="{BB962C8B-B14F-4D97-AF65-F5344CB8AC3E}">
@@ -11351,8 +15056,14 @@
                 </a:solidFill>
                 <a:latin typeface="+mn-lt"/>
               </a:rPr>
-              <a:t>Goal</a:t>
-            </a:r>
+              <a:t>Goals</a:t>
+            </a:r>
+            <a:endParaRPr lang="fr-CH" altLang="en-US" sz="3600" b="1" dirty="0" smtClean="0">
+              <a:solidFill>
+                <a:srgbClr val="0099CC"/>
+              </a:solidFill>
+              <a:latin typeface="+mn-lt"/>
+            </a:endParaRPr>
           </a:p>
         </p:txBody>
       </p:sp>
@@ -11780,7 +15491,7 @@
                 </a:solidFill>
                 <a:latin typeface="+mn-lt"/>
               </a:rPr>
-              <a:t>metrics</a:t>
+              <a:t>metric</a:t>
             </a:r>
             <a:endParaRPr lang="fr-CH" altLang="en-US" sz="3600" b="1" dirty="0" smtClean="0">
               <a:solidFill>
@@ -12121,15 +15832,7 @@
                   <a:srgbClr val="5F5F5F"/>
                 </a:solidFill>
               </a:rPr>
-              <a:t>is </a:t>
-            </a:r>
-            <a:r>
-              <a:rPr lang="en-US" sz="2200" dirty="0" smtClean="0">
-                <a:solidFill>
-                  <a:srgbClr val="5F5F5F"/>
-                </a:solidFill>
-              </a:rPr>
-              <a:t>the </a:t>
+              <a:t>is the </a:t>
             </a:r>
             <a:r>
               <a:rPr lang="en-US" sz="2200" dirty="0">
@@ -12485,7 +16188,39 @@
                   <a:srgbClr val="5F5F5F"/>
                 </a:solidFill>
               </a:rPr>
-              <a:t>Network (WIFI/Ethernet)</a:t>
+              <a:t>Network </a:t>
+            </a:r>
+            <a:r>
+              <a:rPr lang="en-US" sz="2200" dirty="0" smtClean="0">
+                <a:solidFill>
+                  <a:srgbClr val="5F5F5F"/>
+                </a:solidFill>
+              </a:rPr>
+              <a:t>(EPFL </a:t>
+            </a:r>
+            <a:r>
+              <a:rPr lang="en-US" sz="2200" dirty="0" err="1" smtClean="0">
+                <a:solidFill>
+                  <a:srgbClr val="5F5F5F"/>
+                </a:solidFill>
+              </a:rPr>
+              <a:t>WiFi</a:t>
+            </a:r>
+            <a:r>
+              <a:rPr lang="en-US" sz="2200" dirty="0" smtClean="0">
+                <a:solidFill>
+                  <a:srgbClr val="5F5F5F"/>
+                </a:solidFill>
+              </a:rPr>
+              <a:t>/private Ethernet</a:t>
+            </a:r>
+            <a:r>
+              <a:rPr lang="en-US" sz="2200" dirty="0" smtClean="0">
+                <a:solidFill>
+                  <a:srgbClr val="5F5F5F"/>
+                </a:solidFill>
+              </a:rPr>
+              <a:t>)</a:t>
             </a:r>
             <a:endParaRPr lang="en-US" sz="2200" dirty="0">
               <a:solidFill>
@@ -12854,7 +16589,39 @@
                   <a:srgbClr val="5F5F5F"/>
                 </a:solidFill>
               </a:rPr>
-              <a:t>As previously mentioned, running benchmarks to evaluate the average waiting time for an answer coming from the data-store.</a:t>
+              <a:t>As previously mentioned, </a:t>
+            </a:r>
+            <a:r>
+              <a:rPr lang="en-US" sz="2200" dirty="0" smtClean="0">
+                <a:solidFill>
+                  <a:srgbClr val="5F5F5F"/>
+                </a:solidFill>
+              </a:rPr>
+              <a:t>running different </a:t>
+            </a:r>
+            <a:r>
+              <a:rPr lang="en-US" sz="2200" dirty="0" smtClean="0">
+                <a:solidFill>
+                  <a:srgbClr val="5F5F5F"/>
+                </a:solidFill>
+              </a:rPr>
+              <a:t>benchmarks to evaluate the average waiting time for an answer </a:t>
+            </a:r>
+            <a:r>
+              <a:rPr lang="en-US" sz="2200" dirty="0" smtClean="0">
+                <a:solidFill>
+                  <a:srgbClr val="5F5F5F"/>
+                </a:solidFill>
+              </a:rPr>
+              <a:t>to come back </a:t>
+            </a:r>
+            <a:r>
+              <a:rPr lang="en-US" sz="2200" dirty="0" smtClean="0">
+                <a:solidFill>
+                  <a:srgbClr val="5F5F5F"/>
+                </a:solidFill>
+              </a:rPr>
+              <a:t>from the data-store.</a:t>
             </a:r>
             <a:endParaRPr lang="en-US" sz="2200" dirty="0" smtClean="0"/>
           </a:p>

--- a/Perf Eval - Final presentation.pptx
+++ b/Perf Eval - Final presentation.pptx
@@ -7439,7 +7439,15 @@
                   <a:srgbClr val="5F5F5F"/>
                 </a:solidFill>
               </a:rPr>
-              <a:t>From 1 </a:t>
+              <a:t>From 1 to 500 parallel clients (step of 1) each sending 100 randomized requests over EPFL </a:t>
+            </a:r>
+            <a:r>
+              <a:rPr lang="en-US" sz="2200" dirty="0" err="1" smtClean="0">
+                <a:solidFill>
+                  <a:srgbClr val="5F5F5F"/>
+                </a:solidFill>
+              </a:rPr>
+              <a:t>WiFi</a:t>
             </a:r>
             <a:r>
               <a:rPr lang="en-US" sz="2200" dirty="0" smtClean="0">
@@ -7447,71 +7455,7 @@
                   <a:srgbClr val="5F5F5F"/>
                 </a:solidFill>
               </a:rPr>
-              <a:t>to 500 </a:t>
-            </a:r>
-            <a:r>
-              <a:rPr lang="en-US" sz="2200" dirty="0" smtClean="0">
-                <a:solidFill>
-                  <a:srgbClr val="5F5F5F"/>
-                </a:solidFill>
-              </a:rPr>
-              <a:t>parallel clients </a:t>
-            </a:r>
-            <a:r>
-              <a:rPr lang="en-US" sz="2200" dirty="0" smtClean="0">
-                <a:solidFill>
-                  <a:srgbClr val="5F5F5F"/>
-                </a:solidFill>
-              </a:rPr>
-              <a:t>(step of 1) each sending 100 randomized requests over </a:t>
-            </a:r>
-            <a:r>
-              <a:rPr lang="en-US" sz="2200" dirty="0" smtClean="0">
-                <a:solidFill>
-                  <a:srgbClr val="5F5F5F"/>
-                </a:solidFill>
-              </a:rPr>
-              <a:t>EPFL </a:t>
-            </a:r>
-            <a:r>
-              <a:rPr lang="en-US" sz="2200" dirty="0" err="1" smtClean="0">
-                <a:solidFill>
-                  <a:srgbClr val="5F5F5F"/>
-                </a:solidFill>
-              </a:rPr>
-              <a:t>WiFi</a:t>
-            </a:r>
-            <a:r>
-              <a:rPr lang="en-US" sz="2200" dirty="0" smtClean="0">
-                <a:solidFill>
-                  <a:srgbClr val="5F5F5F"/>
-                </a:solidFill>
-              </a:rPr>
-              <a:t> </a:t>
-            </a:r>
-            <a:r>
-              <a:rPr lang="en-US" sz="2200" dirty="0" smtClean="0">
-                <a:solidFill>
-                  <a:srgbClr val="5F5F5F"/>
-                </a:solidFill>
-              </a:rPr>
-              <a:t>and Ethernet </a:t>
-            </a:r>
-            <a:r>
-              <a:rPr lang="en-US" sz="2200" dirty="0" smtClean="0">
-                <a:solidFill>
-                  <a:srgbClr val="5F5F5F"/>
-                </a:solidFill>
-              </a:rPr>
-              <a:t>private network</a:t>
-            </a:r>
-            <a:r>
-              <a:rPr lang="en-US" sz="2200" dirty="0" smtClean="0">
-                <a:solidFill>
-                  <a:srgbClr val="5F5F5F"/>
-                </a:solidFill>
-              </a:rPr>
-              <a:t>.</a:t>
+              <a:t> and Ethernet private network.</a:t>
             </a:r>
           </a:p>
           <a:p>
@@ -7554,7 +7498,15 @@
                   <a:srgbClr val="5F5F5F"/>
                 </a:solidFill>
               </a:rPr>
-              <a:t>parallel clients </a:t>
+              <a:t>parallel clients (step of 20) </a:t>
+            </a:r>
+            <a:r>
+              <a:rPr lang="en-US" sz="2200" dirty="0">
+                <a:solidFill>
+                  <a:srgbClr val="5F5F5F"/>
+                </a:solidFill>
+              </a:rPr>
+              <a:t>each </a:t>
             </a:r>
             <a:r>
               <a:rPr lang="en-US" sz="2200" dirty="0" smtClean="0">
@@ -7562,7 +7514,7 @@
                   <a:srgbClr val="5F5F5F"/>
                 </a:solidFill>
               </a:rPr>
-              <a:t>(step of 20) </a:t>
+              <a:t>sending </a:t>
             </a:r>
             <a:r>
               <a:rPr lang="en-US" sz="2200" dirty="0">
@@ -7570,7 +7522,7 @@
                   <a:srgbClr val="5F5F5F"/>
                 </a:solidFill>
               </a:rPr>
-              <a:t>each </a:t>
+              <a:t>100 randomized </a:t>
             </a:r>
             <a:r>
               <a:rPr lang="en-US" sz="2200" dirty="0" smtClean="0">
@@ -7578,39 +7530,7 @@
                   <a:srgbClr val="5F5F5F"/>
                 </a:solidFill>
               </a:rPr>
-              <a:t>sending </a:t>
-            </a:r>
-            <a:r>
-              <a:rPr lang="en-US" sz="2200" dirty="0">
-                <a:solidFill>
-                  <a:srgbClr val="5F5F5F"/>
-                </a:solidFill>
-              </a:rPr>
-              <a:t>100 randomized </a:t>
-            </a:r>
-            <a:r>
-              <a:rPr lang="en-US" sz="2200" dirty="0" smtClean="0">
-                <a:solidFill>
-                  <a:srgbClr val="5F5F5F"/>
-                </a:solidFill>
-              </a:rPr>
-              <a:t>requests over Ethernet </a:t>
-            </a:r>
-            <a:r>
-              <a:rPr lang="en-US" sz="2200" dirty="0" smtClean="0">
-                <a:solidFill>
-                  <a:srgbClr val="5F5F5F"/>
-                </a:solidFill>
-              </a:rPr>
-              <a:t>private network</a:t>
-            </a:r>
-            <a:r>
-              <a:rPr lang="en-US" sz="2200" dirty="0" smtClean="0">
-                <a:solidFill>
-                  <a:srgbClr val="5F5F5F"/>
-                </a:solidFill>
-              </a:rPr>
-              <a:t>. Each experiment is done 20 times.</a:t>
+              <a:t>requests over Ethernet private network. Each experiment is done 20 times.</a:t>
             </a:r>
             <a:endParaRPr lang="en-US" sz="2200" dirty="0">
               <a:solidFill>
@@ -7642,23 +7562,7 @@
                   <a:srgbClr val="5F5F5F"/>
                 </a:solidFill>
               </a:rPr>
-              <a:t>Set the number of clients (10, 25, </a:t>
-            </a:r>
-            <a:r>
-              <a:rPr lang="en-US" sz="2200" dirty="0" smtClean="0">
-                <a:solidFill>
-                  <a:srgbClr val="5F5F5F"/>
-                </a:solidFill>
-              </a:rPr>
-              <a:t>50 and </a:t>
-            </a:r>
-            <a:r>
-              <a:rPr lang="en-US" sz="2200" dirty="0" smtClean="0">
-                <a:solidFill>
-                  <a:srgbClr val="5F5F5F"/>
-                </a:solidFill>
-              </a:rPr>
-              <a:t>300), each sending 100 requests over Ethernet</a:t>
+              <a:t>Set the number of clients (10, 25, 50 and 300), each sending 100 requests over Ethernet</a:t>
             </a:r>
             <a:r>
               <a:rPr lang="en-US" sz="2200" dirty="0">
@@ -8084,23 +7988,7 @@
                   <a:srgbClr val="5F5F5F"/>
                 </a:solidFill>
               </a:rPr>
-              <a:t>Evaluate the </a:t>
-            </a:r>
-            <a:r>
-              <a:rPr lang="en-US" sz="2200" dirty="0" smtClean="0">
-                <a:solidFill>
-                  <a:srgbClr val="5F5F5F"/>
-                </a:solidFill>
-              </a:rPr>
-              <a:t>performance </a:t>
-            </a:r>
-            <a:r>
-              <a:rPr lang="en-US" sz="2200" dirty="0" smtClean="0">
-                <a:solidFill>
-                  <a:srgbClr val="5F5F5F"/>
-                </a:solidFill>
-              </a:rPr>
-              <a:t>of all the architectures of In-Memory Data-Stores that we built</a:t>
+              <a:t>Evaluate the performance of all the architectures of In-Memory Data-Stores that we built</a:t>
             </a:r>
           </a:p>
           <a:p>
@@ -8327,25 +8215,7 @@
                 </a:solidFill>
                 <a:latin typeface="+mn-lt"/>
               </a:rPr>
-              <a:t>1 </a:t>
-            </a:r>
-            <a:r>
-              <a:rPr lang="fr-CH" altLang="en-US" sz="3600" b="1" dirty="0" smtClean="0">
-                <a:solidFill>
-                  <a:srgbClr val="0099CC"/>
-                </a:solidFill>
-                <a:latin typeface="+mn-lt"/>
-              </a:rPr>
-              <a:t>to 500 </a:t>
-            </a:r>
-            <a:r>
-              <a:rPr lang="fr-CH" altLang="en-US" sz="3600" b="1" dirty="0" smtClean="0">
-                <a:solidFill>
-                  <a:srgbClr val="0099CC"/>
-                </a:solidFill>
-                <a:latin typeface="+mn-lt"/>
-              </a:rPr>
-              <a:t>clients over EPFL </a:t>
+              <a:t>1 to 500 clients over EPFL </a:t>
             </a:r>
             <a:r>
               <a:rPr lang="fr-CH" altLang="en-US" sz="3600" b="1" dirty="0" err="1" smtClean="0">
@@ -8574,23 +8444,7 @@
                   <a:srgbClr val="5F5F5F"/>
                 </a:solidFill>
               </a:rPr>
-              <a:t>NIO architectures tend to be better </a:t>
-            </a:r>
-            <a:r>
-              <a:rPr lang="en-US" sz="2200" dirty="0" smtClean="0">
-                <a:solidFill>
-                  <a:srgbClr val="5F5F5F"/>
-                </a:solidFill>
-              </a:rPr>
-              <a:t>than classical IO of </a:t>
-            </a:r>
-            <a:r>
-              <a:rPr lang="en-US" sz="2200" dirty="0" smtClean="0">
-                <a:solidFill>
-                  <a:srgbClr val="5F5F5F"/>
-                </a:solidFill>
-              </a:rPr>
-              <a:t>java.</a:t>
+              <a:t>NIO architectures tend to be better than classical IO of java.</a:t>
             </a:r>
           </a:p>
           <a:p>
@@ -8619,11 +8473,6 @@
               </a:rPr>
               <a:t>However, to much variability to conclude anything.</a:t>
             </a:r>
-            <a:endParaRPr lang="en-US" sz="2200" dirty="0" smtClean="0">
-              <a:solidFill>
-                <a:srgbClr val="5F5F5F"/>
-              </a:solidFill>
-            </a:endParaRPr>
           </a:p>
         </p:txBody>
       </p:sp>
@@ -8747,7 +8596,16 @@
                 </a:solidFill>
                 <a:latin typeface="+mn-lt"/>
               </a:rPr>
-              <a:t>1 </a:t>
+              <a:t>1 to 500 clients over </a:t>
+            </a:r>
+            <a:r>
+              <a:rPr lang="fr-CH" altLang="en-US" sz="3600" b="1" dirty="0" err="1" smtClean="0">
+                <a:solidFill>
+                  <a:srgbClr val="0099CC"/>
+                </a:solidFill>
+                <a:latin typeface="+mn-lt"/>
+              </a:rPr>
+              <a:t>private</a:t>
             </a:r>
             <a:r>
               <a:rPr lang="fr-CH" altLang="en-US" sz="3600" b="1" dirty="0" smtClean="0">
@@ -8756,41 +8614,8 @@
                 </a:solidFill>
                 <a:latin typeface="+mn-lt"/>
               </a:rPr>
-              <a:t>to 500 </a:t>
-            </a:r>
-            <a:r>
-              <a:rPr lang="fr-CH" altLang="en-US" sz="3600" b="1" dirty="0" smtClean="0">
-                <a:solidFill>
-                  <a:srgbClr val="0099CC"/>
-                </a:solidFill>
-                <a:latin typeface="+mn-lt"/>
-              </a:rPr>
-              <a:t>clients over </a:t>
-            </a:r>
-            <a:r>
-              <a:rPr lang="fr-CH" altLang="en-US" sz="3600" b="1" dirty="0" err="1" smtClean="0">
-                <a:solidFill>
-                  <a:srgbClr val="0099CC"/>
-                </a:solidFill>
-                <a:latin typeface="+mn-lt"/>
-              </a:rPr>
-              <a:t>private</a:t>
-            </a:r>
-            <a:r>
-              <a:rPr lang="fr-CH" altLang="en-US" sz="3600" b="1" dirty="0" smtClean="0">
-                <a:solidFill>
-                  <a:srgbClr val="0099CC"/>
-                </a:solidFill>
-                <a:latin typeface="+mn-lt"/>
-              </a:rPr>
               <a:t> Ethernet network</a:t>
             </a:r>
-            <a:endParaRPr lang="fr-CH" altLang="en-US" sz="3600" b="1" dirty="0" smtClean="0">
-              <a:solidFill>
-                <a:srgbClr val="0099CC"/>
-              </a:solidFill>
-              <a:latin typeface="+mn-lt"/>
-            </a:endParaRPr>
           </a:p>
         </p:txBody>
       </p:sp>
@@ -9003,23 +8828,7 @@
                   <a:srgbClr val="5F5F5F"/>
                 </a:solidFill>
               </a:rPr>
-              <a:t>NIO architectures tend to be better </a:t>
-            </a:r>
-            <a:r>
-              <a:rPr lang="en-US" sz="2200" dirty="0" smtClean="0">
-                <a:solidFill>
-                  <a:srgbClr val="5F5F5F"/>
-                </a:solidFill>
-              </a:rPr>
-              <a:t>than classical IO of </a:t>
-            </a:r>
-            <a:r>
-              <a:rPr lang="en-US" sz="2200" dirty="0" smtClean="0">
-                <a:solidFill>
-                  <a:srgbClr val="5F5F5F"/>
-                </a:solidFill>
-              </a:rPr>
-              <a:t>java.</a:t>
+              <a:t>NIO architectures tend to be better than classical IO of java.</a:t>
             </a:r>
           </a:p>
           <a:p>
@@ -9118,11 +8927,6 @@
               </a:rPr>
               <a:t>Still difficult to evaluate performances between java IO architectures themselves. Same for java NIO.</a:t>
             </a:r>
-            <a:endParaRPr lang="en-US" sz="2200" dirty="0" smtClean="0">
-              <a:solidFill>
-                <a:srgbClr val="5F5F5F"/>
-              </a:solidFill>
-            </a:endParaRPr>
           </a:p>
         </p:txBody>
       </p:sp>
@@ -9246,7 +9050,16 @@
                 </a:solidFill>
                 <a:latin typeface="+mn-lt"/>
               </a:rPr>
-              <a:t>1 to 500 </a:t>
+              <a:t>1 to 500 clients (</a:t>
+            </a:r>
+            <a:r>
+              <a:rPr lang="fr-CH" altLang="en-US" sz="3600" b="1" dirty="0" err="1" smtClean="0">
+                <a:solidFill>
+                  <a:srgbClr val="0099CC"/>
+                </a:solidFill>
+                <a:latin typeface="+mn-lt"/>
+              </a:rPr>
+              <a:t>step</a:t>
             </a:r>
             <a:r>
               <a:rPr lang="fr-CH" altLang="en-US" sz="3600" b="1" dirty="0" smtClean="0">
@@ -9255,7 +9068,7 @@
                 </a:solidFill>
                 <a:latin typeface="+mn-lt"/>
               </a:rPr>
-              <a:t>clients (</a:t>
+              <a:t> 20) : </a:t>
             </a:r>
             <a:r>
               <a:rPr lang="fr-CH" altLang="en-US" sz="3600" b="1" dirty="0" err="1" smtClean="0">
@@ -9264,7 +9077,7 @@
                 </a:solidFill>
                 <a:latin typeface="+mn-lt"/>
               </a:rPr>
-              <a:t>step</a:t>
+              <a:t>mean</a:t>
             </a:r>
             <a:r>
               <a:rPr lang="fr-CH" altLang="en-US" sz="3600" b="1" dirty="0" smtClean="0">
@@ -9273,32 +9086,8 @@
                 </a:solidFill>
                 <a:latin typeface="+mn-lt"/>
               </a:rPr>
-              <a:t> 20) : </a:t>
-            </a:r>
-            <a:r>
-              <a:rPr lang="fr-CH" altLang="en-US" sz="3600" b="1" dirty="0" err="1" smtClean="0">
-                <a:solidFill>
-                  <a:srgbClr val="0099CC"/>
-                </a:solidFill>
-                <a:latin typeface="+mn-lt"/>
-              </a:rPr>
-              <a:t>mean</a:t>
-            </a:r>
-            <a:r>
-              <a:rPr lang="fr-CH" altLang="en-US" sz="3600" b="1" dirty="0" smtClean="0">
-                <a:solidFill>
-                  <a:srgbClr val="0099CC"/>
-                </a:solidFill>
-                <a:latin typeface="+mn-lt"/>
-              </a:rPr>
               <a:t> value</a:t>
             </a:r>
-            <a:endParaRPr lang="fr-CH" altLang="en-US" sz="3600" b="1" dirty="0" smtClean="0">
-              <a:solidFill>
-                <a:srgbClr val="0099CC"/>
-              </a:solidFill>
-              <a:latin typeface="+mn-lt"/>
-            </a:endParaRPr>
           </a:p>
         </p:txBody>
       </p:sp>
@@ -9511,23 +9300,7 @@
                   <a:srgbClr val="5F5F5F"/>
                 </a:solidFill>
               </a:rPr>
-              <a:t>NIO architectures better </a:t>
-            </a:r>
-            <a:r>
-              <a:rPr lang="en-US" sz="2200" dirty="0" smtClean="0">
-                <a:solidFill>
-                  <a:srgbClr val="5F5F5F"/>
-                </a:solidFill>
-              </a:rPr>
-              <a:t>than classical IO of </a:t>
-            </a:r>
-            <a:r>
-              <a:rPr lang="en-US" sz="2200" dirty="0" smtClean="0">
-                <a:solidFill>
-                  <a:srgbClr val="5F5F5F"/>
-                </a:solidFill>
-              </a:rPr>
-              <a:t>java after 25 parallel clients.</a:t>
+              <a:t>NIO architectures better than classical IO of java after 25 parallel clients.</a:t>
             </a:r>
           </a:p>
           <a:p>
@@ -9556,11 +9329,6 @@
               </a:rPr>
               <a:t>Can distinguish better architectures among IO and NIO ones.</a:t>
             </a:r>
-            <a:endParaRPr lang="en-US" sz="2200" dirty="0" smtClean="0">
-              <a:solidFill>
-                <a:srgbClr val="5F5F5F"/>
-              </a:solidFill>
-            </a:endParaRPr>
           </a:p>
         </p:txBody>
       </p:sp>
@@ -9722,12 +9490,6 @@
               </a:rPr>
               <a:t> value</a:t>
             </a:r>
-            <a:endParaRPr lang="fr-CH" altLang="en-US" sz="3600" b="1" dirty="0" smtClean="0">
-              <a:solidFill>
-                <a:srgbClr val="0099CC"/>
-              </a:solidFill>
-              <a:latin typeface="+mn-lt"/>
-            </a:endParaRPr>
           </a:p>
         </p:txBody>
       </p:sp>
@@ -9940,23 +9702,7 @@
                   <a:srgbClr val="5F5F5F"/>
                 </a:solidFill>
               </a:rPr>
-              <a:t>NIO architectures better </a:t>
-            </a:r>
-            <a:r>
-              <a:rPr lang="en-US" sz="2200" dirty="0" smtClean="0">
-                <a:solidFill>
-                  <a:srgbClr val="5F5F5F"/>
-                </a:solidFill>
-              </a:rPr>
-              <a:t>than classical IO of </a:t>
-            </a:r>
-            <a:r>
-              <a:rPr lang="en-US" sz="2200" dirty="0" smtClean="0">
-                <a:solidFill>
-                  <a:srgbClr val="5F5F5F"/>
-                </a:solidFill>
-              </a:rPr>
-              <a:t>java after 25 parallel clients.</a:t>
+              <a:t>NIO architectures better than classical IO of java after 25 parallel clients.</a:t>
             </a:r>
           </a:p>
           <a:p>
@@ -10012,11 +9758,6 @@
               </a:rPr>
               <a:t>It is the median value so it is more robust to outliers if any.</a:t>
             </a:r>
-            <a:endParaRPr lang="en-US" sz="2200" dirty="0" smtClean="0">
-              <a:solidFill>
-                <a:srgbClr val="5F5F5F"/>
-              </a:solidFill>
-            </a:endParaRPr>
           </a:p>
         </p:txBody>
       </p:sp>
@@ -10176,16 +9917,7 @@
                 </a:solidFill>
                 <a:latin typeface="+mn-lt"/>
               </a:rPr>
-              <a:t> : </a:t>
-            </a:r>
-            <a:r>
-              <a:rPr lang="fr-CH" altLang="en-US" sz="3600" b="1" dirty="0" smtClean="0">
-                <a:solidFill>
-                  <a:srgbClr val="0099CC"/>
-                </a:solidFill>
-                <a:latin typeface="+mn-lt"/>
-              </a:rPr>
-              <a:t>10 clients</a:t>
+              <a:t> : 10 clients</a:t>
             </a:r>
           </a:p>
         </p:txBody>
@@ -10471,11 +10203,6 @@
               </a:rPr>
               <a:t> is one of the bests architectures.</a:t>
             </a:r>
-            <a:endParaRPr lang="en-US" sz="2200" dirty="0" smtClean="0">
-              <a:solidFill>
-                <a:srgbClr val="5F5F5F"/>
-              </a:solidFill>
-            </a:endParaRPr>
           </a:p>
         </p:txBody>
       </p:sp>
@@ -10587,16 +10314,7 @@
                 </a:solidFill>
                 <a:latin typeface="+mn-lt"/>
               </a:rPr>
-              <a:t> : 25 </a:t>
-            </a:r>
-            <a:r>
-              <a:rPr lang="fr-CH" altLang="en-US" sz="3600" b="1" dirty="0" smtClean="0">
-                <a:solidFill>
-                  <a:srgbClr val="0099CC"/>
-                </a:solidFill>
-                <a:latin typeface="+mn-lt"/>
-              </a:rPr>
-              <a:t>clients</a:t>
+              <a:t> : 25 clients</a:t>
             </a:r>
           </a:p>
         </p:txBody>
@@ -10869,11 +10587,6 @@
               </a:rPr>
               <a:t>Better is only in a maximum of 1.15 times</a:t>
             </a:r>
-            <a:endParaRPr lang="en-US" sz="2200" dirty="0" smtClean="0">
-              <a:solidFill>
-                <a:srgbClr val="5F5F5F"/>
-              </a:solidFill>
-            </a:endParaRPr>
           </a:p>
         </p:txBody>
       </p:sp>
@@ -10987,12 +10700,6 @@
               </a:rPr>
               <a:t> : 50 clients</a:t>
             </a:r>
-            <a:endParaRPr lang="fr-CH" altLang="en-US" sz="3600" b="1" dirty="0" smtClean="0">
-              <a:solidFill>
-                <a:srgbClr val="0099CC"/>
-              </a:solidFill>
-              <a:latin typeface="+mn-lt"/>
-            </a:endParaRPr>
           </a:p>
         </p:txBody>
       </p:sp>
@@ -11235,23 +10942,7 @@
                   <a:srgbClr val="5F5F5F"/>
                 </a:solidFill>
               </a:rPr>
-              <a:t>NIO architectures </a:t>
-            </a:r>
-            <a:r>
-              <a:rPr lang="en-US" sz="2200" dirty="0" smtClean="0">
-                <a:solidFill>
-                  <a:srgbClr val="5F5F5F"/>
-                </a:solidFill>
-              </a:rPr>
-              <a:t>are</a:t>
-            </a:r>
-            <a:r>
-              <a:rPr lang="en-US" sz="2200" dirty="0" smtClean="0">
-                <a:solidFill>
-                  <a:srgbClr val="5F5F5F"/>
-                </a:solidFill>
-              </a:rPr>
-              <a:t> better than the IO ones.</a:t>
+              <a:t>NIO architectures are better than the IO ones.</a:t>
             </a:r>
           </a:p>
           <a:p>
@@ -11300,12 +10991,28 @@
               </a:buBlip>
             </a:pPr>
             <a:r>
+              <a:rPr lang="en-US" sz="2200" dirty="0" err="1" smtClean="0">
+                <a:solidFill>
+                  <a:srgbClr val="5F5F5F"/>
+                </a:solidFill>
+              </a:rPr>
+              <a:t>IOSingle</a:t>
+            </a:r>
+            <a:r>
               <a:rPr lang="en-US" sz="2200" dirty="0" smtClean="0">
                 <a:solidFill>
                   <a:srgbClr val="5F5F5F"/>
                 </a:solidFill>
               </a:rPr>
-              <a:t>IO Single becomes the worst architecture.</a:t>
+              <a:t> </a:t>
+            </a:r>
+            <a:r>
+              <a:rPr lang="en-US" sz="2200" dirty="0" smtClean="0">
+                <a:solidFill>
+                  <a:srgbClr val="5F5F5F"/>
+                </a:solidFill>
+              </a:rPr>
+              <a:t>becomes the worst architecture.</a:t>
             </a:r>
           </a:p>
           <a:p>
@@ -11515,16 +11222,7 @@
                 </a:solidFill>
                 <a:latin typeface="+mn-lt"/>
               </a:rPr>
-              <a:t> : 300 </a:t>
-            </a:r>
-            <a:r>
-              <a:rPr lang="fr-CH" altLang="en-US" sz="3600" b="1" dirty="0" smtClean="0">
-                <a:solidFill>
-                  <a:srgbClr val="0099CC"/>
-                </a:solidFill>
-                <a:latin typeface="+mn-lt"/>
-              </a:rPr>
-              <a:t>clients</a:t>
+              <a:t> : 300 clients</a:t>
             </a:r>
           </a:p>
         </p:txBody>
@@ -11867,11 +11565,6 @@
               </a:rPr>
               <a:t> architectures are still the best among the IO ones.</a:t>
             </a:r>
-            <a:endParaRPr lang="en-US" sz="2200" dirty="0" smtClean="0">
-              <a:solidFill>
-                <a:srgbClr val="5F5F5F"/>
-              </a:solidFill>
-            </a:endParaRPr>
           </a:p>
           <a:p>
             <a:pPr marL="342900" indent="-342900" eaLnBrk="0" fontAlgn="base" hangingPunct="0">
@@ -12243,11 +11936,6 @@
               </a:rPr>
               <a:t>Goals</a:t>
             </a:r>
-            <a:endParaRPr lang="en-US" sz="2200" dirty="0" smtClean="0">
-              <a:solidFill>
-                <a:srgbClr val="5F5F5F"/>
-              </a:solidFill>
-            </a:endParaRPr>
           </a:p>
           <a:p>
             <a:pPr marL="342900" indent="-342900" eaLnBrk="0" fontAlgn="base" hangingPunct="0">
@@ -12273,21 +11961,8 @@
                   <a:srgbClr val="5F5F5F"/>
                 </a:solidFill>
               </a:rPr>
-              <a:t>Load and </a:t>
-            </a:r>
-            <a:r>
-              <a:rPr lang="en-US" sz="2200" dirty="0" smtClean="0">
-                <a:solidFill>
-                  <a:srgbClr val="5F5F5F"/>
-                </a:solidFill>
-              </a:rPr>
-              <a:t>metric</a:t>
-            </a:r>
-            <a:endParaRPr lang="en-US" sz="2200" dirty="0" smtClean="0">
-              <a:solidFill>
-                <a:srgbClr val="5F5F5F"/>
-              </a:solidFill>
-            </a:endParaRPr>
+              <a:t>Load and metric</a:t>
+            </a:r>
           </a:p>
           <a:p>
             <a:pPr marL="342900" indent="-342900" eaLnBrk="0" fontAlgn="base" hangingPunct="0">
@@ -12695,11 +12370,6 @@
               </a:rPr>
               <a:t>Until 500 clients, the growth is linear for any architecture.</a:t>
             </a:r>
-            <a:endParaRPr lang="en-US" sz="2200" dirty="0" smtClean="0">
-              <a:solidFill>
-                <a:srgbClr val="5F5F5F"/>
-              </a:solidFill>
-            </a:endParaRPr>
           </a:p>
           <a:p>
             <a:pPr marL="342900" indent="-342900" eaLnBrk="0" fontAlgn="base" hangingPunct="0">
@@ -12987,11 +12657,6 @@
               </a:rPr>
               <a:t>.</a:t>
             </a:r>
-            <a:endParaRPr lang="en-US" sz="2200" dirty="0" smtClean="0">
-              <a:solidFill>
-                <a:srgbClr val="5F5F5F"/>
-              </a:solidFill>
-            </a:endParaRPr>
           </a:p>
         </p:txBody>
       </p:sp>
@@ -13226,12 +12891,6 @@
               </a:rPr>
               <a:t> attention</a:t>
             </a:r>
-            <a:endParaRPr lang="fr-CH" altLang="en-US" sz="3600" b="1" dirty="0" smtClean="0">
-              <a:solidFill>
-                <a:srgbClr val="0099CC"/>
-              </a:solidFill>
-              <a:latin typeface="+mn-lt"/>
-            </a:endParaRPr>
           </a:p>
         </p:txBody>
       </p:sp>
@@ -15058,12 +14717,6 @@
               </a:rPr>
               <a:t>Goals</a:t>
             </a:r>
-            <a:endParaRPr lang="fr-CH" altLang="en-US" sz="3600" b="1" dirty="0" smtClean="0">
-              <a:solidFill>
-                <a:srgbClr val="0099CC"/>
-              </a:solidFill>
-              <a:latin typeface="+mn-lt"/>
-            </a:endParaRPr>
           </a:p>
         </p:txBody>
       </p:sp>
@@ -16188,7 +15841,15 @@
                   <a:srgbClr val="5F5F5F"/>
                 </a:solidFill>
               </a:rPr>
-              <a:t>Network </a:t>
+              <a:t>Network (EPFL </a:t>
+            </a:r>
+            <a:r>
+              <a:rPr lang="en-US" sz="2200" dirty="0" err="1" smtClean="0">
+                <a:solidFill>
+                  <a:srgbClr val="5F5F5F"/>
+                </a:solidFill>
+              </a:rPr>
+              <a:t>WiFi</a:t>
             </a:r>
             <a:r>
               <a:rPr lang="en-US" sz="2200" dirty="0" smtClean="0">
@@ -16196,31 +15857,7 @@
                   <a:srgbClr val="5F5F5F"/>
                 </a:solidFill>
               </a:rPr>
-              <a:t>(EPFL </a:t>
-            </a:r>
-            <a:r>
-              <a:rPr lang="en-US" sz="2200" dirty="0" err="1" smtClean="0">
-                <a:solidFill>
-                  <a:srgbClr val="5F5F5F"/>
-                </a:solidFill>
-              </a:rPr>
-              <a:t>WiFi</a:t>
-            </a:r>
-            <a:r>
-              <a:rPr lang="en-US" sz="2200" dirty="0" smtClean="0">
-                <a:solidFill>
-                  <a:srgbClr val="5F5F5F"/>
-                </a:solidFill>
-              </a:rPr>
-              <a:t>/private Ethernet</a:t>
-            </a:r>
-            <a:r>
-              <a:rPr lang="en-US" sz="2200" dirty="0" smtClean="0">
-                <a:solidFill>
-                  <a:srgbClr val="5F5F5F"/>
-                </a:solidFill>
-              </a:rPr>
-              <a:t>)</a:t>
+              <a:t>/private Ethernet)</a:t>
             </a:r>
             <a:endParaRPr lang="en-US" sz="2200" dirty="0">
               <a:solidFill>
@@ -16589,39 +16226,7 @@
                   <a:srgbClr val="5F5F5F"/>
                 </a:solidFill>
               </a:rPr>
-              <a:t>As previously mentioned, </a:t>
-            </a:r>
-            <a:r>
-              <a:rPr lang="en-US" sz="2200" dirty="0" smtClean="0">
-                <a:solidFill>
-                  <a:srgbClr val="5F5F5F"/>
-                </a:solidFill>
-              </a:rPr>
-              <a:t>running different </a:t>
-            </a:r>
-            <a:r>
-              <a:rPr lang="en-US" sz="2200" dirty="0" smtClean="0">
-                <a:solidFill>
-                  <a:srgbClr val="5F5F5F"/>
-                </a:solidFill>
-              </a:rPr>
-              <a:t>benchmarks to evaluate the average waiting time for an answer </a:t>
-            </a:r>
-            <a:r>
-              <a:rPr lang="en-US" sz="2200" dirty="0" smtClean="0">
-                <a:solidFill>
-                  <a:srgbClr val="5F5F5F"/>
-                </a:solidFill>
-              </a:rPr>
-              <a:t>to come back </a:t>
-            </a:r>
-            <a:r>
-              <a:rPr lang="en-US" sz="2200" dirty="0" smtClean="0">
-                <a:solidFill>
-                  <a:srgbClr val="5F5F5F"/>
-                </a:solidFill>
-              </a:rPr>
-              <a:t>from the data-store.</a:t>
+              <a:t>As previously mentioned, running different benchmarks to evaluate the average waiting time for an answer to come back from the data-store.</a:t>
             </a:r>
             <a:endParaRPr lang="en-US" sz="2200" dirty="0" smtClean="0"/>
           </a:p>

--- a/Perf Eval - Final presentation.pptx
+++ b/Perf Eval - Final presentation.pptx
@@ -218,7 +218,7 @@
           <a:p>
             <a:fld id="{57BD9E6B-C072-4D7A-B59A-50AC8BFD878C}" type="datetimeFigureOut">
               <a:rPr lang="fr-CH" smtClean="0"/>
-              <a:t>27.05.2015</a:t>
+              <a:t>28.05.2015</a:t>
             </a:fld>
             <a:endParaRPr lang="fr-CH"/>
           </a:p>
@@ -885,7 +885,7 @@
           <a:p>
             <a:fld id="{B932173E-4693-4338-8F61-3C49B31EA072}" type="datetimeFigureOut">
               <a:rPr lang="fr-CH" smtClean="0"/>
-              <a:t>27.05.2015</a:t>
+              <a:t>28.05.2015</a:t>
             </a:fld>
             <a:endParaRPr lang="fr-CH"/>
           </a:p>
@@ -1055,7 +1055,7 @@
           <a:p>
             <a:fld id="{B932173E-4693-4338-8F61-3C49B31EA072}" type="datetimeFigureOut">
               <a:rPr lang="fr-CH" smtClean="0"/>
-              <a:t>27.05.2015</a:t>
+              <a:t>28.05.2015</a:t>
             </a:fld>
             <a:endParaRPr lang="fr-CH"/>
           </a:p>
@@ -1235,7 +1235,7 @@
           <a:p>
             <a:fld id="{B932173E-4693-4338-8F61-3C49B31EA072}" type="datetimeFigureOut">
               <a:rPr lang="fr-CH" smtClean="0"/>
-              <a:t>27.05.2015</a:t>
+              <a:t>28.05.2015</a:t>
             </a:fld>
             <a:endParaRPr lang="fr-CH"/>
           </a:p>
@@ -3112,7 +3112,7 @@
           <a:p>
             <a:fld id="{B932173E-4693-4338-8F61-3C49B31EA072}" type="datetimeFigureOut">
               <a:rPr lang="fr-CH" smtClean="0"/>
-              <a:t>27.05.2015</a:t>
+              <a:t>28.05.2015</a:t>
             </a:fld>
             <a:endParaRPr lang="fr-CH"/>
           </a:p>
@@ -4271,7 +4271,7 @@
           <a:p>
             <a:fld id="{B932173E-4693-4338-8F61-3C49B31EA072}" type="datetimeFigureOut">
               <a:rPr lang="fr-CH" smtClean="0"/>
-              <a:t>27.05.2015</a:t>
+              <a:t>28.05.2015</a:t>
             </a:fld>
             <a:endParaRPr lang="fr-CH"/>
           </a:p>
@@ -4503,7 +4503,7 @@
           <a:p>
             <a:fld id="{B932173E-4693-4338-8F61-3C49B31EA072}" type="datetimeFigureOut">
               <a:rPr lang="fr-CH" smtClean="0"/>
-              <a:t>27.05.2015</a:t>
+              <a:t>28.05.2015</a:t>
             </a:fld>
             <a:endParaRPr lang="fr-CH"/>
           </a:p>
@@ -4870,7 +4870,7 @@
           <a:p>
             <a:fld id="{B932173E-4693-4338-8F61-3C49B31EA072}" type="datetimeFigureOut">
               <a:rPr lang="fr-CH" smtClean="0"/>
-              <a:t>27.05.2015</a:t>
+              <a:t>28.05.2015</a:t>
             </a:fld>
             <a:endParaRPr lang="fr-CH"/>
           </a:p>
@@ -4988,7 +4988,7 @@
           <a:p>
             <a:fld id="{B932173E-4693-4338-8F61-3C49B31EA072}" type="datetimeFigureOut">
               <a:rPr lang="fr-CH" smtClean="0"/>
-              <a:t>27.05.2015</a:t>
+              <a:t>28.05.2015</a:t>
             </a:fld>
             <a:endParaRPr lang="fr-CH"/>
           </a:p>
@@ -5083,7 +5083,7 @@
           <a:p>
             <a:fld id="{B932173E-4693-4338-8F61-3C49B31EA072}" type="datetimeFigureOut">
               <a:rPr lang="fr-CH" smtClean="0"/>
-              <a:t>27.05.2015</a:t>
+              <a:t>28.05.2015</a:t>
             </a:fld>
             <a:endParaRPr lang="fr-CH"/>
           </a:p>
@@ -5360,7 +5360,7 @@
           <a:p>
             <a:fld id="{B932173E-4693-4338-8F61-3C49B31EA072}" type="datetimeFigureOut">
               <a:rPr lang="fr-CH" smtClean="0"/>
-              <a:t>27.05.2015</a:t>
+              <a:t>28.05.2015</a:t>
             </a:fld>
             <a:endParaRPr lang="fr-CH"/>
           </a:p>
@@ -5613,7 +5613,7 @@
           <a:p>
             <a:fld id="{B932173E-4693-4338-8F61-3C49B31EA072}" type="datetimeFigureOut">
               <a:rPr lang="fr-CH" smtClean="0"/>
-              <a:t>27.05.2015</a:t>
+              <a:t>28.05.2015</a:t>
             </a:fld>
             <a:endParaRPr lang="fr-CH"/>
           </a:p>
@@ -5835,7 +5835,7 @@
           <a:p>
             <a:fld id="{B932173E-4693-4338-8F61-3C49B31EA072}" type="datetimeFigureOut">
               <a:rPr lang="fr-CH" smtClean="0"/>
-              <a:t>27.05.2015</a:t>
+              <a:t>28.05.2015</a:t>
             </a:fld>
             <a:endParaRPr lang="fr-CH"/>
           </a:p>
@@ -8042,47 +8042,16 @@
                   <a:srgbClr val="5F5F5F"/>
                 </a:solidFill>
               </a:rPr>
-              <a:t>Give suitable architecture depending on average clients served</a:t>
-            </a:r>
-          </a:p>
-          <a:p>
-            <a:pPr marL="342900" indent="-342900" eaLnBrk="0" fontAlgn="base" hangingPunct="0">
-              <a:lnSpc>
-                <a:spcPct val="150000"/>
-              </a:lnSpc>
-              <a:spcBef>
-                <a:spcPct val="20000"/>
-              </a:spcBef>
-              <a:spcAft>
-                <a:spcPct val="0"/>
-              </a:spcAft>
-              <a:buClr>
-                <a:schemeClr val="accent1"/>
-              </a:buClr>
-              <a:buBlip>
-                <a:blip r:embed="rId2"/>
-              </a:buBlip>
-            </a:pPr>
+              <a:t>Give suitable architecture depending on average clients </a:t>
+            </a:r>
             <a:r>
               <a:rPr lang="en-US" sz="2200" dirty="0" smtClean="0">
                 <a:solidFill>
                   <a:srgbClr val="5F5F5F"/>
                 </a:solidFill>
               </a:rPr>
-              <a:t>Performance analysis will be, in this case, analysis of the average waiting time of a client for an answer after performing a request to the data-store</a:t>
-            </a:r>
-          </a:p>
-          <a:p>
-            <a:pPr lvl="1">
-              <a:lnSpc>
-                <a:spcPct val="150000"/>
-              </a:lnSpc>
-              <a:buClr>
-                <a:schemeClr val="accent1"/>
-              </a:buClr>
-              <a:buFont typeface="Wingdings" panose="05000000000000000000" pitchFamily="2" charset="2"/>
-              <a:buChar char="§"/>
-            </a:pPr>
+              <a:t>served</a:t>
+            </a:r>
             <a:endParaRPr lang="en-US" sz="2200" dirty="0" smtClean="0"/>
           </a:p>
           <a:p>
@@ -8095,6 +8064,42 @@
           </a:p>
         </p:txBody>
       </p:sp>
+      <p:pic>
+        <p:nvPicPr>
+          <p:cNvPr id="4" name="Image 3"/>
+          <p:cNvPicPr>
+            <a:picLocks noChangeAspect="1"/>
+          </p:cNvPicPr>
+          <p:nvPr/>
+        </p:nvPicPr>
+        <p:blipFill>
+          <a:blip r:embed="rId3">
+            <a:extLst>
+              <a:ext uri="{28A0092B-C50C-407E-A947-70E740481C1C}">
+                <a14:useLocalDpi xmlns:a14="http://schemas.microsoft.com/office/drawing/2010/main" val="0"/>
+              </a:ext>
+            </a:extLst>
+          </a:blip>
+          <a:stretch>
+            <a:fillRect/>
+          </a:stretch>
+        </p:blipFill>
+        <p:spPr>
+          <a:xfrm>
+            <a:off x="204281" y="165484"/>
+            <a:ext cx="2662525" cy="1560073"/>
+          </a:xfrm>
+          <a:prstGeom prst="rect">
+            <a:avLst/>
+          </a:prstGeom>
+          <a:ln>
+            <a:noFill/>
+          </a:ln>
+          <a:effectLst>
+            <a:softEdge rad="76200"/>
+          </a:effectLst>
+        </p:spPr>
+      </p:pic>
     </p:spTree>
     <p:extLst>
       <p:ext uri="{BB962C8B-B14F-4D97-AF65-F5344CB8AC3E}">
@@ -11004,15 +11009,7 @@
                   <a:srgbClr val="5F5F5F"/>
                 </a:solidFill>
               </a:rPr>
-              <a:t> </a:t>
-            </a:r>
-            <a:r>
-              <a:rPr lang="en-US" sz="2200" dirty="0" smtClean="0">
-                <a:solidFill>
-                  <a:srgbClr val="5F5F5F"/>
-                </a:solidFill>
-              </a:rPr>
-              <a:t>becomes the worst architecture.</a:t>
+              <a:t> becomes the worst architecture.</a:t>
             </a:r>
           </a:p>
           <a:p>
@@ -12623,7 +12620,31 @@
                   <a:srgbClr val="5F5F5F"/>
                 </a:solidFill>
               </a:rPr>
-              <a:t> pay off after 25 parallel clients. Before, </a:t>
+              <a:t> </a:t>
+            </a:r>
+            <a:r>
+              <a:rPr lang="en-US" sz="2200" dirty="0" smtClean="0">
+                <a:solidFill>
+                  <a:srgbClr val="5F5F5F"/>
+                </a:solidFill>
+              </a:rPr>
+              <a:t>pays </a:t>
+            </a:r>
+            <a:r>
+              <a:rPr lang="en-US" sz="2200" dirty="0" smtClean="0">
+                <a:solidFill>
+                  <a:srgbClr val="5F5F5F"/>
+                </a:solidFill>
+              </a:rPr>
+              <a:t>off after 25 parallel clients. </a:t>
+            </a:r>
+            <a:r>
+              <a:rPr lang="en-US" sz="2200" dirty="0" smtClean="0">
+                <a:solidFill>
+                  <a:srgbClr val="5F5F5F"/>
+                </a:solidFill>
+              </a:rPr>
+              <a:t>Before that, </a:t>
             </a:r>
             <a:r>
               <a:rPr lang="en-US" sz="2200" dirty="0" err="1" smtClean="0">
@@ -12639,7 +12660,39 @@
                   <a:srgbClr val="5F5F5F"/>
                 </a:solidFill>
               </a:rPr>
-              <a:t> is the best for the IO ones. After that, avoid use of </a:t>
+              <a:t> is the best </a:t>
+            </a:r>
+            <a:r>
+              <a:rPr lang="en-US" sz="2200" dirty="0" smtClean="0">
+                <a:solidFill>
+                  <a:srgbClr val="5F5F5F"/>
+                </a:solidFill>
+              </a:rPr>
+              <a:t>architecture for </a:t>
+            </a:r>
+            <a:r>
+              <a:rPr lang="en-US" sz="2200" dirty="0" smtClean="0">
+                <a:solidFill>
+                  <a:srgbClr val="5F5F5F"/>
+                </a:solidFill>
+              </a:rPr>
+              <a:t>the IO ones. After that, avoid </a:t>
+            </a:r>
+            <a:r>
+              <a:rPr lang="en-US" sz="2200" dirty="0" smtClean="0">
+                <a:solidFill>
+                  <a:srgbClr val="5F5F5F"/>
+                </a:solidFill>
+              </a:rPr>
+              <a:t>the use </a:t>
+            </a:r>
+            <a:r>
+              <a:rPr lang="en-US" sz="2200" dirty="0" smtClean="0">
+                <a:solidFill>
+                  <a:srgbClr val="5F5F5F"/>
+                </a:solidFill>
+              </a:rPr>
+              <a:t>of </a:t>
             </a:r>
             <a:r>
               <a:rPr lang="en-US" sz="2200" dirty="0" err="1" smtClean="0">
@@ -12750,7 +12803,7 @@
             <a:noFill/>
           </a:ln>
           <a:effectLst>
-            <a:softEdge rad="266700"/>
+            <a:softEdge rad="101600"/>
           </a:effectLst>
         </p:spPr>
       </p:pic>
@@ -12926,7 +12979,7 @@
             <a:noFill/>
           </a:ln>
           <a:effectLst>
-            <a:softEdge rad="317500"/>
+            <a:softEdge rad="190500"/>
           </a:effectLst>
         </p:spPr>
       </p:pic>
@@ -14010,7 +14063,23 @@
                   <a:srgbClr val="5F5F5F"/>
                 </a:solidFill>
               </a:rPr>
-              <a:t>Single Threaded vs Multi Threaded</a:t>
+              <a:t>Single </a:t>
+            </a:r>
+            <a:r>
+              <a:rPr lang="en-US" sz="2200" dirty="0" smtClean="0">
+                <a:solidFill>
+                  <a:srgbClr val="5F5F5F"/>
+                </a:solidFill>
+              </a:rPr>
+              <a:t>vs </a:t>
+            </a:r>
+            <a:r>
+              <a:rPr lang="en-US" sz="2200" dirty="0" smtClean="0">
+                <a:solidFill>
+                  <a:srgbClr val="5F5F5F"/>
+                </a:solidFill>
+              </a:rPr>
+              <a:t>Multi Threaded</a:t>
             </a:r>
           </a:p>
           <a:p>
@@ -14037,7 +14106,23 @@
                   <a:srgbClr val="5F5F5F"/>
                 </a:solidFill>
               </a:rPr>
-              <a:t>Blocking version vs Pipelined version</a:t>
+              <a:t>Blocking </a:t>
+            </a:r>
+            <a:r>
+              <a:rPr lang="en-US" sz="2200" dirty="0" smtClean="0">
+                <a:solidFill>
+                  <a:srgbClr val="5F5F5F"/>
+                </a:solidFill>
+              </a:rPr>
+              <a:t>vs </a:t>
+            </a:r>
+            <a:r>
+              <a:rPr lang="en-US" sz="2200" dirty="0" smtClean="0">
+                <a:solidFill>
+                  <a:srgbClr val="5F5F5F"/>
+                </a:solidFill>
+              </a:rPr>
+              <a:t>Pipelined version</a:t>
             </a:r>
           </a:p>
           <a:p>
@@ -14255,7 +14340,7 @@
       </p:sp>
       <p:pic>
         <p:nvPicPr>
-          <p:cNvPr id="4" name="Image 3"/>
+          <p:cNvPr id="5" name="Image 4"/>
           <p:cNvPicPr>
             <a:picLocks noChangeAspect="1"/>
           </p:cNvPicPr>
@@ -14275,8 +14360,8 @@
         </p:blipFill>
         <p:spPr>
           <a:xfrm>
-            <a:off x="9521279" y="3841663"/>
-            <a:ext cx="2317303" cy="1772055"/>
+            <a:off x="9015753" y="2108751"/>
+            <a:ext cx="2411199" cy="2411199"/>
           </a:xfrm>
           <a:prstGeom prst="rect">
             <a:avLst/>
@@ -14285,7 +14370,7 @@
             <a:noFill/>
           </a:ln>
           <a:effectLst>
-            <a:softEdge rad="152400"/>
+            <a:softEdge rad="50800"/>
           </a:effectLst>
         </p:spPr>
       </p:pic>
@@ -14983,47 +15068,16 @@
                   <a:srgbClr val="5F5F5F"/>
                 </a:solidFill>
               </a:rPr>
-              <a:t>Give suitable architecture depending on average clients served</a:t>
-            </a:r>
-          </a:p>
-          <a:p>
-            <a:pPr marL="342900" indent="-342900" eaLnBrk="0" fontAlgn="base" hangingPunct="0">
-              <a:lnSpc>
-                <a:spcPct val="150000"/>
-              </a:lnSpc>
-              <a:spcBef>
-                <a:spcPct val="20000"/>
-              </a:spcBef>
-              <a:spcAft>
-                <a:spcPct val="0"/>
-              </a:spcAft>
-              <a:buClr>
-                <a:schemeClr val="accent1"/>
-              </a:buClr>
-              <a:buBlip>
-                <a:blip r:embed="rId2"/>
-              </a:buBlip>
-            </a:pPr>
+              <a:t>Give suitable architecture depending on average clients </a:t>
+            </a:r>
             <a:r>
               <a:rPr lang="en-US" sz="2200" dirty="0" smtClean="0">
                 <a:solidFill>
                   <a:srgbClr val="5F5F5F"/>
                 </a:solidFill>
               </a:rPr>
-              <a:t>Performance analysis will be, in this case, analysis of the average waiting time of a client for an answer after performing a request to the data-store</a:t>
-            </a:r>
-          </a:p>
-          <a:p>
-            <a:pPr lvl="1">
-              <a:lnSpc>
-                <a:spcPct val="150000"/>
-              </a:lnSpc>
-              <a:buClr>
-                <a:schemeClr val="accent1"/>
-              </a:buClr>
-              <a:buFont typeface="Wingdings" panose="05000000000000000000" pitchFamily="2" charset="2"/>
-              <a:buChar char="§"/>
-            </a:pPr>
+              <a:t>served</a:t>
+            </a:r>
             <a:endParaRPr lang="en-US" sz="2200" dirty="0" smtClean="0"/>
           </a:p>
           <a:p>

--- a/Perf Eval - Final presentation.pptx
+++ b/Perf Eval - Final presentation.pptx
@@ -218,7 +218,7 @@
           <a:p>
             <a:fld id="{57BD9E6B-C072-4D7A-B59A-50AC8BFD878C}" type="datetimeFigureOut">
               <a:rPr lang="fr-CH" smtClean="0"/>
-              <a:t>28.05.2015</a:t>
+              <a:t>29.05.2015</a:t>
             </a:fld>
             <a:endParaRPr lang="fr-CH"/>
           </a:p>
@@ -885,7 +885,7 @@
           <a:p>
             <a:fld id="{B932173E-4693-4338-8F61-3C49B31EA072}" type="datetimeFigureOut">
               <a:rPr lang="fr-CH" smtClean="0"/>
-              <a:t>28.05.2015</a:t>
+              <a:t>29.05.2015</a:t>
             </a:fld>
             <a:endParaRPr lang="fr-CH"/>
           </a:p>
@@ -1055,7 +1055,7 @@
           <a:p>
             <a:fld id="{B932173E-4693-4338-8F61-3C49B31EA072}" type="datetimeFigureOut">
               <a:rPr lang="fr-CH" smtClean="0"/>
-              <a:t>28.05.2015</a:t>
+              <a:t>29.05.2015</a:t>
             </a:fld>
             <a:endParaRPr lang="fr-CH"/>
           </a:p>
@@ -1235,7 +1235,7 @@
           <a:p>
             <a:fld id="{B932173E-4693-4338-8F61-3C49B31EA072}" type="datetimeFigureOut">
               <a:rPr lang="fr-CH" smtClean="0"/>
-              <a:t>28.05.2015</a:t>
+              <a:t>29.05.2015</a:t>
             </a:fld>
             <a:endParaRPr lang="fr-CH"/>
           </a:p>
@@ -3112,7 +3112,7 @@
           <a:p>
             <a:fld id="{B932173E-4693-4338-8F61-3C49B31EA072}" type="datetimeFigureOut">
               <a:rPr lang="fr-CH" smtClean="0"/>
-              <a:t>28.05.2015</a:t>
+              <a:t>29.05.2015</a:t>
             </a:fld>
             <a:endParaRPr lang="fr-CH"/>
           </a:p>
@@ -4271,7 +4271,7 @@
           <a:p>
             <a:fld id="{B932173E-4693-4338-8F61-3C49B31EA072}" type="datetimeFigureOut">
               <a:rPr lang="fr-CH" smtClean="0"/>
-              <a:t>28.05.2015</a:t>
+              <a:t>29.05.2015</a:t>
             </a:fld>
             <a:endParaRPr lang="fr-CH"/>
           </a:p>
@@ -4503,7 +4503,7 @@
           <a:p>
             <a:fld id="{B932173E-4693-4338-8F61-3C49B31EA072}" type="datetimeFigureOut">
               <a:rPr lang="fr-CH" smtClean="0"/>
-              <a:t>28.05.2015</a:t>
+              <a:t>29.05.2015</a:t>
             </a:fld>
             <a:endParaRPr lang="fr-CH"/>
           </a:p>
@@ -4870,7 +4870,7 @@
           <a:p>
             <a:fld id="{B932173E-4693-4338-8F61-3C49B31EA072}" type="datetimeFigureOut">
               <a:rPr lang="fr-CH" smtClean="0"/>
-              <a:t>28.05.2015</a:t>
+              <a:t>29.05.2015</a:t>
             </a:fld>
             <a:endParaRPr lang="fr-CH"/>
           </a:p>
@@ -4988,7 +4988,7 @@
           <a:p>
             <a:fld id="{B932173E-4693-4338-8F61-3C49B31EA072}" type="datetimeFigureOut">
               <a:rPr lang="fr-CH" smtClean="0"/>
-              <a:t>28.05.2015</a:t>
+              <a:t>29.05.2015</a:t>
             </a:fld>
             <a:endParaRPr lang="fr-CH"/>
           </a:p>
@@ -5083,7 +5083,7 @@
           <a:p>
             <a:fld id="{B932173E-4693-4338-8F61-3C49B31EA072}" type="datetimeFigureOut">
               <a:rPr lang="fr-CH" smtClean="0"/>
-              <a:t>28.05.2015</a:t>
+              <a:t>29.05.2015</a:t>
             </a:fld>
             <a:endParaRPr lang="fr-CH"/>
           </a:p>
@@ -5360,7 +5360,7 @@
           <a:p>
             <a:fld id="{B932173E-4693-4338-8F61-3C49B31EA072}" type="datetimeFigureOut">
               <a:rPr lang="fr-CH" smtClean="0"/>
-              <a:t>28.05.2015</a:t>
+              <a:t>29.05.2015</a:t>
             </a:fld>
             <a:endParaRPr lang="fr-CH"/>
           </a:p>
@@ -5613,7 +5613,7 @@
           <a:p>
             <a:fld id="{B932173E-4693-4338-8F61-3C49B31EA072}" type="datetimeFigureOut">
               <a:rPr lang="fr-CH" smtClean="0"/>
-              <a:t>28.05.2015</a:t>
+              <a:t>29.05.2015</a:t>
             </a:fld>
             <a:endParaRPr lang="fr-CH"/>
           </a:p>
@@ -5835,7 +5835,7 @@
           <a:p>
             <a:fld id="{B932173E-4693-4338-8F61-3C49B31EA072}" type="datetimeFigureOut">
               <a:rPr lang="fr-CH" smtClean="0"/>
-              <a:t>28.05.2015</a:t>
+              <a:t>29.05.2015</a:t>
             </a:fld>
             <a:endParaRPr lang="fr-CH"/>
           </a:p>
@@ -7743,8 +7743,14 @@
                 </a:solidFill>
                 <a:latin typeface="+mn-lt"/>
               </a:rPr>
-              <a:t>:</a:t>
-            </a:r>
+              <a:t> :</a:t>
+            </a:r>
+            <a:endParaRPr lang="fr-CH" altLang="en-US" sz="3600" b="1" dirty="0" smtClean="0">
+              <a:solidFill>
+                <a:srgbClr val="0099CC"/>
+              </a:solidFill>
+              <a:latin typeface="+mn-lt"/>
+            </a:endParaRPr>
           </a:p>
           <a:p>
             <a:pPr algn="ctr" eaLnBrk="0" fontAlgn="base" hangingPunct="0">
@@ -8042,15 +8048,7 @@
                   <a:srgbClr val="5F5F5F"/>
                 </a:solidFill>
               </a:rPr>
-              <a:t>Give suitable architecture depending on average clients </a:t>
-            </a:r>
-            <a:r>
-              <a:rPr lang="en-US" sz="2200" dirty="0" smtClean="0">
-                <a:solidFill>
-                  <a:srgbClr val="5F5F5F"/>
-                </a:solidFill>
-              </a:rPr>
-              <a:t>served</a:t>
+              <a:t>Give suitable architecture depending on average clients served</a:t>
             </a:r>
             <a:endParaRPr lang="en-US" sz="2200" dirty="0" smtClean="0"/>
           </a:p>
@@ -10563,7 +10561,23 @@
                   <a:srgbClr val="5F5F5F"/>
                 </a:solidFill>
               </a:rPr>
-              <a:t>NIO architectures already “better” than the IO ones.</a:t>
+              <a:t>NIO architectures </a:t>
+            </a:r>
+            <a:r>
+              <a:rPr lang="en-US" sz="2200" dirty="0" smtClean="0">
+                <a:solidFill>
+                  <a:srgbClr val="5F5F5F"/>
+                </a:solidFill>
+              </a:rPr>
+              <a:t>tend to be “better</a:t>
+            </a:r>
+            <a:r>
+              <a:rPr lang="en-US" sz="2200" dirty="0" smtClean="0">
+                <a:solidFill>
+                  <a:srgbClr val="5F5F5F"/>
+                </a:solidFill>
+              </a:rPr>
+              <a:t>” than the IO ones.</a:t>
             </a:r>
           </a:p>
           <a:p>
@@ -11899,7 +11913,15 @@
                   <a:srgbClr val="5F5F5F"/>
                 </a:solidFill>
               </a:rPr>
-              <a:t>What is a Key-Value Store</a:t>
+              <a:t>What is a Key-Value </a:t>
+            </a:r>
+            <a:r>
+              <a:rPr lang="en-US" sz="2200" dirty="0" smtClean="0">
+                <a:solidFill>
+                  <a:srgbClr val="5F5F5F"/>
+                </a:solidFill>
+              </a:rPr>
+              <a:t>Data-Store</a:t>
             </a:r>
             <a:endParaRPr lang="en-US" sz="2200" dirty="0">
               <a:solidFill>
@@ -12620,7 +12642,15 @@
                   <a:srgbClr val="5F5F5F"/>
                 </a:solidFill>
               </a:rPr>
-              <a:t> </a:t>
+              <a:t> pays off after 25 parallel clients. Before that, </a:t>
+            </a:r>
+            <a:r>
+              <a:rPr lang="en-US" sz="2200" dirty="0" err="1" smtClean="0">
+                <a:solidFill>
+                  <a:srgbClr val="5F5F5F"/>
+                </a:solidFill>
+              </a:rPr>
+              <a:t>IOSingle</a:t>
             </a:r>
             <a:r>
               <a:rPr lang="en-US" sz="2200" dirty="0" smtClean="0">
@@ -12628,7 +12658,7 @@
                   <a:srgbClr val="5F5F5F"/>
                 </a:solidFill>
               </a:rPr>
-              <a:t>pays </a:t>
+              <a:t> is the best architecture </a:t>
             </a:r>
             <a:r>
               <a:rPr lang="en-US" sz="2200" dirty="0" smtClean="0">
@@ -12636,7 +12666,7 @@
                   <a:srgbClr val="5F5F5F"/>
                 </a:solidFill>
               </a:rPr>
-              <a:t>off after 25 parallel clients. </a:t>
+              <a:t>among the </a:t>
             </a:r>
             <a:r>
               <a:rPr lang="en-US" sz="2200" dirty="0" smtClean="0">
@@ -12644,55 +12674,7 @@
                   <a:srgbClr val="5F5F5F"/>
                 </a:solidFill>
               </a:rPr>
-              <a:t>Before that, </a:t>
-            </a:r>
-            <a:r>
-              <a:rPr lang="en-US" sz="2200" dirty="0" err="1" smtClean="0">
-                <a:solidFill>
-                  <a:srgbClr val="5F5F5F"/>
-                </a:solidFill>
-              </a:rPr>
-              <a:t>IOSingle</a:t>
-            </a:r>
-            <a:r>
-              <a:rPr lang="en-US" sz="2200" dirty="0" smtClean="0">
-                <a:solidFill>
-                  <a:srgbClr val="5F5F5F"/>
-                </a:solidFill>
-              </a:rPr>
-              <a:t> is the best </a:t>
-            </a:r>
-            <a:r>
-              <a:rPr lang="en-US" sz="2200" dirty="0" smtClean="0">
-                <a:solidFill>
-                  <a:srgbClr val="5F5F5F"/>
-                </a:solidFill>
-              </a:rPr>
-              <a:t>architecture for </a:t>
-            </a:r>
-            <a:r>
-              <a:rPr lang="en-US" sz="2200" dirty="0" smtClean="0">
-                <a:solidFill>
-                  <a:srgbClr val="5F5F5F"/>
-                </a:solidFill>
-              </a:rPr>
-              <a:t>the IO ones. After that, avoid </a:t>
-            </a:r>
-            <a:r>
-              <a:rPr lang="en-US" sz="2200" dirty="0" smtClean="0">
-                <a:solidFill>
-                  <a:srgbClr val="5F5F5F"/>
-                </a:solidFill>
-              </a:rPr>
-              <a:t>the use </a:t>
-            </a:r>
-            <a:r>
-              <a:rPr lang="en-US" sz="2200" dirty="0" smtClean="0">
-                <a:solidFill>
-                  <a:srgbClr val="5F5F5F"/>
-                </a:solidFill>
-              </a:rPr>
-              <a:t>of </a:t>
+              <a:t>IO ones. After that, avoid the use of </a:t>
             </a:r>
             <a:r>
               <a:rPr lang="en-US" sz="2200" dirty="0" err="1" smtClean="0">
@@ -13133,8 +13115,25 @@
                 <a:ea typeface="+mj-ea"/>
                 <a:cs typeface="+mj-cs"/>
               </a:rPr>
-              <a:t> of a Key-Value store</a:t>
-            </a:r>
+              <a:t> of a Key-Value </a:t>
+            </a:r>
+            <a:r>
+              <a:rPr lang="fr-CH" sz="3600" b="1" dirty="0" smtClean="0">
+                <a:solidFill>
+                  <a:srgbClr val="0099CC"/>
+                </a:solidFill>
+                <a:ea typeface="+mj-ea"/>
+                <a:cs typeface="+mj-cs"/>
+              </a:rPr>
+              <a:t>Data-Store</a:t>
+            </a:r>
+            <a:endParaRPr lang="fr-CH" sz="3600" b="1" dirty="0">
+              <a:solidFill>
+                <a:srgbClr val="0099CC"/>
+              </a:solidFill>
+              <a:ea typeface="+mj-ea"/>
+              <a:cs typeface="+mj-cs"/>
+            </a:endParaRPr>
           </a:p>
         </p:txBody>
       </p:sp>
@@ -13849,8 +13848,23 @@
                 </a:solidFill>
                 <a:latin typeface="+mn-lt"/>
               </a:rPr>
-              <a:t>Key-Value Store</a:t>
-            </a:r>
+              <a:t>Key-Value </a:t>
+            </a:r>
+            <a:r>
+              <a:rPr lang="fr-CH" altLang="en-US" sz="3600" b="1" dirty="0" smtClean="0">
+                <a:solidFill>
+                  <a:srgbClr val="0099CC"/>
+                </a:solidFill>
+                <a:latin typeface="+mn-lt"/>
+              </a:rPr>
+              <a:t>Data-Store</a:t>
+            </a:r>
+            <a:endParaRPr lang="fr-CH" altLang="en-US" sz="3600" b="1" dirty="0" smtClean="0">
+              <a:solidFill>
+                <a:srgbClr val="0099CC"/>
+              </a:solidFill>
+              <a:latin typeface="+mn-lt"/>
+            </a:endParaRPr>
           </a:p>
         </p:txBody>
       </p:sp>
@@ -14063,23 +14077,7 @@
                   <a:srgbClr val="5F5F5F"/>
                 </a:solidFill>
               </a:rPr>
-              <a:t>Single </a:t>
-            </a:r>
-            <a:r>
-              <a:rPr lang="en-US" sz="2200" dirty="0" smtClean="0">
-                <a:solidFill>
-                  <a:srgbClr val="5F5F5F"/>
-                </a:solidFill>
-              </a:rPr>
-              <a:t>vs </a:t>
-            </a:r>
-            <a:r>
-              <a:rPr lang="en-US" sz="2200" dirty="0" smtClean="0">
-                <a:solidFill>
-                  <a:srgbClr val="5F5F5F"/>
-                </a:solidFill>
-              </a:rPr>
-              <a:t>Multi Threaded</a:t>
+              <a:t>Single vs Multi Threaded</a:t>
             </a:r>
           </a:p>
           <a:p>
@@ -14106,7 +14104,7 @@
                   <a:srgbClr val="5F5F5F"/>
                 </a:solidFill>
               </a:rPr>
-              <a:t>Blocking </a:t>
+              <a:t>Blocking vs Pipelined </a:t>
             </a:r>
             <a:r>
               <a:rPr lang="en-US" sz="2200" dirty="0" smtClean="0">
@@ -14114,16 +14112,13 @@
                   <a:srgbClr val="5F5F5F"/>
                 </a:solidFill>
               </a:rPr>
-              <a:t>vs </a:t>
-            </a:r>
-            <a:r>
-              <a:rPr lang="en-US" sz="2200" dirty="0" smtClean="0">
-                <a:solidFill>
-                  <a:srgbClr val="5F5F5F"/>
-                </a:solidFill>
-              </a:rPr>
-              <a:t>Pipelined version</a:t>
-            </a:r>
+              <a:t>architecture</a:t>
+            </a:r>
+            <a:endParaRPr lang="en-US" sz="2200" dirty="0" smtClean="0">
+              <a:solidFill>
+                <a:srgbClr val="5F5F5F"/>
+              </a:solidFill>
+            </a:endParaRPr>
           </a:p>
           <a:p>
             <a:pPr marL="342900" indent="-342900" eaLnBrk="0" fontAlgn="base" hangingPunct="0">
@@ -15068,15 +15063,7 @@
                   <a:srgbClr val="5F5F5F"/>
                 </a:solidFill>
               </a:rPr>
-              <a:t>Give suitable architecture depending on average clients </a:t>
-            </a:r>
-            <a:r>
-              <a:rPr lang="en-US" sz="2200" dirty="0" smtClean="0">
-                <a:solidFill>
-                  <a:srgbClr val="5F5F5F"/>
-                </a:solidFill>
-              </a:rPr>
-              <a:t>served</a:t>
+              <a:t>Give suitable architecture depending on average clients served</a:t>
             </a:r>
             <a:endParaRPr lang="en-US" sz="2200" dirty="0" smtClean="0"/>
           </a:p>
